--- a/mini_library.pptx
+++ b/mini_library.pptx
@@ -260,7 +260,7 @@
           <a:p>
             <a:fld id="{63EB8CB0-ADEB-4FAF-A3C5-4F9D49DF492E}" type="datetimeFigureOut">
               <a:rPr lang="ko-KR" altLang="en-US" smtClean="0"/>
-              <a:t>2023-09-04</a:t>
+              <a:t>2023-09-05</a:t>
             </a:fld>
             <a:endParaRPr lang="ko-KR" altLang="en-US"/>
           </a:p>
@@ -458,7 +458,7 @@
           <a:p>
             <a:fld id="{63EB8CB0-ADEB-4FAF-A3C5-4F9D49DF492E}" type="datetimeFigureOut">
               <a:rPr lang="ko-KR" altLang="en-US" smtClean="0"/>
-              <a:t>2023-09-04</a:t>
+              <a:t>2023-09-05</a:t>
             </a:fld>
             <a:endParaRPr lang="ko-KR" altLang="en-US"/>
           </a:p>
@@ -666,7 +666,7 @@
           <a:p>
             <a:fld id="{63EB8CB0-ADEB-4FAF-A3C5-4F9D49DF492E}" type="datetimeFigureOut">
               <a:rPr lang="ko-KR" altLang="en-US" smtClean="0"/>
-              <a:t>2023-09-04</a:t>
+              <a:t>2023-09-05</a:t>
             </a:fld>
             <a:endParaRPr lang="ko-KR" altLang="en-US"/>
           </a:p>
@@ -864,7 +864,7 @@
           <a:p>
             <a:fld id="{63EB8CB0-ADEB-4FAF-A3C5-4F9D49DF492E}" type="datetimeFigureOut">
               <a:rPr lang="ko-KR" altLang="en-US" smtClean="0"/>
-              <a:t>2023-09-04</a:t>
+              <a:t>2023-09-05</a:t>
             </a:fld>
             <a:endParaRPr lang="ko-KR" altLang="en-US"/>
           </a:p>
@@ -1139,7 +1139,7 @@
           <a:p>
             <a:fld id="{63EB8CB0-ADEB-4FAF-A3C5-4F9D49DF492E}" type="datetimeFigureOut">
               <a:rPr lang="ko-KR" altLang="en-US" smtClean="0"/>
-              <a:t>2023-09-04</a:t>
+              <a:t>2023-09-05</a:t>
             </a:fld>
             <a:endParaRPr lang="ko-KR" altLang="en-US"/>
           </a:p>
@@ -1404,7 +1404,7 @@
           <a:p>
             <a:fld id="{63EB8CB0-ADEB-4FAF-A3C5-4F9D49DF492E}" type="datetimeFigureOut">
               <a:rPr lang="ko-KR" altLang="en-US" smtClean="0"/>
-              <a:t>2023-09-04</a:t>
+              <a:t>2023-09-05</a:t>
             </a:fld>
             <a:endParaRPr lang="ko-KR" altLang="en-US"/>
           </a:p>
@@ -1816,7 +1816,7 @@
           <a:p>
             <a:fld id="{63EB8CB0-ADEB-4FAF-A3C5-4F9D49DF492E}" type="datetimeFigureOut">
               <a:rPr lang="ko-KR" altLang="en-US" smtClean="0"/>
-              <a:t>2023-09-04</a:t>
+              <a:t>2023-09-05</a:t>
             </a:fld>
             <a:endParaRPr lang="ko-KR" altLang="en-US"/>
           </a:p>
@@ -1957,7 +1957,7 @@
           <a:p>
             <a:fld id="{63EB8CB0-ADEB-4FAF-A3C5-4F9D49DF492E}" type="datetimeFigureOut">
               <a:rPr lang="ko-KR" altLang="en-US" smtClean="0"/>
-              <a:t>2023-09-04</a:t>
+              <a:t>2023-09-05</a:t>
             </a:fld>
             <a:endParaRPr lang="ko-KR" altLang="en-US"/>
           </a:p>
@@ -2070,7 +2070,7 @@
           <a:p>
             <a:fld id="{63EB8CB0-ADEB-4FAF-A3C5-4F9D49DF492E}" type="datetimeFigureOut">
               <a:rPr lang="ko-KR" altLang="en-US" smtClean="0"/>
-              <a:t>2023-09-04</a:t>
+              <a:t>2023-09-05</a:t>
             </a:fld>
             <a:endParaRPr lang="ko-KR" altLang="en-US"/>
           </a:p>
@@ -2381,7 +2381,7 @@
           <a:p>
             <a:fld id="{63EB8CB0-ADEB-4FAF-A3C5-4F9D49DF492E}" type="datetimeFigureOut">
               <a:rPr lang="ko-KR" altLang="en-US" smtClean="0"/>
-              <a:t>2023-09-04</a:t>
+              <a:t>2023-09-05</a:t>
             </a:fld>
             <a:endParaRPr lang="ko-KR" altLang="en-US"/>
           </a:p>
@@ -2669,7 +2669,7 @@
           <a:p>
             <a:fld id="{63EB8CB0-ADEB-4FAF-A3C5-4F9D49DF492E}" type="datetimeFigureOut">
               <a:rPr lang="ko-KR" altLang="en-US" smtClean="0"/>
-              <a:t>2023-09-04</a:t>
+              <a:t>2023-09-05</a:t>
             </a:fld>
             <a:endParaRPr lang="ko-KR" altLang="en-US"/>
           </a:p>
@@ -2910,7 +2910,7 @@
           <a:p>
             <a:fld id="{63EB8CB0-ADEB-4FAF-A3C5-4F9D49DF492E}" type="datetimeFigureOut">
               <a:rPr lang="ko-KR" altLang="en-US" smtClean="0"/>
-              <a:t>2023-09-04</a:t>
+              <a:t>2023-09-05</a:t>
             </a:fld>
             <a:endParaRPr lang="ko-KR" altLang="en-US"/>
           </a:p>
@@ -3329,10 +3329,10 @@
       </p:grpSpPr>
       <p:sp>
         <p:nvSpPr>
-          <p:cNvPr id="31" name="직사각형 30">
-            <a:extLst>
-              <a:ext uri="{FF2B5EF4-FFF2-40B4-BE49-F238E27FC236}">
-                <a16:creationId xmlns:a16="http://schemas.microsoft.com/office/drawing/2014/main" id="{643E4DEF-183F-4F61-9413-DBA0C83B02C0}"/>
+          <p:cNvPr id="2" name="직사각형 1">
+            <a:extLst>
+              <a:ext uri="{FF2B5EF4-FFF2-40B4-BE49-F238E27FC236}">
+                <a16:creationId xmlns:a16="http://schemas.microsoft.com/office/drawing/2014/main" id="{9A82C024-D10C-B050-9E4F-0A542082B9DC}"/>
               </a:ext>
             </a:extLst>
           </p:cNvPr>
@@ -3341,8 +3341,8 @@
         </p:nvSpPr>
         <p:spPr>
           <a:xfrm>
-            <a:off x="5309658" y="1126066"/>
-            <a:ext cx="2170996" cy="3456819"/>
+            <a:off x="292100" y="4138989"/>
+            <a:ext cx="5290846" cy="1273329"/>
           </a:xfrm>
           <a:prstGeom prst="rect">
             <a:avLst/>
@@ -3381,10 +3381,10 @@
       </p:sp>
       <p:sp>
         <p:nvSpPr>
-          <p:cNvPr id="30" name="직사각형 29">
-            <a:extLst>
-              <a:ext uri="{FF2B5EF4-FFF2-40B4-BE49-F238E27FC236}">
-                <a16:creationId xmlns:a16="http://schemas.microsoft.com/office/drawing/2014/main" id="{17E33BEA-F582-489F-8C54-0D56E77560C7}"/>
+          <p:cNvPr id="6" name="직사각형 5">
+            <a:extLst>
+              <a:ext uri="{FF2B5EF4-FFF2-40B4-BE49-F238E27FC236}">
+                <a16:creationId xmlns:a16="http://schemas.microsoft.com/office/drawing/2014/main" id="{0562C8B9-A869-8C8D-0789-1973C8523FE1}"/>
               </a:ext>
             </a:extLst>
           </p:cNvPr>
@@ -3393,8 +3393,8 @@
         </p:nvSpPr>
         <p:spPr>
           <a:xfrm>
-            <a:off x="7798206" y="1126066"/>
-            <a:ext cx="3933578" cy="4605867"/>
+            <a:off x="6046567" y="450850"/>
+            <a:ext cx="2054750" cy="4533824"/>
           </a:xfrm>
           <a:prstGeom prst="rect">
             <a:avLst/>
@@ -3433,10 +3433,10 @@
       </p:sp>
       <p:sp>
         <p:nvSpPr>
-          <p:cNvPr id="29" name="직사각형 28">
-            <a:extLst>
-              <a:ext uri="{FF2B5EF4-FFF2-40B4-BE49-F238E27FC236}">
-                <a16:creationId xmlns:a16="http://schemas.microsoft.com/office/drawing/2014/main" id="{894E6A18-584A-4546-8B47-B5326276088B}"/>
+          <p:cNvPr id="14" name="직사각형 13">
+            <a:extLst>
+              <a:ext uri="{FF2B5EF4-FFF2-40B4-BE49-F238E27FC236}">
+                <a16:creationId xmlns:a16="http://schemas.microsoft.com/office/drawing/2014/main" id="{6029B894-0830-07BD-06D2-C860BA7B3D72}"/>
               </a:ext>
             </a:extLst>
           </p:cNvPr>
@@ -3445,33 +3445,25 @@
         </p:nvSpPr>
         <p:spPr>
           <a:xfrm>
-            <a:off x="420317" y="1126066"/>
-            <a:ext cx="4588934" cy="4605867"/>
+            <a:off x="6308052" y="705753"/>
+            <a:ext cx="1553029" cy="885372"/>
           </a:xfrm>
           <a:prstGeom prst="rect">
             <a:avLst/>
           </a:prstGeom>
-          <a:solidFill>
-            <a:schemeClr val="accent5">
-              <a:alpha val="50000"/>
-            </a:schemeClr>
-          </a:solidFill>
-          <a:ln>
-            <a:noFill/>
-          </a:ln>
         </p:spPr>
         <p:style>
-          <a:lnRef idx="0">
-            <a:scrgbClr r="0" g="0" b="0"/>
+          <a:lnRef idx="2">
+            <a:schemeClr val="accent1"/>
           </a:lnRef>
-          <a:fillRef idx="0">
-            <a:scrgbClr r="0" g="0" b="0"/>
+          <a:fillRef idx="1">
+            <a:schemeClr val="lt1"/>
           </a:fillRef>
           <a:effectRef idx="0">
-            <a:scrgbClr r="0" g="0" b="0"/>
+            <a:schemeClr val="accent1"/>
           </a:effectRef>
           <a:fontRef idx="minor">
-            <a:schemeClr val="lt1"/>
+            <a:schemeClr val="dk1"/>
           </a:fontRef>
         </p:style>
         <p:txBody>
@@ -3479,16 +3471,639 @@
           <a:lstStyle/>
           <a:p>
             <a:pPr algn="ctr"/>
-            <a:endParaRPr lang="ko-KR" altLang="en-US"/>
+            <a:r>
+              <a:rPr lang="en-US" altLang="ko-KR" sz="1600" dirty="0"/>
+              <a:t>Rental</a:t>
+            </a:r>
+            <a:endParaRPr lang="ko-KR" altLang="en-US" sz="1600" dirty="0"/>
+          </a:p>
+        </p:txBody>
+      </p:sp>
+      <p:sp>
+        <p:nvSpPr>
+          <p:cNvPr id="22" name="직사각형 21">
+            <a:extLst>
+              <a:ext uri="{FF2B5EF4-FFF2-40B4-BE49-F238E27FC236}">
+                <a16:creationId xmlns:a16="http://schemas.microsoft.com/office/drawing/2014/main" id="{483EE669-05D2-D521-27F5-ADCEDBCCEAAF}"/>
+              </a:ext>
+            </a:extLst>
+          </p:cNvPr>
+          <p:cNvSpPr/>
+          <p:nvPr/>
+        </p:nvSpPr>
+        <p:spPr>
+          <a:xfrm>
+            <a:off x="6308052" y="1760838"/>
+            <a:ext cx="1553029" cy="885372"/>
+          </a:xfrm>
+          <a:prstGeom prst="rect">
+            <a:avLst/>
+          </a:prstGeom>
+        </p:spPr>
+        <p:style>
+          <a:lnRef idx="2">
+            <a:schemeClr val="accent1"/>
+          </a:lnRef>
+          <a:fillRef idx="1">
+            <a:schemeClr val="lt1"/>
+          </a:fillRef>
+          <a:effectRef idx="0">
+            <a:schemeClr val="accent1"/>
+          </a:effectRef>
+          <a:fontRef idx="minor">
+            <a:schemeClr val="dk1"/>
+          </a:fontRef>
+        </p:style>
+        <p:txBody>
+          <a:bodyPr rtlCol="0" anchor="ctr"/>
+          <a:lstStyle/>
+          <a:p>
+            <a:pPr algn="ctr"/>
+            <a:r>
+              <a:rPr lang="en-US" altLang="ko-KR" sz="1600" dirty="0"/>
+              <a:t>Reservation</a:t>
+            </a:r>
+            <a:endParaRPr lang="ko-KR" altLang="en-US" sz="1600" dirty="0"/>
+          </a:p>
+        </p:txBody>
+      </p:sp>
+      <p:sp>
+        <p:nvSpPr>
+          <p:cNvPr id="34" name="직사각형 33">
+            <a:extLst>
+              <a:ext uri="{FF2B5EF4-FFF2-40B4-BE49-F238E27FC236}">
+                <a16:creationId xmlns:a16="http://schemas.microsoft.com/office/drawing/2014/main" id="{745C78FE-07BC-CB63-4045-BDF3055B862C}"/>
+              </a:ext>
+            </a:extLst>
+          </p:cNvPr>
+          <p:cNvSpPr/>
+          <p:nvPr/>
+        </p:nvSpPr>
+        <p:spPr>
+          <a:xfrm>
+            <a:off x="6308051" y="2815923"/>
+            <a:ext cx="1553029" cy="885372"/>
+          </a:xfrm>
+          <a:prstGeom prst="rect">
+            <a:avLst/>
+          </a:prstGeom>
+        </p:spPr>
+        <p:style>
+          <a:lnRef idx="2">
+            <a:schemeClr val="accent1"/>
+          </a:lnRef>
+          <a:fillRef idx="1">
+            <a:schemeClr val="lt1"/>
+          </a:fillRef>
+          <a:effectRef idx="0">
+            <a:schemeClr val="accent1"/>
+          </a:effectRef>
+          <a:fontRef idx="minor">
+            <a:schemeClr val="dk1"/>
+          </a:fontRef>
+        </p:style>
+        <p:txBody>
+          <a:bodyPr rtlCol="0" anchor="ctr"/>
+          <a:lstStyle/>
+          <a:p>
+            <a:pPr algn="ctr"/>
+            <a:r>
+              <a:rPr lang="en-US" altLang="ko-KR" sz="1600" dirty="0"/>
+              <a:t>Return</a:t>
+            </a:r>
+            <a:endParaRPr lang="ko-KR" altLang="en-US" sz="1600" dirty="0"/>
+          </a:p>
+        </p:txBody>
+      </p:sp>
+      <p:sp>
+        <p:nvSpPr>
+          <p:cNvPr id="36" name="직사각형 35">
+            <a:extLst>
+              <a:ext uri="{FF2B5EF4-FFF2-40B4-BE49-F238E27FC236}">
+                <a16:creationId xmlns:a16="http://schemas.microsoft.com/office/drawing/2014/main" id="{58CC0EB2-5CC1-795F-8855-109234FE5416}"/>
+              </a:ext>
+            </a:extLst>
+          </p:cNvPr>
+          <p:cNvSpPr/>
+          <p:nvPr/>
+        </p:nvSpPr>
+        <p:spPr>
+          <a:xfrm>
+            <a:off x="6308051" y="3867753"/>
+            <a:ext cx="1553029" cy="885372"/>
+          </a:xfrm>
+          <a:prstGeom prst="rect">
+            <a:avLst/>
+          </a:prstGeom>
+        </p:spPr>
+        <p:style>
+          <a:lnRef idx="2">
+            <a:schemeClr val="accent1"/>
+          </a:lnRef>
+          <a:fillRef idx="1">
+            <a:schemeClr val="lt1"/>
+          </a:fillRef>
+          <a:effectRef idx="0">
+            <a:schemeClr val="accent1"/>
+          </a:effectRef>
+          <a:fontRef idx="minor">
+            <a:schemeClr val="dk1"/>
+          </a:fontRef>
+        </p:style>
+        <p:txBody>
+          <a:bodyPr rtlCol="0" anchor="ctr"/>
+          <a:lstStyle/>
+          <a:p>
+            <a:pPr algn="ctr"/>
+            <a:r>
+              <a:rPr lang="en-US" altLang="ko-KR" sz="1600" dirty="0"/>
+              <a:t>Purchase</a:t>
+            </a:r>
+          </a:p>
+          <a:p>
+            <a:pPr algn="ctr"/>
+            <a:r>
+              <a:rPr lang="en-US" altLang="ko-KR" sz="1600" dirty="0"/>
+              <a:t>Request</a:t>
+            </a:r>
+            <a:endParaRPr lang="ko-KR" altLang="en-US" sz="1600" dirty="0"/>
+          </a:p>
+        </p:txBody>
+      </p:sp>
+      <p:sp>
+        <p:nvSpPr>
+          <p:cNvPr id="38" name="직사각형 37">
+            <a:extLst>
+              <a:ext uri="{FF2B5EF4-FFF2-40B4-BE49-F238E27FC236}">
+                <a16:creationId xmlns:a16="http://schemas.microsoft.com/office/drawing/2014/main" id="{DA462385-0D82-9705-025F-B57334E5668C}"/>
+              </a:ext>
+            </a:extLst>
+          </p:cNvPr>
+          <p:cNvSpPr/>
+          <p:nvPr/>
+        </p:nvSpPr>
+        <p:spPr>
+          <a:xfrm>
+            <a:off x="526956" y="4325257"/>
+            <a:ext cx="1553029" cy="885372"/>
+          </a:xfrm>
+          <a:prstGeom prst="rect">
+            <a:avLst/>
+          </a:prstGeom>
+        </p:spPr>
+        <p:style>
+          <a:lnRef idx="2">
+            <a:schemeClr val="accent1"/>
+          </a:lnRef>
+          <a:fillRef idx="1">
+            <a:schemeClr val="lt1"/>
+          </a:fillRef>
+          <a:effectRef idx="0">
+            <a:schemeClr val="accent1"/>
+          </a:effectRef>
+          <a:fontRef idx="minor">
+            <a:schemeClr val="dk1"/>
+          </a:fontRef>
+        </p:style>
+        <p:txBody>
+          <a:bodyPr rtlCol="0" anchor="ctr"/>
+          <a:lstStyle/>
+          <a:p>
+            <a:pPr algn="ctr"/>
+            <a:r>
+              <a:rPr lang="en-US" altLang="ko-KR" sz="1600" dirty="0"/>
+              <a:t>Rental</a:t>
+            </a:r>
+          </a:p>
+          <a:p>
+            <a:pPr algn="ctr"/>
+            <a:r>
+              <a:rPr lang="en-US" altLang="ko-KR" sz="1600" dirty="0"/>
+              <a:t>History</a:t>
+            </a:r>
+            <a:endParaRPr lang="ko-KR" altLang="en-US" sz="1600" dirty="0"/>
+          </a:p>
+        </p:txBody>
+      </p:sp>
+      <p:sp>
+        <p:nvSpPr>
+          <p:cNvPr id="40" name="직사각형 39">
+            <a:extLst>
+              <a:ext uri="{FF2B5EF4-FFF2-40B4-BE49-F238E27FC236}">
+                <a16:creationId xmlns:a16="http://schemas.microsoft.com/office/drawing/2014/main" id="{095B84D6-AB3E-54A2-D5DA-27E146AFB310}"/>
+              </a:ext>
+            </a:extLst>
+          </p:cNvPr>
+          <p:cNvSpPr/>
+          <p:nvPr/>
+        </p:nvSpPr>
+        <p:spPr>
+          <a:xfrm>
+            <a:off x="2156057" y="4325860"/>
+            <a:ext cx="1553029" cy="885372"/>
+          </a:xfrm>
+          <a:prstGeom prst="rect">
+            <a:avLst/>
+          </a:prstGeom>
+        </p:spPr>
+        <p:style>
+          <a:lnRef idx="2">
+            <a:schemeClr val="accent1"/>
+          </a:lnRef>
+          <a:fillRef idx="1">
+            <a:schemeClr val="lt1"/>
+          </a:fillRef>
+          <a:effectRef idx="0">
+            <a:schemeClr val="accent1"/>
+          </a:effectRef>
+          <a:fontRef idx="minor">
+            <a:schemeClr val="dk1"/>
+          </a:fontRef>
+        </p:style>
+        <p:txBody>
+          <a:bodyPr rtlCol="0" anchor="ctr"/>
+          <a:lstStyle/>
+          <a:p>
+            <a:pPr algn="ctr"/>
+            <a:r>
+              <a:rPr lang="en-US" altLang="ko-KR" sz="1600" dirty="0"/>
+              <a:t>Reservation</a:t>
+            </a:r>
+          </a:p>
+          <a:p>
+            <a:pPr algn="ctr"/>
+            <a:r>
+              <a:rPr lang="en-US" altLang="ko-KR" sz="1600" dirty="0"/>
+              <a:t>List</a:t>
+            </a:r>
+            <a:endParaRPr lang="ko-KR" altLang="en-US" sz="1600" dirty="0"/>
+          </a:p>
+        </p:txBody>
+      </p:sp>
+      <p:sp>
+        <p:nvSpPr>
+          <p:cNvPr id="43" name="직사각형 42">
+            <a:extLst>
+              <a:ext uri="{FF2B5EF4-FFF2-40B4-BE49-F238E27FC236}">
+                <a16:creationId xmlns:a16="http://schemas.microsoft.com/office/drawing/2014/main" id="{A4086B03-8374-918F-607A-38714C78193C}"/>
+              </a:ext>
+            </a:extLst>
+          </p:cNvPr>
+          <p:cNvSpPr/>
+          <p:nvPr/>
+        </p:nvSpPr>
+        <p:spPr>
+          <a:xfrm>
+            <a:off x="3785158" y="4325257"/>
+            <a:ext cx="1553029" cy="885372"/>
+          </a:xfrm>
+          <a:prstGeom prst="rect">
+            <a:avLst/>
+          </a:prstGeom>
+        </p:spPr>
+        <p:style>
+          <a:lnRef idx="2">
+            <a:schemeClr val="accent1"/>
+          </a:lnRef>
+          <a:fillRef idx="1">
+            <a:schemeClr val="lt1"/>
+          </a:fillRef>
+          <a:effectRef idx="0">
+            <a:schemeClr val="accent1"/>
+          </a:effectRef>
+          <a:fontRef idx="minor">
+            <a:schemeClr val="dk1"/>
+          </a:fontRef>
+        </p:style>
+        <p:txBody>
+          <a:bodyPr rtlCol="0" anchor="ctr"/>
+          <a:lstStyle/>
+          <a:p>
+            <a:pPr algn="ctr"/>
+            <a:r>
+              <a:rPr lang="en-US" altLang="ko-KR" sz="1600" dirty="0"/>
+              <a:t>Purchase</a:t>
+            </a:r>
+          </a:p>
+          <a:p>
+            <a:pPr algn="ctr"/>
+            <a:r>
+              <a:rPr lang="en-US" altLang="ko-KR" sz="1600" dirty="0"/>
+              <a:t>Request</a:t>
+            </a:r>
+          </a:p>
+          <a:p>
+            <a:pPr algn="ctr"/>
+            <a:r>
+              <a:rPr lang="en-US" altLang="ko-KR" sz="1600" dirty="0"/>
+              <a:t>List</a:t>
+            </a:r>
+            <a:endParaRPr lang="ko-KR" altLang="en-US" sz="1600" dirty="0"/>
+          </a:p>
+        </p:txBody>
+      </p:sp>
+      <p:sp>
+        <p:nvSpPr>
+          <p:cNvPr id="44" name="직사각형 43">
+            <a:extLst>
+              <a:ext uri="{FF2B5EF4-FFF2-40B4-BE49-F238E27FC236}">
+                <a16:creationId xmlns:a16="http://schemas.microsoft.com/office/drawing/2014/main" id="{D4733CD8-A54B-13CD-756C-1753051A0161}"/>
+              </a:ext>
+            </a:extLst>
+          </p:cNvPr>
+          <p:cNvSpPr/>
+          <p:nvPr/>
+        </p:nvSpPr>
+        <p:spPr>
+          <a:xfrm>
+            <a:off x="4232055" y="1760838"/>
+            <a:ext cx="1553029" cy="885372"/>
+          </a:xfrm>
+          <a:prstGeom prst="rect">
+            <a:avLst/>
+          </a:prstGeom>
+        </p:spPr>
+        <p:style>
+          <a:lnRef idx="2">
+            <a:schemeClr val="accent1"/>
+          </a:lnRef>
+          <a:fillRef idx="1">
+            <a:schemeClr val="lt1"/>
+          </a:fillRef>
+          <a:effectRef idx="0">
+            <a:schemeClr val="accent1"/>
+          </a:effectRef>
+          <a:fontRef idx="minor">
+            <a:schemeClr val="dk1"/>
+          </a:fontRef>
+        </p:style>
+        <p:txBody>
+          <a:bodyPr rtlCol="0" anchor="ctr"/>
+          <a:lstStyle/>
+          <a:p>
+            <a:pPr algn="ctr"/>
+            <a:r>
+              <a:rPr lang="en-US" altLang="ko-KR" sz="1600" dirty="0"/>
+              <a:t>User</a:t>
+            </a:r>
+          </a:p>
+          <a:p>
+            <a:pPr algn="ctr"/>
+            <a:r>
+              <a:rPr lang="ko-KR" altLang="en-US" sz="1000" dirty="0"/>
+              <a:t>사용자 정보</a:t>
+            </a:r>
+          </a:p>
+        </p:txBody>
+      </p:sp>
+      <p:sp>
+        <p:nvSpPr>
+          <p:cNvPr id="45" name="직사각형 44">
+            <a:extLst>
+              <a:ext uri="{FF2B5EF4-FFF2-40B4-BE49-F238E27FC236}">
+                <a16:creationId xmlns:a16="http://schemas.microsoft.com/office/drawing/2014/main" id="{AEE54351-6105-BA62-32F0-8986069ECD26}"/>
+              </a:ext>
+            </a:extLst>
+          </p:cNvPr>
+          <p:cNvSpPr/>
+          <p:nvPr/>
+        </p:nvSpPr>
+        <p:spPr>
+          <a:xfrm>
+            <a:off x="6834728" y="5583768"/>
+            <a:ext cx="1553029" cy="885372"/>
+          </a:xfrm>
+          <a:prstGeom prst="rect">
+            <a:avLst/>
+          </a:prstGeom>
+        </p:spPr>
+        <p:style>
+          <a:lnRef idx="2">
+            <a:schemeClr val="accent1"/>
+          </a:lnRef>
+          <a:fillRef idx="1">
+            <a:schemeClr val="lt1"/>
+          </a:fillRef>
+          <a:effectRef idx="0">
+            <a:schemeClr val="accent1"/>
+          </a:effectRef>
+          <a:fontRef idx="minor">
+            <a:schemeClr val="dk1"/>
+          </a:fontRef>
+        </p:style>
+        <p:txBody>
+          <a:bodyPr rtlCol="0" anchor="ctr"/>
+          <a:lstStyle/>
+          <a:p>
+            <a:pPr algn="ctr"/>
+            <a:r>
+              <a:rPr lang="en-US" altLang="ko-KR" sz="1600" dirty="0"/>
+              <a:t>Book</a:t>
+            </a:r>
+          </a:p>
+          <a:p>
+            <a:pPr algn="ctr"/>
+            <a:r>
+              <a:rPr lang="ko-KR" altLang="en-US" sz="1000" dirty="0"/>
+              <a:t>도서정보</a:t>
+            </a:r>
+          </a:p>
+        </p:txBody>
+      </p:sp>
+      <p:sp>
+        <p:nvSpPr>
+          <p:cNvPr id="46" name="직사각형 45">
+            <a:extLst>
+              <a:ext uri="{FF2B5EF4-FFF2-40B4-BE49-F238E27FC236}">
+                <a16:creationId xmlns:a16="http://schemas.microsoft.com/office/drawing/2014/main" id="{12FE0B7E-427D-5754-687C-CD79BA14FAF3}"/>
+              </a:ext>
+            </a:extLst>
+          </p:cNvPr>
+          <p:cNvSpPr/>
+          <p:nvPr/>
+        </p:nvSpPr>
+        <p:spPr>
+          <a:xfrm>
+            <a:off x="8744246" y="5583768"/>
+            <a:ext cx="1553029" cy="885372"/>
+          </a:xfrm>
+          <a:prstGeom prst="rect">
+            <a:avLst/>
+          </a:prstGeom>
+        </p:spPr>
+        <p:style>
+          <a:lnRef idx="2">
+            <a:schemeClr val="accent1"/>
+          </a:lnRef>
+          <a:fillRef idx="1">
+            <a:schemeClr val="lt1"/>
+          </a:fillRef>
+          <a:effectRef idx="0">
+            <a:schemeClr val="accent1"/>
+          </a:effectRef>
+          <a:fontRef idx="minor">
+            <a:schemeClr val="dk1"/>
+          </a:fontRef>
+        </p:style>
+        <p:txBody>
+          <a:bodyPr rtlCol="0" anchor="ctr"/>
+          <a:lstStyle/>
+          <a:p>
+            <a:pPr algn="ctr"/>
+            <a:r>
+              <a:rPr lang="en-US" altLang="ko-KR" sz="1600" dirty="0"/>
+              <a:t>Library</a:t>
+            </a:r>
+          </a:p>
+          <a:p>
+            <a:pPr algn="ctr"/>
+            <a:r>
+              <a:rPr lang="ko-KR" altLang="en-US" sz="1000" dirty="0"/>
+              <a:t>재고</a:t>
+            </a:r>
+            <a:r>
+              <a:rPr lang="en-US" altLang="ko-KR" sz="1000" dirty="0"/>
+              <a:t>, </a:t>
+            </a:r>
+            <a:r>
+              <a:rPr lang="ko-KR" altLang="en-US" sz="1000" dirty="0"/>
+              <a:t>대여가능여부</a:t>
+            </a:r>
+            <a:endParaRPr lang="en-US" altLang="ko-KR" sz="1000" dirty="0"/>
+          </a:p>
+          <a:p>
+            <a:pPr algn="ctr"/>
+            <a:r>
+              <a:rPr lang="ko-KR" altLang="en-US" sz="1000" dirty="0"/>
+              <a:t>예약가능여부</a:t>
+            </a:r>
+          </a:p>
+        </p:txBody>
+      </p:sp>
+      <p:sp>
+        <p:nvSpPr>
+          <p:cNvPr id="47" name="직사각형 46">
+            <a:extLst>
+              <a:ext uri="{FF2B5EF4-FFF2-40B4-BE49-F238E27FC236}">
+                <a16:creationId xmlns:a16="http://schemas.microsoft.com/office/drawing/2014/main" id="{FBD4DBA9-3AFC-A39B-F825-BFE2B387E9E3}"/>
+              </a:ext>
+            </a:extLst>
+          </p:cNvPr>
+          <p:cNvSpPr/>
+          <p:nvPr/>
+        </p:nvSpPr>
+        <p:spPr>
+          <a:xfrm>
+            <a:off x="2156057" y="3043009"/>
+            <a:ext cx="1553029" cy="885372"/>
+          </a:xfrm>
+          <a:prstGeom prst="rect">
+            <a:avLst/>
+          </a:prstGeom>
+        </p:spPr>
+        <p:style>
+          <a:lnRef idx="2">
+            <a:schemeClr val="accent1"/>
+          </a:lnRef>
+          <a:fillRef idx="1">
+            <a:schemeClr val="lt1"/>
+          </a:fillRef>
+          <a:effectRef idx="0">
+            <a:schemeClr val="accent1"/>
+          </a:effectRef>
+          <a:fontRef idx="minor">
+            <a:schemeClr val="dk1"/>
+          </a:fontRef>
+        </p:style>
+        <p:txBody>
+          <a:bodyPr rtlCol="0" anchor="ctr"/>
+          <a:lstStyle/>
+          <a:p>
+            <a:pPr algn="ctr"/>
+            <a:r>
+              <a:rPr lang="en-US" altLang="ko-KR" sz="1600" dirty="0"/>
+              <a:t>Admin</a:t>
+            </a:r>
+          </a:p>
+          <a:p>
+            <a:pPr algn="ctr"/>
+            <a:r>
+              <a:rPr lang="ko-KR" altLang="en-US" sz="1000" dirty="0"/>
+              <a:t>관리직원</a:t>
+            </a:r>
+            <a:endParaRPr lang="en-US" altLang="ko-KR" sz="1000" dirty="0"/>
+          </a:p>
+        </p:txBody>
+      </p:sp>
+      <p:sp>
+        <p:nvSpPr>
+          <p:cNvPr id="48" name="직사각형 47">
+            <a:extLst>
+              <a:ext uri="{FF2B5EF4-FFF2-40B4-BE49-F238E27FC236}">
+                <a16:creationId xmlns:a16="http://schemas.microsoft.com/office/drawing/2014/main" id="{393C34FA-D11C-E1D9-0454-AEA6E72AB3EA}"/>
+              </a:ext>
+            </a:extLst>
+          </p:cNvPr>
+          <p:cNvSpPr/>
+          <p:nvPr/>
+        </p:nvSpPr>
+        <p:spPr>
+          <a:xfrm>
+            <a:off x="2156057" y="1761064"/>
+            <a:ext cx="1553029" cy="885372"/>
+          </a:xfrm>
+          <a:prstGeom prst="rect">
+            <a:avLst/>
+          </a:prstGeom>
+        </p:spPr>
+        <p:style>
+          <a:lnRef idx="2">
+            <a:schemeClr val="accent1"/>
+          </a:lnRef>
+          <a:fillRef idx="1">
+            <a:schemeClr val="lt1"/>
+          </a:fillRef>
+          <a:effectRef idx="0">
+            <a:schemeClr val="accent1"/>
+          </a:effectRef>
+          <a:fontRef idx="minor">
+            <a:schemeClr val="dk1"/>
+          </a:fontRef>
+        </p:style>
+        <p:txBody>
+          <a:bodyPr rtlCol="0" anchor="ctr"/>
+          <a:lstStyle/>
+          <a:p>
+            <a:pPr algn="ctr"/>
+            <a:r>
+              <a:rPr lang="en-US" altLang="ko-KR" sz="1600" dirty="0"/>
+              <a:t>Member</a:t>
+            </a:r>
+          </a:p>
+          <a:p>
+            <a:pPr algn="ctr"/>
+            <a:r>
+              <a:rPr lang="en-US" altLang="ko-KR" sz="1000" dirty="0"/>
+              <a:t>(</a:t>
+            </a:r>
+            <a:r>
+              <a:rPr lang="ko-KR" altLang="en-US" sz="1000" dirty="0"/>
+              <a:t>추상클래스</a:t>
+            </a:r>
+            <a:r>
+              <a:rPr lang="en-US" altLang="ko-KR" sz="1000" dirty="0"/>
+              <a:t>)</a:t>
+            </a:r>
+            <a:endParaRPr lang="ko-KR" altLang="en-US" sz="1000" dirty="0"/>
           </a:p>
         </p:txBody>
       </p:sp>
       <p:grpSp>
         <p:nvGrpSpPr>
-          <p:cNvPr id="23" name="그룹 22">
-            <a:extLst>
-              <a:ext uri="{FF2B5EF4-FFF2-40B4-BE49-F238E27FC236}">
-                <a16:creationId xmlns:a16="http://schemas.microsoft.com/office/drawing/2014/main" id="{A6492654-7895-4DFC-BDC2-4952569459BE}"/>
+          <p:cNvPr id="49" name="그룹 48">
+            <a:extLst>
+              <a:ext uri="{FF2B5EF4-FFF2-40B4-BE49-F238E27FC236}">
+                <a16:creationId xmlns:a16="http://schemas.microsoft.com/office/drawing/2014/main" id="{1BB602A4-A8FB-80DD-3463-F895F1BEF040}"/>
               </a:ext>
             </a:extLst>
           </p:cNvPr>
@@ -3497,18 +4112,18 @@
         </p:nvGrpSpPr>
         <p:grpSpPr>
           <a:xfrm>
-            <a:off x="8115758" y="1317169"/>
-            <a:ext cx="3265061" cy="4129315"/>
-            <a:chOff x="8203446" y="907144"/>
-            <a:chExt cx="3265061" cy="4129315"/>
+            <a:off x="8384047" y="1324350"/>
+            <a:ext cx="3418207" cy="3040743"/>
+            <a:chOff x="1345468" y="3576562"/>
+            <a:chExt cx="3418207" cy="3040743"/>
           </a:xfrm>
         </p:grpSpPr>
         <p:sp>
           <p:nvSpPr>
-            <p:cNvPr id="8" name="직사각형 7">
+            <p:cNvPr id="50" name="직사각형 49">
               <a:extLst>
                 <a:ext uri="{FF2B5EF4-FFF2-40B4-BE49-F238E27FC236}">
-                  <a16:creationId xmlns:a16="http://schemas.microsoft.com/office/drawing/2014/main" id="{3C156CF5-37A5-4795-A774-5A6959488B42}"/>
+                  <a16:creationId xmlns:a16="http://schemas.microsoft.com/office/drawing/2014/main" id="{9874A806-6B54-9DDC-BB8A-DF0045CF1303}"/>
                 </a:ext>
               </a:extLst>
             </p:cNvPr>
@@ -3517,453 +4132,7 @@
           </p:nvSpPr>
           <p:spPr>
             <a:xfrm>
-              <a:off x="8203447" y="907144"/>
-              <a:ext cx="1553029" cy="885372"/>
-            </a:xfrm>
-            <a:prstGeom prst="rect">
-              <a:avLst/>
-            </a:prstGeom>
-          </p:spPr>
-          <p:style>
-            <a:lnRef idx="2">
-              <a:schemeClr val="accent1"/>
-            </a:lnRef>
-            <a:fillRef idx="1">
-              <a:schemeClr val="lt1"/>
-            </a:fillRef>
-            <a:effectRef idx="0">
-              <a:schemeClr val="accent1"/>
-            </a:effectRef>
-            <a:fontRef idx="minor">
-              <a:schemeClr val="dk1"/>
-            </a:fontRef>
-          </p:style>
-          <p:txBody>
-            <a:bodyPr rtlCol="0" anchor="ctr"/>
-            <a:lstStyle/>
-            <a:p>
-              <a:pPr algn="ctr"/>
-              <a:r>
-                <a:rPr lang="en-US" altLang="ko-KR" sz="1600" dirty="0"/>
-                <a:t>Rental</a:t>
-              </a:r>
-              <a:endParaRPr lang="ko-KR" altLang="en-US" sz="1600" dirty="0"/>
-            </a:p>
-          </p:txBody>
-        </p:sp>
-        <p:sp>
-          <p:nvSpPr>
-            <p:cNvPr id="9" name="직사각형 8">
-              <a:extLst>
-                <a:ext uri="{FF2B5EF4-FFF2-40B4-BE49-F238E27FC236}">
-                  <a16:creationId xmlns:a16="http://schemas.microsoft.com/office/drawing/2014/main" id="{92F55D3A-DB4E-4E7B-A8EF-705FC64618C4}"/>
-                </a:ext>
-              </a:extLst>
-            </p:cNvPr>
-            <p:cNvSpPr/>
-            <p:nvPr/>
-          </p:nvSpPr>
-          <p:spPr>
-            <a:xfrm>
-              <a:off x="8203446" y="1973943"/>
-              <a:ext cx="1553029" cy="885372"/>
-            </a:xfrm>
-            <a:prstGeom prst="rect">
-              <a:avLst/>
-            </a:prstGeom>
-          </p:spPr>
-          <p:style>
-            <a:lnRef idx="2">
-              <a:schemeClr val="accent1"/>
-            </a:lnRef>
-            <a:fillRef idx="1">
-              <a:schemeClr val="lt1"/>
-            </a:fillRef>
-            <a:effectRef idx="0">
-              <a:schemeClr val="accent1"/>
-            </a:effectRef>
-            <a:fontRef idx="minor">
-              <a:schemeClr val="dk1"/>
-            </a:fontRef>
-          </p:style>
-          <p:txBody>
-            <a:bodyPr rtlCol="0" anchor="ctr"/>
-            <a:lstStyle/>
-            <a:p>
-              <a:pPr algn="ctr"/>
-              <a:r>
-                <a:rPr lang="en-US" altLang="ko-KR" sz="1600" dirty="0"/>
-                <a:t>Reservation</a:t>
-              </a:r>
-              <a:endParaRPr lang="ko-KR" altLang="en-US" sz="1600" dirty="0"/>
-            </a:p>
-          </p:txBody>
-        </p:sp>
-        <p:sp>
-          <p:nvSpPr>
-            <p:cNvPr id="10" name="직사각형 9">
-              <a:extLst>
-                <a:ext uri="{FF2B5EF4-FFF2-40B4-BE49-F238E27FC236}">
-                  <a16:creationId xmlns:a16="http://schemas.microsoft.com/office/drawing/2014/main" id="{C9989671-6DCB-4AD1-B144-F5608689466F}"/>
-                </a:ext>
-              </a:extLst>
-            </p:cNvPr>
-            <p:cNvSpPr/>
-            <p:nvPr/>
-          </p:nvSpPr>
-          <p:spPr>
-            <a:xfrm>
-              <a:off x="8203446" y="3062515"/>
-              <a:ext cx="1553029" cy="885372"/>
-            </a:xfrm>
-            <a:prstGeom prst="rect">
-              <a:avLst/>
-            </a:prstGeom>
-          </p:spPr>
-          <p:style>
-            <a:lnRef idx="2">
-              <a:schemeClr val="accent1"/>
-            </a:lnRef>
-            <a:fillRef idx="1">
-              <a:schemeClr val="lt1"/>
-            </a:fillRef>
-            <a:effectRef idx="0">
-              <a:schemeClr val="accent1"/>
-            </a:effectRef>
-            <a:fontRef idx="minor">
-              <a:schemeClr val="dk1"/>
-            </a:fontRef>
-          </p:style>
-          <p:txBody>
-            <a:bodyPr rtlCol="0" anchor="ctr"/>
-            <a:lstStyle/>
-            <a:p>
-              <a:pPr algn="ctr"/>
-              <a:r>
-                <a:rPr lang="en-US" altLang="ko-KR" sz="1600" dirty="0"/>
-                <a:t>Return</a:t>
-              </a:r>
-              <a:endParaRPr lang="ko-KR" altLang="en-US" sz="1600" dirty="0"/>
-            </a:p>
-          </p:txBody>
-        </p:sp>
-        <p:sp>
-          <p:nvSpPr>
-            <p:cNvPr id="11" name="직사각형 10">
-              <a:extLst>
-                <a:ext uri="{FF2B5EF4-FFF2-40B4-BE49-F238E27FC236}">
-                  <a16:creationId xmlns:a16="http://schemas.microsoft.com/office/drawing/2014/main" id="{A4BA32B4-00BF-4EE3-8F26-EC8991B2706A}"/>
-                </a:ext>
-              </a:extLst>
-            </p:cNvPr>
-            <p:cNvSpPr/>
-            <p:nvPr/>
-          </p:nvSpPr>
-          <p:spPr>
-            <a:xfrm>
-              <a:off x="8203446" y="4151087"/>
-              <a:ext cx="1553029" cy="885372"/>
-            </a:xfrm>
-            <a:prstGeom prst="rect">
-              <a:avLst/>
-            </a:prstGeom>
-          </p:spPr>
-          <p:style>
-            <a:lnRef idx="2">
-              <a:schemeClr val="accent1"/>
-            </a:lnRef>
-            <a:fillRef idx="1">
-              <a:schemeClr val="lt1"/>
-            </a:fillRef>
-            <a:effectRef idx="0">
-              <a:schemeClr val="accent1"/>
-            </a:effectRef>
-            <a:fontRef idx="minor">
-              <a:schemeClr val="dk1"/>
-            </a:fontRef>
-          </p:style>
-          <p:txBody>
-            <a:bodyPr rtlCol="0" anchor="ctr"/>
-            <a:lstStyle/>
-            <a:p>
-              <a:pPr algn="ctr"/>
-              <a:r>
-                <a:rPr lang="en-US" altLang="ko-KR" sz="1600" dirty="0"/>
-                <a:t>Purchase</a:t>
-              </a:r>
-            </a:p>
-            <a:p>
-              <a:pPr algn="ctr"/>
-              <a:r>
-                <a:rPr lang="en-US" altLang="ko-KR" sz="1600" dirty="0"/>
-                <a:t>Request</a:t>
-              </a:r>
-              <a:endParaRPr lang="ko-KR" altLang="en-US" sz="1600" dirty="0"/>
-            </a:p>
-          </p:txBody>
-        </p:sp>
-        <p:sp>
-          <p:nvSpPr>
-            <p:cNvPr id="15" name="직사각형 14">
-              <a:extLst>
-                <a:ext uri="{FF2B5EF4-FFF2-40B4-BE49-F238E27FC236}">
-                  <a16:creationId xmlns:a16="http://schemas.microsoft.com/office/drawing/2014/main" id="{46594AE1-8E33-47C4-B0F5-88CDA5F3D1AD}"/>
-                </a:ext>
-              </a:extLst>
-            </p:cNvPr>
-            <p:cNvSpPr/>
-            <p:nvPr/>
-          </p:nvSpPr>
-          <p:spPr>
-            <a:xfrm>
-              <a:off x="9915478" y="907144"/>
-              <a:ext cx="1553029" cy="885372"/>
-            </a:xfrm>
-            <a:prstGeom prst="rect">
-              <a:avLst/>
-            </a:prstGeom>
-          </p:spPr>
-          <p:style>
-            <a:lnRef idx="2">
-              <a:schemeClr val="accent1"/>
-            </a:lnRef>
-            <a:fillRef idx="1">
-              <a:schemeClr val="lt1"/>
-            </a:fillRef>
-            <a:effectRef idx="0">
-              <a:schemeClr val="accent1"/>
-            </a:effectRef>
-            <a:fontRef idx="minor">
-              <a:schemeClr val="dk1"/>
-            </a:fontRef>
-          </p:style>
-          <p:txBody>
-            <a:bodyPr rtlCol="0" anchor="ctr"/>
-            <a:lstStyle/>
-            <a:p>
-              <a:pPr algn="ctr"/>
-              <a:r>
-                <a:rPr lang="en-US" altLang="ko-KR" sz="1600" dirty="0"/>
-                <a:t>Rental</a:t>
-              </a:r>
-            </a:p>
-            <a:p>
-              <a:pPr algn="ctr"/>
-              <a:r>
-                <a:rPr lang="en-US" altLang="ko-KR" sz="1600" dirty="0"/>
-                <a:t>History</a:t>
-              </a:r>
-              <a:endParaRPr lang="ko-KR" altLang="en-US" sz="1600" dirty="0"/>
-            </a:p>
-          </p:txBody>
-        </p:sp>
-        <p:sp>
-          <p:nvSpPr>
-            <p:cNvPr id="16" name="직사각형 15">
-              <a:extLst>
-                <a:ext uri="{FF2B5EF4-FFF2-40B4-BE49-F238E27FC236}">
-                  <a16:creationId xmlns:a16="http://schemas.microsoft.com/office/drawing/2014/main" id="{DB7D7F3D-4EBF-4192-8B09-72DA9319F299}"/>
-                </a:ext>
-              </a:extLst>
-            </p:cNvPr>
-            <p:cNvSpPr/>
-            <p:nvPr/>
-          </p:nvSpPr>
-          <p:spPr>
-            <a:xfrm>
-              <a:off x="9905922" y="1973943"/>
-              <a:ext cx="1553029" cy="885372"/>
-            </a:xfrm>
-            <a:prstGeom prst="rect">
-              <a:avLst/>
-            </a:prstGeom>
-          </p:spPr>
-          <p:style>
-            <a:lnRef idx="2">
-              <a:schemeClr val="accent1"/>
-            </a:lnRef>
-            <a:fillRef idx="1">
-              <a:schemeClr val="lt1"/>
-            </a:fillRef>
-            <a:effectRef idx="0">
-              <a:schemeClr val="accent1"/>
-            </a:effectRef>
-            <a:fontRef idx="minor">
-              <a:schemeClr val="dk1"/>
-            </a:fontRef>
-          </p:style>
-          <p:txBody>
-            <a:bodyPr rtlCol="0" anchor="ctr"/>
-            <a:lstStyle/>
-            <a:p>
-              <a:pPr algn="ctr"/>
-              <a:r>
-                <a:rPr lang="en-US" altLang="ko-KR" sz="1600" dirty="0"/>
-                <a:t>Reservation</a:t>
-              </a:r>
-            </a:p>
-            <a:p>
-              <a:pPr algn="ctr"/>
-              <a:r>
-                <a:rPr lang="en-US" altLang="ko-KR" sz="1600" dirty="0"/>
-                <a:t>List</a:t>
-              </a:r>
-              <a:endParaRPr lang="ko-KR" altLang="en-US" sz="1600" dirty="0"/>
-            </a:p>
-          </p:txBody>
-        </p:sp>
-        <p:sp>
-          <p:nvSpPr>
-            <p:cNvPr id="17" name="직사각형 16">
-              <a:extLst>
-                <a:ext uri="{FF2B5EF4-FFF2-40B4-BE49-F238E27FC236}">
-                  <a16:creationId xmlns:a16="http://schemas.microsoft.com/office/drawing/2014/main" id="{00137C3F-6087-4568-8895-30FFC6EC052E}"/>
-                </a:ext>
-              </a:extLst>
-            </p:cNvPr>
-            <p:cNvSpPr/>
-            <p:nvPr/>
-          </p:nvSpPr>
-          <p:spPr>
-            <a:xfrm>
-              <a:off x="9905923" y="4151087"/>
-              <a:ext cx="1553029" cy="885372"/>
-            </a:xfrm>
-            <a:prstGeom prst="rect">
-              <a:avLst/>
-            </a:prstGeom>
-          </p:spPr>
-          <p:style>
-            <a:lnRef idx="2">
-              <a:schemeClr val="accent1"/>
-            </a:lnRef>
-            <a:fillRef idx="1">
-              <a:schemeClr val="lt1"/>
-            </a:fillRef>
-            <a:effectRef idx="0">
-              <a:schemeClr val="accent1"/>
-            </a:effectRef>
-            <a:fontRef idx="minor">
-              <a:schemeClr val="dk1"/>
-            </a:fontRef>
-          </p:style>
-          <p:txBody>
-            <a:bodyPr rtlCol="0" anchor="ctr"/>
-            <a:lstStyle/>
-            <a:p>
-              <a:pPr algn="ctr"/>
-              <a:r>
-                <a:rPr lang="en-US" altLang="ko-KR" sz="1600" dirty="0"/>
-                <a:t>Purchase</a:t>
-              </a:r>
-            </a:p>
-            <a:p>
-              <a:pPr algn="ctr"/>
-              <a:r>
-                <a:rPr lang="en-US" altLang="ko-KR" sz="1600" dirty="0"/>
-                <a:t>Request</a:t>
-              </a:r>
-            </a:p>
-            <a:p>
-              <a:pPr algn="ctr"/>
-              <a:r>
-                <a:rPr lang="en-US" altLang="ko-KR" sz="1600" dirty="0"/>
-                <a:t>List</a:t>
-              </a:r>
-              <a:endParaRPr lang="ko-KR" altLang="en-US" sz="1600" dirty="0"/>
-            </a:p>
-          </p:txBody>
-        </p:sp>
-      </p:grpSp>
-      <p:grpSp>
-        <p:nvGrpSpPr>
-          <p:cNvPr id="26" name="그룹 25">
-            <a:extLst>
-              <a:ext uri="{FF2B5EF4-FFF2-40B4-BE49-F238E27FC236}">
-                <a16:creationId xmlns:a16="http://schemas.microsoft.com/office/drawing/2014/main" id="{E5C0D278-AA19-4F52-AB22-50C742CE23CC}"/>
-              </a:ext>
-            </a:extLst>
-          </p:cNvPr>
-          <p:cNvGrpSpPr/>
-          <p:nvPr/>
-        </p:nvGrpSpPr>
-        <p:grpSpPr>
-          <a:xfrm>
-            <a:off x="650124" y="2405741"/>
-            <a:ext cx="1553030" cy="1973944"/>
-            <a:chOff x="737808" y="885371"/>
-            <a:chExt cx="1553030" cy="1973944"/>
-          </a:xfrm>
-        </p:grpSpPr>
-        <p:sp>
-          <p:nvSpPr>
-            <p:cNvPr id="4" name="직사각형 3">
-              <a:extLst>
-                <a:ext uri="{FF2B5EF4-FFF2-40B4-BE49-F238E27FC236}">
-                  <a16:creationId xmlns:a16="http://schemas.microsoft.com/office/drawing/2014/main" id="{98145144-94EC-46ED-B159-EE2DDD938BB1}"/>
-                </a:ext>
-              </a:extLst>
-            </p:cNvPr>
-            <p:cNvSpPr/>
-            <p:nvPr/>
-          </p:nvSpPr>
-          <p:spPr>
-            <a:xfrm>
-              <a:off x="737809" y="885371"/>
-              <a:ext cx="1553029" cy="885372"/>
-            </a:xfrm>
-            <a:prstGeom prst="rect">
-              <a:avLst/>
-            </a:prstGeom>
-          </p:spPr>
-          <p:style>
-            <a:lnRef idx="2">
-              <a:schemeClr val="accent1"/>
-            </a:lnRef>
-            <a:fillRef idx="1">
-              <a:schemeClr val="lt1"/>
-            </a:fillRef>
-            <a:effectRef idx="0">
-              <a:schemeClr val="accent1"/>
-            </a:effectRef>
-            <a:fontRef idx="minor">
-              <a:schemeClr val="dk1"/>
-            </a:fontRef>
-          </p:style>
-          <p:txBody>
-            <a:bodyPr rtlCol="0" anchor="ctr"/>
-            <a:lstStyle/>
-            <a:p>
-              <a:pPr algn="ctr"/>
-              <a:r>
-                <a:rPr lang="en-US" altLang="ko-KR" sz="1600" dirty="0"/>
-                <a:t>User</a:t>
-              </a:r>
-            </a:p>
-            <a:p>
-              <a:pPr algn="ctr"/>
-              <a:r>
-                <a:rPr lang="ko-KR" altLang="en-US" sz="1000" dirty="0"/>
-                <a:t>사용자 정보</a:t>
-              </a:r>
-            </a:p>
-          </p:txBody>
-        </p:sp>
-        <p:sp>
-          <p:nvSpPr>
-            <p:cNvPr id="18" name="직사각형 17">
-              <a:extLst>
-                <a:ext uri="{FF2B5EF4-FFF2-40B4-BE49-F238E27FC236}">
-                  <a16:creationId xmlns:a16="http://schemas.microsoft.com/office/drawing/2014/main" id="{E6372A30-1733-4326-9894-CE6A764FC576}"/>
-                </a:ext>
-              </a:extLst>
-            </p:cNvPr>
-            <p:cNvSpPr/>
-            <p:nvPr/>
-          </p:nvSpPr>
-          <p:spPr>
-            <a:xfrm>
-              <a:off x="737808" y="1973943"/>
+              <a:off x="1345468" y="4643361"/>
               <a:ext cx="1553029" cy="885372"/>
             </a:xfrm>
             <a:prstGeom prst="rect">
@@ -4011,33 +4180,12 @@
             </a:p>
           </p:txBody>
         </p:sp>
-      </p:grpSp>
-      <p:grpSp>
-        <p:nvGrpSpPr>
-          <p:cNvPr id="24" name="그룹 23">
-            <a:extLst>
-              <a:ext uri="{FF2B5EF4-FFF2-40B4-BE49-F238E27FC236}">
-                <a16:creationId xmlns:a16="http://schemas.microsoft.com/office/drawing/2014/main" id="{01A839A2-ECD1-4F41-B838-DDDC98E39097}"/>
-              </a:ext>
-            </a:extLst>
-          </p:cNvPr>
-          <p:cNvGrpSpPr/>
-          <p:nvPr/>
-        </p:nvGrpSpPr>
-        <p:grpSpPr>
-          <a:xfrm>
-            <a:off x="5627216" y="1317169"/>
-            <a:ext cx="1553030" cy="3062516"/>
-            <a:chOff x="5319484" y="885371"/>
-            <a:chExt cx="1553030" cy="3062516"/>
-          </a:xfrm>
-        </p:grpSpPr>
         <p:sp>
           <p:nvSpPr>
-            <p:cNvPr id="7" name="직사각형 6">
+            <p:cNvPr id="51" name="직사각형 50">
               <a:extLst>
                 <a:ext uri="{FF2B5EF4-FFF2-40B4-BE49-F238E27FC236}">
-                  <a16:creationId xmlns:a16="http://schemas.microsoft.com/office/drawing/2014/main" id="{342D07D2-87F0-40CB-8D17-21CE502FADAE}"/>
+                  <a16:creationId xmlns:a16="http://schemas.microsoft.com/office/drawing/2014/main" id="{29CA5729-985E-D1B4-C736-7F5D4AEDE2A7}"/>
                 </a:ext>
               </a:extLst>
             </p:cNvPr>
@@ -4046,7 +4194,7 @@
           </p:nvSpPr>
           <p:spPr>
             <a:xfrm>
-              <a:off x="5319485" y="885371"/>
+              <a:off x="2316806" y="3576562"/>
               <a:ext cx="1553029" cy="885372"/>
             </a:xfrm>
             <a:prstGeom prst="rect">
@@ -4074,526 +4222,397 @@
               <a:pPr algn="ctr"/>
               <a:r>
                 <a:rPr lang="en-US" altLang="ko-KR" sz="1600" dirty="0"/>
-                <a:t>Book</a:t>
+                <a:t>Main</a:t>
               </a:r>
             </a:p>
             <a:p>
               <a:pPr algn="ctr"/>
               <a:r>
                 <a:rPr lang="ko-KR" altLang="en-US" sz="1000" dirty="0"/>
-                <a:t>도서정보</a:t>
+                <a:t>시스템</a:t>
               </a:r>
             </a:p>
           </p:txBody>
         </p:sp>
-        <p:sp>
-          <p:nvSpPr>
-            <p:cNvPr id="13" name="직사각형 12">
+        <p:grpSp>
+          <p:nvGrpSpPr>
+            <p:cNvPr id="52" name="그룹 51">
               <a:extLst>
                 <a:ext uri="{FF2B5EF4-FFF2-40B4-BE49-F238E27FC236}">
-                  <a16:creationId xmlns:a16="http://schemas.microsoft.com/office/drawing/2014/main" id="{2A80B519-E844-4D20-9ECA-4EEA92711DD1}"/>
+                  <a16:creationId xmlns:a16="http://schemas.microsoft.com/office/drawing/2014/main" id="{C4DE445A-3DAC-1F1D-561F-409984950EE3}"/>
                 </a:ext>
               </a:extLst>
             </p:cNvPr>
-            <p:cNvSpPr/>
+            <p:cNvGrpSpPr/>
             <p:nvPr/>
-          </p:nvSpPr>
+          </p:nvGrpSpPr>
+          <p:grpSpPr>
+            <a:xfrm>
+              <a:off x="3203191" y="4643361"/>
+              <a:ext cx="1560484" cy="1973944"/>
+              <a:chOff x="3138670" y="3494313"/>
+              <a:chExt cx="1560484" cy="1973944"/>
+            </a:xfrm>
+          </p:grpSpPr>
+          <p:sp>
+            <p:nvSpPr>
+              <p:cNvPr id="55" name="직사각형 54">
+                <a:extLst>
+                  <a:ext uri="{FF2B5EF4-FFF2-40B4-BE49-F238E27FC236}">
+                    <a16:creationId xmlns:a16="http://schemas.microsoft.com/office/drawing/2014/main" id="{14C9AACB-3C58-11FE-43ED-537379BA8AC7}"/>
+                  </a:ext>
+                </a:extLst>
+              </p:cNvPr>
+              <p:cNvSpPr/>
+              <p:nvPr/>
+            </p:nvSpPr>
+            <p:spPr>
+              <a:xfrm>
+                <a:off x="3138670" y="3494313"/>
+                <a:ext cx="1553029" cy="885372"/>
+              </a:xfrm>
+              <a:prstGeom prst="rect">
+                <a:avLst/>
+              </a:prstGeom>
+            </p:spPr>
+            <p:style>
+              <a:lnRef idx="2">
+                <a:schemeClr val="accent1"/>
+              </a:lnRef>
+              <a:fillRef idx="1">
+                <a:schemeClr val="lt1"/>
+              </a:fillRef>
+              <a:effectRef idx="0">
+                <a:schemeClr val="accent1"/>
+              </a:effectRef>
+              <a:fontRef idx="minor">
+                <a:schemeClr val="dk1"/>
+              </a:fontRef>
+            </p:style>
+            <p:txBody>
+              <a:bodyPr rtlCol="0" anchor="ctr"/>
+              <a:lstStyle/>
+              <a:p>
+                <a:pPr algn="ctr"/>
+                <a:r>
+                  <a:rPr lang="en-US" altLang="ko-KR" sz="1600" dirty="0"/>
+                  <a:t>Management</a:t>
+                </a:r>
+              </a:p>
+              <a:p>
+                <a:pPr algn="ctr"/>
+                <a:r>
+                  <a:rPr lang="en-US" altLang="ko-KR" sz="1000" dirty="0"/>
+                  <a:t>(</a:t>
+                </a:r>
+                <a:r>
+                  <a:rPr lang="ko-KR" altLang="en-US" sz="1000" dirty="0"/>
+                  <a:t>추상클래스</a:t>
+                </a:r>
+                <a:r>
+                  <a:rPr lang="en-US" altLang="ko-KR" sz="1000" dirty="0"/>
+                  <a:t>)</a:t>
+                </a:r>
+                <a:endParaRPr lang="ko-KR" altLang="en-US" sz="1000" dirty="0"/>
+              </a:p>
+            </p:txBody>
+          </p:sp>
+          <p:sp>
+            <p:nvSpPr>
+              <p:cNvPr id="56" name="직사각형 55">
+                <a:extLst>
+                  <a:ext uri="{FF2B5EF4-FFF2-40B4-BE49-F238E27FC236}">
+                    <a16:creationId xmlns:a16="http://schemas.microsoft.com/office/drawing/2014/main" id="{A8860ED8-3904-D16B-77B2-428C8D912FB7}"/>
+                  </a:ext>
+                </a:extLst>
+              </p:cNvPr>
+              <p:cNvSpPr/>
+              <p:nvPr/>
+            </p:nvSpPr>
+            <p:spPr>
+              <a:xfrm>
+                <a:off x="3138670" y="4582885"/>
+                <a:ext cx="764880" cy="885372"/>
+              </a:xfrm>
+              <a:prstGeom prst="rect">
+                <a:avLst/>
+              </a:prstGeom>
+            </p:spPr>
+            <p:style>
+              <a:lnRef idx="2">
+                <a:schemeClr val="accent1"/>
+              </a:lnRef>
+              <a:fillRef idx="1">
+                <a:schemeClr val="lt1"/>
+              </a:fillRef>
+              <a:effectRef idx="0">
+                <a:schemeClr val="accent1"/>
+              </a:effectRef>
+              <a:fontRef idx="minor">
+                <a:schemeClr val="dk1"/>
+              </a:fontRef>
+            </p:style>
+            <p:txBody>
+              <a:bodyPr rtlCol="0" anchor="ctr"/>
+              <a:lstStyle/>
+              <a:p>
+                <a:pPr algn="ctr"/>
+                <a:r>
+                  <a:rPr lang="en-US" altLang="ko-KR" sz="1600" dirty="0"/>
+                  <a:t>User</a:t>
+                </a:r>
+                <a:br>
+                  <a:rPr lang="en-US" altLang="ko-KR" sz="1600" dirty="0"/>
+                </a:br>
+                <a:r>
+                  <a:rPr lang="en-US" altLang="ko-KR" sz="1000" dirty="0"/>
+                  <a:t>Manage</a:t>
+                </a:r>
+              </a:p>
+            </p:txBody>
+          </p:sp>
+          <p:sp>
+            <p:nvSpPr>
+              <p:cNvPr id="57" name="직사각형 56">
+                <a:extLst>
+                  <a:ext uri="{FF2B5EF4-FFF2-40B4-BE49-F238E27FC236}">
+                    <a16:creationId xmlns:a16="http://schemas.microsoft.com/office/drawing/2014/main" id="{C66B3A02-C53F-DCB2-6C58-81041E8C9C46}"/>
+                  </a:ext>
+                </a:extLst>
+              </p:cNvPr>
+              <p:cNvSpPr/>
+              <p:nvPr/>
+            </p:nvSpPr>
+            <p:spPr>
+              <a:xfrm>
+                <a:off x="3934274" y="4582885"/>
+                <a:ext cx="764880" cy="885372"/>
+              </a:xfrm>
+              <a:prstGeom prst="rect">
+                <a:avLst/>
+              </a:prstGeom>
+            </p:spPr>
+            <p:style>
+              <a:lnRef idx="2">
+                <a:schemeClr val="accent1"/>
+              </a:lnRef>
+              <a:fillRef idx="1">
+                <a:schemeClr val="lt1"/>
+              </a:fillRef>
+              <a:effectRef idx="0">
+                <a:schemeClr val="accent1"/>
+              </a:effectRef>
+              <a:fontRef idx="minor">
+                <a:schemeClr val="dk1"/>
+              </a:fontRef>
+            </p:style>
+            <p:txBody>
+              <a:bodyPr rtlCol="0" anchor="ctr"/>
+              <a:lstStyle/>
+              <a:p>
+                <a:pPr algn="ctr"/>
+                <a:r>
+                  <a:rPr lang="en-US" altLang="ko-KR" sz="1600" dirty="0"/>
+                  <a:t>Book</a:t>
+                </a:r>
+              </a:p>
+              <a:p>
+                <a:pPr algn="ctr"/>
+                <a:r>
+                  <a:rPr lang="en-US" altLang="ko-KR" sz="1000" dirty="0"/>
+                  <a:t>Manage</a:t>
+                </a:r>
+              </a:p>
+            </p:txBody>
+          </p:sp>
+          <p:cxnSp>
+            <p:nvCxnSpPr>
+              <p:cNvPr id="58" name="직선 화살표 연결선 57">
+                <a:extLst>
+                  <a:ext uri="{FF2B5EF4-FFF2-40B4-BE49-F238E27FC236}">
+                    <a16:creationId xmlns:a16="http://schemas.microsoft.com/office/drawing/2014/main" id="{0D51735D-6F73-9D01-573A-901643F34784}"/>
+                  </a:ext>
+                </a:extLst>
+              </p:cNvPr>
+              <p:cNvCxnSpPr>
+                <a:stCxn id="55" idx="2"/>
+                <a:endCxn id="56" idx="0"/>
+              </p:cNvCxnSpPr>
+              <p:nvPr/>
+            </p:nvCxnSpPr>
+            <p:spPr>
+              <a:xfrm flipH="1">
+                <a:off x="3521110" y="4379685"/>
+                <a:ext cx="394075" cy="203200"/>
+              </a:xfrm>
+              <a:prstGeom prst="straightConnector1">
+                <a:avLst/>
+              </a:prstGeom>
+              <a:ln>
+                <a:tailEnd type="triangle"/>
+              </a:ln>
+            </p:spPr>
+            <p:style>
+              <a:lnRef idx="1">
+                <a:schemeClr val="accent1"/>
+              </a:lnRef>
+              <a:fillRef idx="0">
+                <a:schemeClr val="accent1"/>
+              </a:fillRef>
+              <a:effectRef idx="0">
+                <a:schemeClr val="accent1"/>
+              </a:effectRef>
+              <a:fontRef idx="minor">
+                <a:schemeClr val="tx1"/>
+              </a:fontRef>
+            </p:style>
+          </p:cxnSp>
+          <p:cxnSp>
+            <p:nvCxnSpPr>
+              <p:cNvPr id="59" name="직선 화살표 연결선 58">
+                <a:extLst>
+                  <a:ext uri="{FF2B5EF4-FFF2-40B4-BE49-F238E27FC236}">
+                    <a16:creationId xmlns:a16="http://schemas.microsoft.com/office/drawing/2014/main" id="{181863E7-0FDF-90FF-6CBF-4071A34EBEF3}"/>
+                  </a:ext>
+                </a:extLst>
+              </p:cNvPr>
+              <p:cNvCxnSpPr>
+                <a:stCxn id="55" idx="2"/>
+              </p:cNvCxnSpPr>
+              <p:nvPr/>
+            </p:nvCxnSpPr>
+            <p:spPr>
+              <a:xfrm>
+                <a:off x="3915185" y="4379685"/>
+                <a:ext cx="401529" cy="181427"/>
+              </a:xfrm>
+              <a:prstGeom prst="straightConnector1">
+                <a:avLst/>
+              </a:prstGeom>
+              <a:ln>
+                <a:tailEnd type="triangle"/>
+              </a:ln>
+            </p:spPr>
+            <p:style>
+              <a:lnRef idx="1">
+                <a:schemeClr val="accent1"/>
+              </a:lnRef>
+              <a:fillRef idx="0">
+                <a:schemeClr val="accent1"/>
+              </a:fillRef>
+              <a:effectRef idx="0">
+                <a:schemeClr val="accent1"/>
+              </a:effectRef>
+              <a:fontRef idx="minor">
+                <a:schemeClr val="tx1"/>
+              </a:fontRef>
+            </p:style>
+          </p:cxnSp>
+        </p:grpSp>
+        <p:cxnSp>
+          <p:nvCxnSpPr>
+            <p:cNvPr id="53" name="직선 화살표 연결선 52">
+              <a:extLst>
+                <a:ext uri="{FF2B5EF4-FFF2-40B4-BE49-F238E27FC236}">
+                  <a16:creationId xmlns:a16="http://schemas.microsoft.com/office/drawing/2014/main" id="{3C473BEB-CD04-7FA7-805E-07715B4921B4}"/>
+                </a:ext>
+              </a:extLst>
+            </p:cNvPr>
+            <p:cNvCxnSpPr>
+              <a:cxnSpLocks/>
+              <a:endCxn id="50" idx="0"/>
+            </p:cNvCxnSpPr>
+            <p:nvPr/>
+          </p:nvCxnSpPr>
           <p:spPr>
-            <a:xfrm>
-              <a:off x="5319484" y="1973943"/>
-              <a:ext cx="1553029" cy="885372"/>
+            <a:xfrm flipH="1">
+              <a:off x="2121983" y="4461934"/>
+              <a:ext cx="971337" cy="181427"/>
             </a:xfrm>
-            <a:prstGeom prst="rect">
+            <a:prstGeom prst="straightConnector1">
               <a:avLst/>
             </a:prstGeom>
+            <a:ln>
+              <a:tailEnd type="triangle"/>
+            </a:ln>
           </p:spPr>
           <p:style>
-            <a:lnRef idx="2">
+            <a:lnRef idx="1">
               <a:schemeClr val="accent1"/>
             </a:lnRef>
-            <a:fillRef idx="1">
-              <a:schemeClr val="lt1"/>
+            <a:fillRef idx="0">
+              <a:schemeClr val="accent1"/>
             </a:fillRef>
             <a:effectRef idx="0">
               <a:schemeClr val="accent1"/>
             </a:effectRef>
             <a:fontRef idx="minor">
-              <a:schemeClr val="dk1"/>
+              <a:schemeClr val="tx1"/>
             </a:fontRef>
           </p:style>
-          <p:txBody>
-            <a:bodyPr rtlCol="0" anchor="ctr"/>
-            <a:lstStyle/>
-            <a:p>
-              <a:pPr algn="ctr"/>
-              <a:r>
-                <a:rPr lang="en-US" altLang="ko-KR" sz="1600" dirty="0"/>
-                <a:t>Library</a:t>
-              </a:r>
-            </a:p>
-            <a:p>
-              <a:pPr algn="ctr"/>
-              <a:r>
-                <a:rPr lang="ko-KR" altLang="en-US" sz="1000" dirty="0"/>
-                <a:t>재고</a:t>
-              </a:r>
-              <a:r>
-                <a:rPr lang="en-US" altLang="ko-KR" sz="1000" dirty="0"/>
-                <a:t>, </a:t>
-              </a:r>
-              <a:r>
-                <a:rPr lang="ko-KR" altLang="en-US" sz="1000" dirty="0"/>
-                <a:t>대여가능여부</a:t>
-              </a:r>
-              <a:endParaRPr lang="en-US" altLang="ko-KR" sz="1000" dirty="0"/>
-            </a:p>
-            <a:p>
-              <a:pPr algn="ctr"/>
-              <a:r>
-                <a:rPr lang="ko-KR" altLang="en-US" sz="1000" dirty="0"/>
-                <a:t>예약가능여부</a:t>
-              </a:r>
-            </a:p>
-          </p:txBody>
-        </p:sp>
-        <p:sp>
-          <p:nvSpPr>
-            <p:cNvPr id="19" name="직사각형 18">
+        </p:cxnSp>
+        <p:cxnSp>
+          <p:nvCxnSpPr>
+            <p:cNvPr id="54" name="직선 화살표 연결선 53">
               <a:extLst>
                 <a:ext uri="{FF2B5EF4-FFF2-40B4-BE49-F238E27FC236}">
-                  <a16:creationId xmlns:a16="http://schemas.microsoft.com/office/drawing/2014/main" id="{20300DB3-5F84-490B-AB3D-A73C129E753A}"/>
+                  <a16:creationId xmlns:a16="http://schemas.microsoft.com/office/drawing/2014/main" id="{1D7CA75E-B355-66E5-DF2B-2E95A5770003}"/>
                 </a:ext>
               </a:extLst>
             </p:cNvPr>
-            <p:cNvSpPr/>
+            <p:cNvCxnSpPr>
+              <a:stCxn id="51" idx="2"/>
+              <a:endCxn id="55" idx="0"/>
+            </p:cNvCxnSpPr>
             <p:nvPr/>
-          </p:nvSpPr>
+          </p:nvCxnSpPr>
           <p:spPr>
             <a:xfrm>
-              <a:off x="5319484" y="3062515"/>
-              <a:ext cx="1553029" cy="885372"/>
+              <a:off x="3093321" y="4461934"/>
+              <a:ext cx="886385" cy="181427"/>
             </a:xfrm>
-            <a:prstGeom prst="rect">
+            <a:prstGeom prst="straightConnector1">
               <a:avLst/>
             </a:prstGeom>
+            <a:ln>
+              <a:tailEnd type="triangle"/>
+            </a:ln>
           </p:spPr>
           <p:style>
-            <a:lnRef idx="2">
+            <a:lnRef idx="1">
               <a:schemeClr val="accent1"/>
             </a:lnRef>
-            <a:fillRef idx="1">
-              <a:schemeClr val="lt1"/>
+            <a:fillRef idx="0">
+              <a:schemeClr val="accent1"/>
             </a:fillRef>
             <a:effectRef idx="0">
               <a:schemeClr val="accent1"/>
             </a:effectRef>
             <a:fontRef idx="minor">
-              <a:schemeClr val="dk1"/>
+              <a:schemeClr val="tx1"/>
             </a:fontRef>
           </p:style>
-          <p:txBody>
-            <a:bodyPr rtlCol="0" anchor="ctr"/>
-            <a:lstStyle/>
-            <a:p>
-              <a:pPr algn="ctr"/>
-              <a:r>
-                <a:rPr lang="en-US" altLang="ko-KR" sz="1600" dirty="0"/>
-                <a:t>Search</a:t>
-              </a:r>
-            </a:p>
-            <a:p>
-              <a:pPr algn="ctr"/>
-              <a:r>
-                <a:rPr lang="ko-KR" altLang="en-US" sz="1000" dirty="0"/>
-                <a:t>도서 검색</a:t>
-              </a:r>
-            </a:p>
-          </p:txBody>
-        </p:sp>
+        </p:cxnSp>
       </p:grpSp>
-      <p:grpSp>
-        <p:nvGrpSpPr>
-          <p:cNvPr id="25" name="그룹 24">
-            <a:extLst>
-              <a:ext uri="{FF2B5EF4-FFF2-40B4-BE49-F238E27FC236}">
-                <a16:creationId xmlns:a16="http://schemas.microsoft.com/office/drawing/2014/main" id="{A634DAD8-830B-4A91-981E-0A27A6429249}"/>
-              </a:ext>
-            </a:extLst>
-          </p:cNvPr>
-          <p:cNvGrpSpPr/>
-          <p:nvPr/>
-        </p:nvGrpSpPr>
-        <p:grpSpPr>
-          <a:xfrm>
-            <a:off x="3138670" y="2405741"/>
-            <a:ext cx="1553030" cy="3062516"/>
-            <a:chOff x="3028646" y="885371"/>
-            <a:chExt cx="1553030" cy="3062516"/>
-          </a:xfrm>
-        </p:grpSpPr>
-        <p:sp>
-          <p:nvSpPr>
-            <p:cNvPr id="5" name="직사각형 4">
-              <a:extLst>
-                <a:ext uri="{FF2B5EF4-FFF2-40B4-BE49-F238E27FC236}">
-                  <a16:creationId xmlns:a16="http://schemas.microsoft.com/office/drawing/2014/main" id="{8F68C93A-5014-4D2E-9139-A3405E7C38A7}"/>
-                </a:ext>
-              </a:extLst>
-            </p:cNvPr>
-            <p:cNvSpPr/>
-            <p:nvPr/>
-          </p:nvSpPr>
-          <p:spPr>
-            <a:xfrm>
-              <a:off x="3028647" y="885371"/>
-              <a:ext cx="1553029" cy="885372"/>
-            </a:xfrm>
-            <a:prstGeom prst="rect">
-              <a:avLst/>
-            </a:prstGeom>
-          </p:spPr>
-          <p:style>
-            <a:lnRef idx="2">
-              <a:schemeClr val="accent1"/>
-            </a:lnRef>
-            <a:fillRef idx="1">
-              <a:schemeClr val="lt1"/>
-            </a:fillRef>
-            <a:effectRef idx="0">
-              <a:schemeClr val="accent1"/>
-            </a:effectRef>
-            <a:fontRef idx="minor">
-              <a:schemeClr val="dk1"/>
-            </a:fontRef>
-          </p:style>
-          <p:txBody>
-            <a:bodyPr rtlCol="0" anchor="ctr"/>
-            <a:lstStyle/>
-            <a:p>
-              <a:pPr algn="ctr"/>
-              <a:r>
-                <a:rPr lang="en-US" altLang="ko-KR" sz="1600" dirty="0"/>
-                <a:t>Admin</a:t>
-              </a:r>
-            </a:p>
-            <a:p>
-              <a:pPr algn="ctr"/>
-              <a:r>
-                <a:rPr lang="ko-KR" altLang="en-US" sz="1000" dirty="0"/>
-                <a:t>관리직원 정보</a:t>
-              </a:r>
-              <a:endParaRPr lang="en-US" altLang="ko-KR" sz="1000" dirty="0"/>
-            </a:p>
-          </p:txBody>
-        </p:sp>
-        <p:sp>
-          <p:nvSpPr>
-            <p:cNvPr id="20" name="직사각형 19">
-              <a:extLst>
-                <a:ext uri="{FF2B5EF4-FFF2-40B4-BE49-F238E27FC236}">
-                  <a16:creationId xmlns:a16="http://schemas.microsoft.com/office/drawing/2014/main" id="{5C58886C-11B3-4760-A711-BF8E2E0F85DF}"/>
-                </a:ext>
-              </a:extLst>
-            </p:cNvPr>
-            <p:cNvSpPr/>
-            <p:nvPr/>
-          </p:nvSpPr>
-          <p:spPr>
-            <a:xfrm>
-              <a:off x="3028646" y="1973943"/>
-              <a:ext cx="1553029" cy="885372"/>
-            </a:xfrm>
-            <a:prstGeom prst="rect">
-              <a:avLst/>
-            </a:prstGeom>
-          </p:spPr>
-          <p:style>
-            <a:lnRef idx="2">
-              <a:schemeClr val="accent1"/>
-            </a:lnRef>
-            <a:fillRef idx="1">
-              <a:schemeClr val="lt1"/>
-            </a:fillRef>
-            <a:effectRef idx="0">
-              <a:schemeClr val="accent1"/>
-            </a:effectRef>
-            <a:fontRef idx="minor">
-              <a:schemeClr val="dk1"/>
-            </a:fontRef>
-          </p:style>
-          <p:txBody>
-            <a:bodyPr rtlCol="0" anchor="ctr"/>
-            <a:lstStyle/>
-            <a:p>
-              <a:pPr algn="ctr"/>
-              <a:r>
-                <a:rPr lang="en-US" altLang="ko-KR" sz="1600" dirty="0"/>
-                <a:t>Management</a:t>
-              </a:r>
-            </a:p>
-            <a:p>
-              <a:pPr algn="ctr"/>
-              <a:r>
-                <a:rPr lang="en-US" altLang="ko-KR" sz="1000" dirty="0"/>
-                <a:t>(</a:t>
-              </a:r>
-              <a:r>
-                <a:rPr lang="ko-KR" altLang="en-US" sz="1000" dirty="0"/>
-                <a:t>추상클래스</a:t>
-              </a:r>
-              <a:r>
-                <a:rPr lang="en-US" altLang="ko-KR" sz="1000" dirty="0"/>
-                <a:t>)</a:t>
-              </a:r>
-              <a:endParaRPr lang="ko-KR" altLang="en-US" sz="1000" dirty="0"/>
-            </a:p>
-          </p:txBody>
-        </p:sp>
-        <p:sp>
-          <p:nvSpPr>
-            <p:cNvPr id="21" name="직사각형 20">
-              <a:extLst>
-                <a:ext uri="{FF2B5EF4-FFF2-40B4-BE49-F238E27FC236}">
-                  <a16:creationId xmlns:a16="http://schemas.microsoft.com/office/drawing/2014/main" id="{9B9975EA-6DDA-4BDB-B5B5-197418D80AC7}"/>
-                </a:ext>
-              </a:extLst>
-            </p:cNvPr>
-            <p:cNvSpPr/>
-            <p:nvPr/>
-          </p:nvSpPr>
-          <p:spPr>
-            <a:xfrm>
-              <a:off x="3028646" y="3062515"/>
-              <a:ext cx="764880" cy="885372"/>
-            </a:xfrm>
-            <a:prstGeom prst="rect">
-              <a:avLst/>
-            </a:prstGeom>
-          </p:spPr>
-          <p:style>
-            <a:lnRef idx="2">
-              <a:schemeClr val="accent1"/>
-            </a:lnRef>
-            <a:fillRef idx="1">
-              <a:schemeClr val="lt1"/>
-            </a:fillRef>
-            <a:effectRef idx="0">
-              <a:schemeClr val="accent1"/>
-            </a:effectRef>
-            <a:fontRef idx="minor">
-              <a:schemeClr val="dk1"/>
-            </a:fontRef>
-          </p:style>
-          <p:txBody>
-            <a:bodyPr rtlCol="0" anchor="ctr"/>
-            <a:lstStyle/>
-            <a:p>
-              <a:pPr algn="ctr"/>
-              <a:r>
-                <a:rPr lang="en-US" altLang="ko-KR" sz="1600" dirty="0"/>
-                <a:t>User</a:t>
-              </a:r>
-              <a:br>
-                <a:rPr lang="en-US" altLang="ko-KR" sz="1600" dirty="0"/>
-              </a:br>
-              <a:r>
-                <a:rPr lang="en-US" altLang="ko-KR" sz="1000" dirty="0"/>
-                <a:t>Manage</a:t>
-              </a:r>
-            </a:p>
-          </p:txBody>
-        </p:sp>
-      </p:grpSp>
-      <p:sp>
-        <p:nvSpPr>
-          <p:cNvPr id="27" name="직사각형 26">
-            <a:extLst>
-              <a:ext uri="{FF2B5EF4-FFF2-40B4-BE49-F238E27FC236}">
-                <a16:creationId xmlns:a16="http://schemas.microsoft.com/office/drawing/2014/main" id="{9771132C-78D7-4AE3-89F4-6372AECB6729}"/>
-              </a:ext>
-            </a:extLst>
-          </p:cNvPr>
-          <p:cNvSpPr/>
-          <p:nvPr/>
-        </p:nvSpPr>
-        <p:spPr>
-          <a:xfrm>
-            <a:off x="5618641" y="4745988"/>
-            <a:ext cx="1553029" cy="885372"/>
-          </a:xfrm>
-          <a:prstGeom prst="rect">
-            <a:avLst/>
-          </a:prstGeom>
-        </p:spPr>
-        <p:style>
-          <a:lnRef idx="2">
-            <a:schemeClr val="accent1"/>
-          </a:lnRef>
-          <a:fillRef idx="1">
-            <a:schemeClr val="lt1"/>
-          </a:fillRef>
-          <a:effectRef idx="0">
-            <a:schemeClr val="accent1"/>
-          </a:effectRef>
-          <a:fontRef idx="minor">
-            <a:schemeClr val="dk1"/>
-          </a:fontRef>
-        </p:style>
-        <p:txBody>
-          <a:bodyPr rtlCol="0" anchor="ctr"/>
-          <a:lstStyle/>
-          <a:p>
-            <a:pPr algn="ctr"/>
-            <a:r>
-              <a:rPr lang="en-US" altLang="ko-KR" sz="1600" dirty="0"/>
-              <a:t>Main</a:t>
-            </a:r>
-          </a:p>
-          <a:p>
-            <a:pPr algn="ctr"/>
-            <a:r>
-              <a:rPr lang="ko-KR" altLang="en-US" sz="1000" dirty="0"/>
-              <a:t>시스템</a:t>
-            </a:r>
-          </a:p>
-        </p:txBody>
-      </p:sp>
-      <p:sp>
-        <p:nvSpPr>
-          <p:cNvPr id="28" name="직사각형 27">
-            <a:extLst>
-              <a:ext uri="{FF2B5EF4-FFF2-40B4-BE49-F238E27FC236}">
-                <a16:creationId xmlns:a16="http://schemas.microsoft.com/office/drawing/2014/main" id="{FD730C0E-6540-428E-928D-F71F93F3C153}"/>
-              </a:ext>
-            </a:extLst>
-          </p:cNvPr>
-          <p:cNvSpPr/>
-          <p:nvPr/>
-        </p:nvSpPr>
-        <p:spPr>
-          <a:xfrm>
-            <a:off x="1920125" y="1317169"/>
-            <a:ext cx="1553029" cy="885372"/>
-          </a:xfrm>
-          <a:prstGeom prst="rect">
-            <a:avLst/>
-          </a:prstGeom>
-        </p:spPr>
-        <p:style>
-          <a:lnRef idx="2">
-            <a:schemeClr val="accent1"/>
-          </a:lnRef>
-          <a:fillRef idx="1">
-            <a:schemeClr val="lt1"/>
-          </a:fillRef>
-          <a:effectRef idx="0">
-            <a:schemeClr val="accent1"/>
-          </a:effectRef>
-          <a:fontRef idx="minor">
-            <a:schemeClr val="dk1"/>
-          </a:fontRef>
-        </p:style>
-        <p:txBody>
-          <a:bodyPr rtlCol="0" anchor="ctr"/>
-          <a:lstStyle/>
-          <a:p>
-            <a:pPr algn="ctr"/>
-            <a:r>
-              <a:rPr lang="en-US" altLang="ko-KR" sz="1600" dirty="0"/>
-              <a:t>Member</a:t>
-            </a:r>
-          </a:p>
-          <a:p>
-            <a:pPr algn="ctr"/>
-            <a:r>
-              <a:rPr lang="en-US" altLang="ko-KR" sz="1000" dirty="0"/>
-              <a:t>(</a:t>
-            </a:r>
-            <a:r>
-              <a:rPr lang="ko-KR" altLang="en-US" sz="1000" dirty="0"/>
-              <a:t>추상클래스</a:t>
-            </a:r>
-            <a:r>
-              <a:rPr lang="en-US" altLang="ko-KR" sz="1000" dirty="0"/>
-              <a:t>)</a:t>
-            </a:r>
-            <a:endParaRPr lang="ko-KR" altLang="en-US" sz="1000" dirty="0"/>
-          </a:p>
-        </p:txBody>
-      </p:sp>
-      <p:sp>
-        <p:nvSpPr>
-          <p:cNvPr id="32" name="직사각형 31">
-            <a:extLst>
-              <a:ext uri="{FF2B5EF4-FFF2-40B4-BE49-F238E27FC236}">
-                <a16:creationId xmlns:a16="http://schemas.microsoft.com/office/drawing/2014/main" id="{0E9E33F1-EDEA-4C26-AB4B-994729C21E9B}"/>
-              </a:ext>
-            </a:extLst>
-          </p:cNvPr>
-          <p:cNvSpPr/>
-          <p:nvPr/>
-        </p:nvSpPr>
-        <p:spPr>
-          <a:xfrm>
-            <a:off x="3934274" y="4582885"/>
-            <a:ext cx="764880" cy="885372"/>
-          </a:xfrm>
-          <a:prstGeom prst="rect">
-            <a:avLst/>
-          </a:prstGeom>
-        </p:spPr>
-        <p:style>
-          <a:lnRef idx="2">
-            <a:schemeClr val="accent1"/>
-          </a:lnRef>
-          <a:fillRef idx="1">
-            <a:schemeClr val="lt1"/>
-          </a:fillRef>
-          <a:effectRef idx="0">
-            <a:schemeClr val="accent1"/>
-          </a:effectRef>
-          <a:fontRef idx="minor">
-            <a:schemeClr val="dk1"/>
-          </a:fontRef>
-        </p:style>
-        <p:txBody>
-          <a:bodyPr rtlCol="0" anchor="ctr"/>
-          <a:lstStyle/>
-          <a:p>
-            <a:pPr algn="ctr"/>
-            <a:r>
-              <a:rPr lang="en-US" altLang="ko-KR" sz="1600" dirty="0"/>
-              <a:t>Book</a:t>
-            </a:r>
-          </a:p>
-          <a:p>
-            <a:pPr algn="ctr"/>
-            <a:r>
-              <a:rPr lang="en-US" altLang="ko-KR" sz="1000" dirty="0"/>
-              <a:t>Manage</a:t>
-            </a:r>
-          </a:p>
-        </p:txBody>
-      </p:sp>
       <p:cxnSp>
         <p:nvCxnSpPr>
-          <p:cNvPr id="3" name="직선 화살표 연결선 2">
-            <a:extLst>
-              <a:ext uri="{FF2B5EF4-FFF2-40B4-BE49-F238E27FC236}">
-                <a16:creationId xmlns:a16="http://schemas.microsoft.com/office/drawing/2014/main" id="{D56E7EC6-587D-4E67-9834-5B796465B636}"/>
+          <p:cNvPr id="60" name="직선 화살표 연결선 59">
+            <a:extLst>
+              <a:ext uri="{FF2B5EF4-FFF2-40B4-BE49-F238E27FC236}">
+                <a16:creationId xmlns:a16="http://schemas.microsoft.com/office/drawing/2014/main" id="{77D7D95F-7713-5077-DDCC-C6C0B79095D7}"/>
               </a:ext>
             </a:extLst>
           </p:cNvPr>
           <p:cNvCxnSpPr>
-            <a:stCxn id="28" idx="2"/>
-            <a:endCxn id="4" idx="0"/>
+            <a:stCxn id="48" idx="2"/>
+            <a:endCxn id="47" idx="0"/>
           </p:cNvCxnSpPr>
           <p:nvPr/>
         </p:nvCxnSpPr>
         <p:spPr>
-          <a:xfrm flipH="1">
-            <a:off x="1426640" y="2202541"/>
-            <a:ext cx="1270000" cy="203200"/>
+          <a:xfrm>
+            <a:off x="2932572" y="2646436"/>
+            <a:ext cx="0" cy="396573"/>
           </a:xfrm>
           <a:prstGeom prst="straightConnector1">
             <a:avLst/>
@@ -4619,22 +4638,23 @@
       </p:cxnSp>
       <p:cxnSp>
         <p:nvCxnSpPr>
-          <p:cNvPr id="12" name="직선 화살표 연결선 11">
-            <a:extLst>
-              <a:ext uri="{FF2B5EF4-FFF2-40B4-BE49-F238E27FC236}">
-                <a16:creationId xmlns:a16="http://schemas.microsoft.com/office/drawing/2014/main" id="{87B22C19-3242-4C64-B5E8-143F5B763BB3}"/>
+          <p:cNvPr id="61" name="직선 화살표 연결선 60">
+            <a:extLst>
+              <a:ext uri="{FF2B5EF4-FFF2-40B4-BE49-F238E27FC236}">
+                <a16:creationId xmlns:a16="http://schemas.microsoft.com/office/drawing/2014/main" id="{75FDF6C8-F770-E813-FA7F-09F39ECBA991}"/>
               </a:ext>
             </a:extLst>
           </p:cNvPr>
           <p:cNvCxnSpPr>
-            <a:endCxn id="5" idx="0"/>
+            <a:stCxn id="48" idx="3"/>
+            <a:endCxn id="44" idx="1"/>
           </p:cNvCxnSpPr>
           <p:nvPr/>
         </p:nvCxnSpPr>
         <p:spPr>
-          <a:xfrm>
-            <a:off x="2714784" y="2202541"/>
-            <a:ext cx="1200402" cy="203200"/>
+          <a:xfrm flipV="1">
+            <a:off x="3709086" y="2203524"/>
+            <a:ext cx="522969" cy="226"/>
           </a:xfrm>
           <a:prstGeom prst="straightConnector1">
             <a:avLst/>
@@ -4660,23 +4680,23 @@
       </p:cxnSp>
       <p:cxnSp>
         <p:nvCxnSpPr>
-          <p:cNvPr id="33" name="직선 화살표 연결선 32">
-            <a:extLst>
-              <a:ext uri="{FF2B5EF4-FFF2-40B4-BE49-F238E27FC236}">
-                <a16:creationId xmlns:a16="http://schemas.microsoft.com/office/drawing/2014/main" id="{94AD6CD5-1B1D-4C92-BED0-F02D5B6E10C3}"/>
+          <p:cNvPr id="62" name="직선 화살표 연결선 61">
+            <a:extLst>
+              <a:ext uri="{FF2B5EF4-FFF2-40B4-BE49-F238E27FC236}">
+                <a16:creationId xmlns:a16="http://schemas.microsoft.com/office/drawing/2014/main" id="{A2CB7F3E-D675-AEAC-9F2A-8141DEB9DDBA}"/>
               </a:ext>
             </a:extLst>
           </p:cNvPr>
           <p:cNvCxnSpPr>
-            <a:stCxn id="20" idx="2"/>
-            <a:endCxn id="21" idx="0"/>
+            <a:stCxn id="44" idx="3"/>
+            <a:endCxn id="14" idx="1"/>
           </p:cNvCxnSpPr>
           <p:nvPr/>
         </p:nvCxnSpPr>
         <p:spPr>
-          <a:xfrm flipH="1">
-            <a:off x="3521110" y="4379685"/>
-            <a:ext cx="394075" cy="203200"/>
+          <a:xfrm flipV="1">
+            <a:off x="5785084" y="1148439"/>
+            <a:ext cx="522968" cy="1055085"/>
           </a:xfrm>
           <a:prstGeom prst="straightConnector1">
             <a:avLst/>
@@ -4702,22 +4722,23 @@
       </p:cxnSp>
       <p:cxnSp>
         <p:nvCxnSpPr>
-          <p:cNvPr id="35" name="직선 화살표 연결선 34">
-            <a:extLst>
-              <a:ext uri="{FF2B5EF4-FFF2-40B4-BE49-F238E27FC236}">
-                <a16:creationId xmlns:a16="http://schemas.microsoft.com/office/drawing/2014/main" id="{2D8FAA70-F385-4981-967A-19451E1F4375}"/>
+          <p:cNvPr id="63" name="직선 화살표 연결선 62">
+            <a:extLst>
+              <a:ext uri="{FF2B5EF4-FFF2-40B4-BE49-F238E27FC236}">
+                <a16:creationId xmlns:a16="http://schemas.microsoft.com/office/drawing/2014/main" id="{CAFDF0C2-DA0F-4778-5868-5C513D91D735}"/>
               </a:ext>
             </a:extLst>
           </p:cNvPr>
           <p:cNvCxnSpPr>
-            <a:stCxn id="20" idx="2"/>
+            <a:stCxn id="44" idx="3"/>
+            <a:endCxn id="22" idx="1"/>
           </p:cNvCxnSpPr>
           <p:nvPr/>
         </p:nvCxnSpPr>
         <p:spPr>
           <a:xfrm>
-            <a:off x="3915185" y="4379685"/>
-            <a:ext cx="401529" cy="181427"/>
+            <a:off x="5785084" y="2203524"/>
+            <a:ext cx="522968" cy="0"/>
           </a:xfrm>
           <a:prstGeom prst="straightConnector1">
             <a:avLst/>
@@ -4743,22 +4764,23 @@
       </p:cxnSp>
       <p:cxnSp>
         <p:nvCxnSpPr>
-          <p:cNvPr id="37" name="직선 화살표 연결선 36">
-            <a:extLst>
-              <a:ext uri="{FF2B5EF4-FFF2-40B4-BE49-F238E27FC236}">
-                <a16:creationId xmlns:a16="http://schemas.microsoft.com/office/drawing/2014/main" id="{33D2B7E9-48C9-4B8D-8F54-BB912EEAA66E}"/>
+          <p:cNvPr id="64" name="직선 화살표 연결선 63">
+            <a:extLst>
+              <a:ext uri="{FF2B5EF4-FFF2-40B4-BE49-F238E27FC236}">
+                <a16:creationId xmlns:a16="http://schemas.microsoft.com/office/drawing/2014/main" id="{D5460796-DF10-82F8-116C-9E495F265025}"/>
               </a:ext>
             </a:extLst>
           </p:cNvPr>
           <p:cNvCxnSpPr>
-            <a:endCxn id="13" idx="0"/>
+            <a:stCxn id="44" idx="3"/>
+            <a:endCxn id="34" idx="1"/>
           </p:cNvCxnSpPr>
           <p:nvPr/>
         </p:nvCxnSpPr>
         <p:spPr>
           <a:xfrm>
-            <a:off x="6403728" y="2202541"/>
-            <a:ext cx="3" cy="203200"/>
+            <a:off x="5785084" y="2203524"/>
+            <a:ext cx="522967" cy="1055085"/>
           </a:xfrm>
           <a:prstGeom prst="straightConnector1">
             <a:avLst/>
@@ -4784,24 +4806,23 @@
       </p:cxnSp>
       <p:cxnSp>
         <p:nvCxnSpPr>
-          <p:cNvPr id="39" name="직선 화살표 연결선 38">
-            <a:extLst>
-              <a:ext uri="{FF2B5EF4-FFF2-40B4-BE49-F238E27FC236}">
-                <a16:creationId xmlns:a16="http://schemas.microsoft.com/office/drawing/2014/main" id="{6DF3D85E-1A33-449C-A7EA-294E66FE564D}"/>
+          <p:cNvPr id="65" name="직선 화살표 연결선 64">
+            <a:extLst>
+              <a:ext uri="{FF2B5EF4-FFF2-40B4-BE49-F238E27FC236}">
+                <a16:creationId xmlns:a16="http://schemas.microsoft.com/office/drawing/2014/main" id="{16FD911B-D701-A1BF-96B4-4C95A11EAE5F}"/>
               </a:ext>
             </a:extLst>
           </p:cNvPr>
           <p:cNvCxnSpPr>
-            <a:cxnSpLocks/>
-            <a:stCxn id="8" idx="3"/>
-            <a:endCxn id="15" idx="1"/>
+            <a:stCxn id="44" idx="3"/>
+            <a:endCxn id="36" idx="1"/>
           </p:cNvCxnSpPr>
           <p:nvPr/>
         </p:nvCxnSpPr>
         <p:spPr>
           <a:xfrm>
-            <a:off x="9668788" y="1759855"/>
-            <a:ext cx="159002" cy="0"/>
+            <a:off x="5785084" y="2203524"/>
+            <a:ext cx="522967" cy="2106915"/>
           </a:xfrm>
           <a:prstGeom prst="straightConnector1">
             <a:avLst/>
@@ -4827,22 +4848,23 @@
       </p:cxnSp>
       <p:cxnSp>
         <p:nvCxnSpPr>
-          <p:cNvPr id="41" name="직선 화살표 연결선 40">
-            <a:extLst>
-              <a:ext uri="{FF2B5EF4-FFF2-40B4-BE49-F238E27FC236}">
-                <a16:creationId xmlns:a16="http://schemas.microsoft.com/office/drawing/2014/main" id="{2CF1F8E9-AFCC-402A-B64A-607E435090EF}"/>
+          <p:cNvPr id="66" name="직선 화살표 연결선 65">
+            <a:extLst>
+              <a:ext uri="{FF2B5EF4-FFF2-40B4-BE49-F238E27FC236}">
+                <a16:creationId xmlns:a16="http://schemas.microsoft.com/office/drawing/2014/main" id="{4C5D7017-1C2D-3458-8F01-BCAB3EEDA0D9}"/>
               </a:ext>
             </a:extLst>
           </p:cNvPr>
           <p:cNvCxnSpPr>
-            <a:cxnSpLocks/>
+            <a:stCxn id="47" idx="2"/>
+            <a:endCxn id="38" idx="0"/>
           </p:cNvCxnSpPr>
           <p:nvPr/>
         </p:nvCxnSpPr>
         <p:spPr>
-          <a:xfrm>
-            <a:off x="9667854" y="2843664"/>
-            <a:ext cx="159002" cy="0"/>
+          <a:xfrm flipH="1">
+            <a:off x="1303471" y="3928381"/>
+            <a:ext cx="1629101" cy="396876"/>
           </a:xfrm>
           <a:prstGeom prst="straightConnector1">
             <a:avLst/>
@@ -4868,22 +4890,107 @@
       </p:cxnSp>
       <p:cxnSp>
         <p:nvCxnSpPr>
-          <p:cNvPr id="42" name="직선 화살표 연결선 41">
-            <a:extLst>
-              <a:ext uri="{FF2B5EF4-FFF2-40B4-BE49-F238E27FC236}">
-                <a16:creationId xmlns:a16="http://schemas.microsoft.com/office/drawing/2014/main" id="{D42969D2-1ACB-4072-99B8-9BA9F6056BDA}"/>
+          <p:cNvPr id="67" name="직선 화살표 연결선 66">
+            <a:extLst>
+              <a:ext uri="{FF2B5EF4-FFF2-40B4-BE49-F238E27FC236}">
+                <a16:creationId xmlns:a16="http://schemas.microsoft.com/office/drawing/2014/main" id="{D5CB5857-224A-16A2-B15E-694CECEE3B12}"/>
               </a:ext>
             </a:extLst>
           </p:cNvPr>
           <p:cNvCxnSpPr>
-            <a:cxnSpLocks/>
+            <a:stCxn id="47" idx="2"/>
+            <a:endCxn id="40" idx="0"/>
           </p:cNvCxnSpPr>
           <p:nvPr/>
         </p:nvCxnSpPr>
         <p:spPr>
           <a:xfrm>
-            <a:off x="9667854" y="5018087"/>
-            <a:ext cx="159002" cy="0"/>
+            <a:off x="2932572" y="3928381"/>
+            <a:ext cx="0" cy="397479"/>
+          </a:xfrm>
+          <a:prstGeom prst="straightConnector1">
+            <a:avLst/>
+          </a:prstGeom>
+          <a:ln>
+            <a:tailEnd type="triangle"/>
+          </a:ln>
+        </p:spPr>
+        <p:style>
+          <a:lnRef idx="1">
+            <a:schemeClr val="accent1"/>
+          </a:lnRef>
+          <a:fillRef idx="0">
+            <a:schemeClr val="accent1"/>
+          </a:fillRef>
+          <a:effectRef idx="0">
+            <a:schemeClr val="accent1"/>
+          </a:effectRef>
+          <a:fontRef idx="minor">
+            <a:schemeClr val="tx1"/>
+          </a:fontRef>
+        </p:style>
+      </p:cxnSp>
+      <p:cxnSp>
+        <p:nvCxnSpPr>
+          <p:cNvPr id="68" name="직선 화살표 연결선 67">
+            <a:extLst>
+              <a:ext uri="{FF2B5EF4-FFF2-40B4-BE49-F238E27FC236}">
+                <a16:creationId xmlns:a16="http://schemas.microsoft.com/office/drawing/2014/main" id="{8FA5DD0C-B5DD-9756-9218-653CA7091D01}"/>
+              </a:ext>
+            </a:extLst>
+          </p:cNvPr>
+          <p:cNvCxnSpPr>
+            <a:stCxn id="47" idx="2"/>
+            <a:endCxn id="43" idx="0"/>
+          </p:cNvCxnSpPr>
+          <p:nvPr/>
+        </p:nvCxnSpPr>
+        <p:spPr>
+          <a:xfrm>
+            <a:off x="2932572" y="3928381"/>
+            <a:ext cx="1629101" cy="396876"/>
+          </a:xfrm>
+          <a:prstGeom prst="straightConnector1">
+            <a:avLst/>
+          </a:prstGeom>
+          <a:ln>
+            <a:tailEnd type="triangle"/>
+          </a:ln>
+        </p:spPr>
+        <p:style>
+          <a:lnRef idx="1">
+            <a:schemeClr val="accent1"/>
+          </a:lnRef>
+          <a:fillRef idx="0">
+            <a:schemeClr val="accent1"/>
+          </a:fillRef>
+          <a:effectRef idx="0">
+            <a:schemeClr val="accent1"/>
+          </a:effectRef>
+          <a:fontRef idx="minor">
+            <a:schemeClr val="tx1"/>
+          </a:fontRef>
+        </p:style>
+      </p:cxnSp>
+      <p:cxnSp>
+        <p:nvCxnSpPr>
+          <p:cNvPr id="69" name="직선 화살표 연결선 68">
+            <a:extLst>
+              <a:ext uri="{FF2B5EF4-FFF2-40B4-BE49-F238E27FC236}">
+                <a16:creationId xmlns:a16="http://schemas.microsoft.com/office/drawing/2014/main" id="{DCED5AFF-EBAD-00C0-FC24-7B1229BE7A6F}"/>
+              </a:ext>
+            </a:extLst>
+          </p:cNvPr>
+          <p:cNvCxnSpPr>
+            <a:stCxn id="45" idx="3"/>
+            <a:endCxn id="46" idx="1"/>
+          </p:cNvCxnSpPr>
+          <p:nvPr/>
+        </p:nvCxnSpPr>
+        <p:spPr>
+          <a:xfrm>
+            <a:off x="8387757" y="6026454"/>
+            <a:ext cx="356489" cy="0"/>
           </a:xfrm>
           <a:prstGeom prst="straightConnector1">
             <a:avLst/>

--- a/mini_library.pptx
+++ b/mini_library.pptx
@@ -6,7 +6,6 @@
   </p:sldMasterIdLst>
   <p:sldIdLst>
     <p:sldId id="256" r:id="rId2"/>
-    <p:sldId id="257" r:id="rId3"/>
   </p:sldIdLst>
   <p:sldSz cx="12192000" cy="6858000"/>
   <p:notesSz cx="6858000" cy="9144000"/>
@@ -260,7 +259,7 @@
           <a:p>
             <a:fld id="{63EB8CB0-ADEB-4FAF-A3C5-4F9D49DF492E}" type="datetimeFigureOut">
               <a:rPr lang="ko-KR" altLang="en-US" smtClean="0"/>
-              <a:t>2023-09-05</a:t>
+              <a:t>2023-09-06</a:t>
             </a:fld>
             <a:endParaRPr lang="ko-KR" altLang="en-US"/>
           </a:p>
@@ -458,7 +457,7 @@
           <a:p>
             <a:fld id="{63EB8CB0-ADEB-4FAF-A3C5-4F9D49DF492E}" type="datetimeFigureOut">
               <a:rPr lang="ko-KR" altLang="en-US" smtClean="0"/>
-              <a:t>2023-09-05</a:t>
+              <a:t>2023-09-06</a:t>
             </a:fld>
             <a:endParaRPr lang="ko-KR" altLang="en-US"/>
           </a:p>
@@ -666,7 +665,7 @@
           <a:p>
             <a:fld id="{63EB8CB0-ADEB-4FAF-A3C5-4F9D49DF492E}" type="datetimeFigureOut">
               <a:rPr lang="ko-KR" altLang="en-US" smtClean="0"/>
-              <a:t>2023-09-05</a:t>
+              <a:t>2023-09-06</a:t>
             </a:fld>
             <a:endParaRPr lang="ko-KR" altLang="en-US"/>
           </a:p>
@@ -864,7 +863,7 @@
           <a:p>
             <a:fld id="{63EB8CB0-ADEB-4FAF-A3C5-4F9D49DF492E}" type="datetimeFigureOut">
               <a:rPr lang="ko-KR" altLang="en-US" smtClean="0"/>
-              <a:t>2023-09-05</a:t>
+              <a:t>2023-09-06</a:t>
             </a:fld>
             <a:endParaRPr lang="ko-KR" altLang="en-US"/>
           </a:p>
@@ -1139,7 +1138,7 @@
           <a:p>
             <a:fld id="{63EB8CB0-ADEB-4FAF-A3C5-4F9D49DF492E}" type="datetimeFigureOut">
               <a:rPr lang="ko-KR" altLang="en-US" smtClean="0"/>
-              <a:t>2023-09-05</a:t>
+              <a:t>2023-09-06</a:t>
             </a:fld>
             <a:endParaRPr lang="ko-KR" altLang="en-US"/>
           </a:p>
@@ -1404,7 +1403,7 @@
           <a:p>
             <a:fld id="{63EB8CB0-ADEB-4FAF-A3C5-4F9D49DF492E}" type="datetimeFigureOut">
               <a:rPr lang="ko-KR" altLang="en-US" smtClean="0"/>
-              <a:t>2023-09-05</a:t>
+              <a:t>2023-09-06</a:t>
             </a:fld>
             <a:endParaRPr lang="ko-KR" altLang="en-US"/>
           </a:p>
@@ -1816,7 +1815,7 @@
           <a:p>
             <a:fld id="{63EB8CB0-ADEB-4FAF-A3C5-4F9D49DF492E}" type="datetimeFigureOut">
               <a:rPr lang="ko-KR" altLang="en-US" smtClean="0"/>
-              <a:t>2023-09-05</a:t>
+              <a:t>2023-09-06</a:t>
             </a:fld>
             <a:endParaRPr lang="ko-KR" altLang="en-US"/>
           </a:p>
@@ -1957,7 +1956,7 @@
           <a:p>
             <a:fld id="{63EB8CB0-ADEB-4FAF-A3C5-4F9D49DF492E}" type="datetimeFigureOut">
               <a:rPr lang="ko-KR" altLang="en-US" smtClean="0"/>
-              <a:t>2023-09-05</a:t>
+              <a:t>2023-09-06</a:t>
             </a:fld>
             <a:endParaRPr lang="ko-KR" altLang="en-US"/>
           </a:p>
@@ -2070,7 +2069,7 @@
           <a:p>
             <a:fld id="{63EB8CB0-ADEB-4FAF-A3C5-4F9D49DF492E}" type="datetimeFigureOut">
               <a:rPr lang="ko-KR" altLang="en-US" smtClean="0"/>
-              <a:t>2023-09-05</a:t>
+              <a:t>2023-09-06</a:t>
             </a:fld>
             <a:endParaRPr lang="ko-KR" altLang="en-US"/>
           </a:p>
@@ -2381,7 +2380,7 @@
           <a:p>
             <a:fld id="{63EB8CB0-ADEB-4FAF-A3C5-4F9D49DF492E}" type="datetimeFigureOut">
               <a:rPr lang="ko-KR" altLang="en-US" smtClean="0"/>
-              <a:t>2023-09-05</a:t>
+              <a:t>2023-09-06</a:t>
             </a:fld>
             <a:endParaRPr lang="ko-KR" altLang="en-US"/>
           </a:p>
@@ -2669,7 +2668,7 @@
           <a:p>
             <a:fld id="{63EB8CB0-ADEB-4FAF-A3C5-4F9D49DF492E}" type="datetimeFigureOut">
               <a:rPr lang="ko-KR" altLang="en-US" smtClean="0"/>
-              <a:t>2023-09-05</a:t>
+              <a:t>2023-09-06</a:t>
             </a:fld>
             <a:endParaRPr lang="ko-KR" altLang="en-US"/>
           </a:p>
@@ -2910,7 +2909,7 @@
           <a:p>
             <a:fld id="{63EB8CB0-ADEB-4FAF-A3C5-4F9D49DF492E}" type="datetimeFigureOut">
               <a:rPr lang="ko-KR" altLang="en-US" smtClean="0"/>
-              <a:t>2023-09-05</a:t>
+              <a:t>2023-09-06</a:t>
             </a:fld>
             <a:endParaRPr lang="ko-KR" altLang="en-US"/>
           </a:p>
@@ -3341,7 +3340,7 @@
         </p:nvSpPr>
         <p:spPr>
           <a:xfrm>
-            <a:off x="292100" y="4138989"/>
+            <a:off x="1386413" y="5398397"/>
             <a:ext cx="5290846" cy="1273329"/>
           </a:xfrm>
           <a:prstGeom prst="rect">
@@ -3393,7 +3392,7 @@
         </p:nvSpPr>
         <p:spPr>
           <a:xfrm>
-            <a:off x="6046567" y="450850"/>
+            <a:off x="5153654" y="234978"/>
             <a:ext cx="2054750" cy="4533824"/>
           </a:xfrm>
           <a:prstGeom prst="rect">
@@ -3445,7 +3444,7 @@
         </p:nvSpPr>
         <p:spPr>
           <a:xfrm>
-            <a:off x="6308052" y="705753"/>
+            <a:off x="5415139" y="489881"/>
             <a:ext cx="1553029" cy="885372"/>
           </a:xfrm>
           <a:prstGeom prst="rect">
@@ -3493,7 +3492,7 @@
         </p:nvSpPr>
         <p:spPr>
           <a:xfrm>
-            <a:off x="6308052" y="1760838"/>
+            <a:off x="5415139" y="1544966"/>
             <a:ext cx="1553029" cy="885372"/>
           </a:xfrm>
           <a:prstGeom prst="rect">
@@ -3541,7 +3540,7 @@
         </p:nvSpPr>
         <p:spPr>
           <a:xfrm>
-            <a:off x="6308051" y="2815923"/>
+            <a:off x="5415138" y="2600051"/>
             <a:ext cx="1553029" cy="885372"/>
           </a:xfrm>
           <a:prstGeom prst="rect">
@@ -3589,7 +3588,7 @@
         </p:nvSpPr>
         <p:spPr>
           <a:xfrm>
-            <a:off x="6308051" y="3867753"/>
+            <a:off x="5415138" y="3651881"/>
             <a:ext cx="1553029" cy="885372"/>
           </a:xfrm>
           <a:prstGeom prst="rect">
@@ -3644,7 +3643,7 @@
         </p:nvSpPr>
         <p:spPr>
           <a:xfrm>
-            <a:off x="526956" y="4325257"/>
+            <a:off x="1621269" y="5584665"/>
             <a:ext cx="1553029" cy="885372"/>
           </a:xfrm>
           <a:prstGeom prst="rect">
@@ -3699,7 +3698,7 @@
         </p:nvSpPr>
         <p:spPr>
           <a:xfrm>
-            <a:off x="2156057" y="4325860"/>
+            <a:off x="3250370" y="5585268"/>
             <a:ext cx="1553029" cy="885372"/>
           </a:xfrm>
           <a:prstGeom prst="rect">
@@ -3754,7 +3753,7 @@
         </p:nvSpPr>
         <p:spPr>
           <a:xfrm>
-            <a:off x="3785158" y="4325257"/>
+            <a:off x="4879471" y="5584665"/>
             <a:ext cx="1553029" cy="885372"/>
           </a:xfrm>
           <a:prstGeom prst="rect">
@@ -3816,7 +3815,7 @@
         </p:nvSpPr>
         <p:spPr>
           <a:xfrm>
-            <a:off x="4232055" y="1760838"/>
+            <a:off x="3122192" y="830046"/>
             <a:ext cx="1553029" cy="885372"/>
           </a:xfrm>
           <a:prstGeom prst="rect">
@@ -3870,7 +3869,7 @@
         </p:nvSpPr>
         <p:spPr>
           <a:xfrm>
-            <a:off x="6834728" y="5583768"/>
+            <a:off x="1386412" y="3883430"/>
             <a:ext cx="1553029" cy="885372"/>
           </a:xfrm>
           <a:prstGeom prst="rect">
@@ -3924,7 +3923,7 @@
         </p:nvSpPr>
         <p:spPr>
           <a:xfrm>
-            <a:off x="8744246" y="5583768"/>
+            <a:off x="3295930" y="3883430"/>
             <a:ext cx="1553029" cy="885372"/>
           </a:xfrm>
           <a:prstGeom prst="rect">
@@ -3994,7 +3993,7 @@
         </p:nvSpPr>
         <p:spPr>
           <a:xfrm>
-            <a:off x="2156057" y="3043009"/>
+            <a:off x="3122192" y="1885131"/>
             <a:ext cx="1553029" cy="885372"/>
           </a:xfrm>
           <a:prstGeom prst="rect">
@@ -4049,7 +4048,7 @@
         </p:nvSpPr>
         <p:spPr>
           <a:xfrm>
-            <a:off x="2156057" y="1761064"/>
+            <a:off x="1212673" y="1420106"/>
             <a:ext cx="1553029" cy="885372"/>
           </a:xfrm>
           <a:prstGeom prst="rect">
@@ -4112,7 +4111,7 @@
         </p:nvGrpSpPr>
         <p:grpSpPr>
           <a:xfrm>
-            <a:off x="8384047" y="1324350"/>
+            <a:off x="7770093" y="1565364"/>
             <a:ext cx="3418207" cy="3040743"/>
             <a:chOff x="1345468" y="3576562"/>
             <a:chExt cx="3418207" cy="3040743"/>
@@ -4159,9 +4158,10 @@
             <a:p>
               <a:pPr algn="ctr"/>
               <a:r>
-                <a:rPr lang="en-US" altLang="ko-KR" sz="1600" dirty="0"/>
-                <a:t>Auth</a:t>
+                <a:rPr lang="en-US" altLang="ko-KR" sz="1600" dirty="0" err="1"/>
+                <a:t>UserMenu</a:t>
               </a:r>
+              <a:endParaRPr lang="en-US" altLang="ko-KR" sz="1600" dirty="0"/>
             </a:p>
             <a:p>
               <a:pPr algn="ctr"/>
@@ -4295,9 +4295,10 @@
               <a:p>
                 <a:pPr algn="ctr"/>
                 <a:r>
-                  <a:rPr lang="en-US" altLang="ko-KR" sz="1600" dirty="0"/>
-                  <a:t>Management</a:t>
+                  <a:rPr lang="en-US" altLang="ko-KR" sz="1600" dirty="0" err="1"/>
+                  <a:t>AdminMenu</a:t>
                 </a:r>
+                <a:endParaRPr lang="en-US" altLang="ko-KR" sz="1600" dirty="0"/>
               </a:p>
               <a:p>
                 <a:pPr algn="ctr"/>
@@ -4477,14 +4478,16 @@
                 </a:extLst>
               </p:cNvPr>
               <p:cNvCxnSpPr>
+                <a:cxnSpLocks/>
                 <a:stCxn id="55" idx="2"/>
+                <a:endCxn id="57" idx="0"/>
               </p:cNvCxnSpPr>
               <p:nvPr/>
             </p:nvCxnSpPr>
             <p:spPr>
               <a:xfrm>
                 <a:off x="3915185" y="4379685"/>
-                <a:ext cx="401529" cy="181427"/>
+                <a:ext cx="401529" cy="203200"/>
               </a:xfrm>
               <a:prstGeom prst="straightConnector1">
                 <a:avLst/>
@@ -4604,15 +4607,16 @@
             </a:extLst>
           </p:cNvPr>
           <p:cNvCxnSpPr>
-            <a:stCxn id="48" idx="2"/>
-            <a:endCxn id="47" idx="0"/>
+            <a:cxnSpLocks/>
+            <a:stCxn id="48" idx="3"/>
+            <a:endCxn id="47" idx="1"/>
           </p:cNvCxnSpPr>
           <p:nvPr/>
         </p:nvCxnSpPr>
         <p:spPr>
           <a:xfrm>
-            <a:off x="2932572" y="2646436"/>
-            <a:ext cx="0" cy="396573"/>
+            <a:off x="2765702" y="1862792"/>
+            <a:ext cx="356490" cy="465025"/>
           </a:xfrm>
           <a:prstGeom prst="straightConnector1">
             <a:avLst/>
@@ -4653,302 +4657,8 @@
         </p:nvCxnSpPr>
         <p:spPr>
           <a:xfrm flipV="1">
-            <a:off x="3709086" y="2203524"/>
-            <a:ext cx="522969" cy="226"/>
-          </a:xfrm>
-          <a:prstGeom prst="straightConnector1">
-            <a:avLst/>
-          </a:prstGeom>
-          <a:ln>
-            <a:tailEnd type="triangle"/>
-          </a:ln>
-        </p:spPr>
-        <p:style>
-          <a:lnRef idx="1">
-            <a:schemeClr val="accent1"/>
-          </a:lnRef>
-          <a:fillRef idx="0">
-            <a:schemeClr val="accent1"/>
-          </a:fillRef>
-          <a:effectRef idx="0">
-            <a:schemeClr val="accent1"/>
-          </a:effectRef>
-          <a:fontRef idx="minor">
-            <a:schemeClr val="tx1"/>
-          </a:fontRef>
-        </p:style>
-      </p:cxnSp>
-      <p:cxnSp>
-        <p:nvCxnSpPr>
-          <p:cNvPr id="62" name="직선 화살표 연결선 61">
-            <a:extLst>
-              <a:ext uri="{FF2B5EF4-FFF2-40B4-BE49-F238E27FC236}">
-                <a16:creationId xmlns:a16="http://schemas.microsoft.com/office/drawing/2014/main" id="{A2CB7F3E-D675-AEAC-9F2A-8141DEB9DDBA}"/>
-              </a:ext>
-            </a:extLst>
-          </p:cNvPr>
-          <p:cNvCxnSpPr>
-            <a:stCxn id="44" idx="3"/>
-            <a:endCxn id="14" idx="1"/>
-          </p:cNvCxnSpPr>
-          <p:nvPr/>
-        </p:nvCxnSpPr>
-        <p:spPr>
-          <a:xfrm flipV="1">
-            <a:off x="5785084" y="1148439"/>
-            <a:ext cx="522968" cy="1055085"/>
-          </a:xfrm>
-          <a:prstGeom prst="straightConnector1">
-            <a:avLst/>
-          </a:prstGeom>
-          <a:ln>
-            <a:tailEnd type="triangle"/>
-          </a:ln>
-        </p:spPr>
-        <p:style>
-          <a:lnRef idx="1">
-            <a:schemeClr val="accent1"/>
-          </a:lnRef>
-          <a:fillRef idx="0">
-            <a:schemeClr val="accent1"/>
-          </a:fillRef>
-          <a:effectRef idx="0">
-            <a:schemeClr val="accent1"/>
-          </a:effectRef>
-          <a:fontRef idx="minor">
-            <a:schemeClr val="tx1"/>
-          </a:fontRef>
-        </p:style>
-      </p:cxnSp>
-      <p:cxnSp>
-        <p:nvCxnSpPr>
-          <p:cNvPr id="63" name="직선 화살표 연결선 62">
-            <a:extLst>
-              <a:ext uri="{FF2B5EF4-FFF2-40B4-BE49-F238E27FC236}">
-                <a16:creationId xmlns:a16="http://schemas.microsoft.com/office/drawing/2014/main" id="{CAFDF0C2-DA0F-4778-5868-5C513D91D735}"/>
-              </a:ext>
-            </a:extLst>
-          </p:cNvPr>
-          <p:cNvCxnSpPr>
-            <a:stCxn id="44" idx="3"/>
-            <a:endCxn id="22" idx="1"/>
-          </p:cNvCxnSpPr>
-          <p:nvPr/>
-        </p:nvCxnSpPr>
-        <p:spPr>
-          <a:xfrm>
-            <a:off x="5785084" y="2203524"/>
-            <a:ext cx="522968" cy="0"/>
-          </a:xfrm>
-          <a:prstGeom prst="straightConnector1">
-            <a:avLst/>
-          </a:prstGeom>
-          <a:ln>
-            <a:tailEnd type="triangle"/>
-          </a:ln>
-        </p:spPr>
-        <p:style>
-          <a:lnRef idx="1">
-            <a:schemeClr val="accent1"/>
-          </a:lnRef>
-          <a:fillRef idx="0">
-            <a:schemeClr val="accent1"/>
-          </a:fillRef>
-          <a:effectRef idx="0">
-            <a:schemeClr val="accent1"/>
-          </a:effectRef>
-          <a:fontRef idx="minor">
-            <a:schemeClr val="tx1"/>
-          </a:fontRef>
-        </p:style>
-      </p:cxnSp>
-      <p:cxnSp>
-        <p:nvCxnSpPr>
-          <p:cNvPr id="64" name="직선 화살표 연결선 63">
-            <a:extLst>
-              <a:ext uri="{FF2B5EF4-FFF2-40B4-BE49-F238E27FC236}">
-                <a16:creationId xmlns:a16="http://schemas.microsoft.com/office/drawing/2014/main" id="{D5460796-DF10-82F8-116C-9E495F265025}"/>
-              </a:ext>
-            </a:extLst>
-          </p:cNvPr>
-          <p:cNvCxnSpPr>
-            <a:stCxn id="44" idx="3"/>
-            <a:endCxn id="34" idx="1"/>
-          </p:cNvCxnSpPr>
-          <p:nvPr/>
-        </p:nvCxnSpPr>
-        <p:spPr>
-          <a:xfrm>
-            <a:off x="5785084" y="2203524"/>
-            <a:ext cx="522967" cy="1055085"/>
-          </a:xfrm>
-          <a:prstGeom prst="straightConnector1">
-            <a:avLst/>
-          </a:prstGeom>
-          <a:ln>
-            <a:tailEnd type="triangle"/>
-          </a:ln>
-        </p:spPr>
-        <p:style>
-          <a:lnRef idx="1">
-            <a:schemeClr val="accent1"/>
-          </a:lnRef>
-          <a:fillRef idx="0">
-            <a:schemeClr val="accent1"/>
-          </a:fillRef>
-          <a:effectRef idx="0">
-            <a:schemeClr val="accent1"/>
-          </a:effectRef>
-          <a:fontRef idx="minor">
-            <a:schemeClr val="tx1"/>
-          </a:fontRef>
-        </p:style>
-      </p:cxnSp>
-      <p:cxnSp>
-        <p:nvCxnSpPr>
-          <p:cNvPr id="65" name="직선 화살표 연결선 64">
-            <a:extLst>
-              <a:ext uri="{FF2B5EF4-FFF2-40B4-BE49-F238E27FC236}">
-                <a16:creationId xmlns:a16="http://schemas.microsoft.com/office/drawing/2014/main" id="{16FD911B-D701-A1BF-96B4-4C95A11EAE5F}"/>
-              </a:ext>
-            </a:extLst>
-          </p:cNvPr>
-          <p:cNvCxnSpPr>
-            <a:stCxn id="44" idx="3"/>
-            <a:endCxn id="36" idx="1"/>
-          </p:cNvCxnSpPr>
-          <p:nvPr/>
-        </p:nvCxnSpPr>
-        <p:spPr>
-          <a:xfrm>
-            <a:off x="5785084" y="2203524"/>
-            <a:ext cx="522967" cy="2106915"/>
-          </a:xfrm>
-          <a:prstGeom prst="straightConnector1">
-            <a:avLst/>
-          </a:prstGeom>
-          <a:ln>
-            <a:tailEnd type="triangle"/>
-          </a:ln>
-        </p:spPr>
-        <p:style>
-          <a:lnRef idx="1">
-            <a:schemeClr val="accent1"/>
-          </a:lnRef>
-          <a:fillRef idx="0">
-            <a:schemeClr val="accent1"/>
-          </a:fillRef>
-          <a:effectRef idx="0">
-            <a:schemeClr val="accent1"/>
-          </a:effectRef>
-          <a:fontRef idx="minor">
-            <a:schemeClr val="tx1"/>
-          </a:fontRef>
-        </p:style>
-      </p:cxnSp>
-      <p:cxnSp>
-        <p:nvCxnSpPr>
-          <p:cNvPr id="66" name="직선 화살표 연결선 65">
-            <a:extLst>
-              <a:ext uri="{FF2B5EF4-FFF2-40B4-BE49-F238E27FC236}">
-                <a16:creationId xmlns:a16="http://schemas.microsoft.com/office/drawing/2014/main" id="{4C5D7017-1C2D-3458-8F01-BCAB3EEDA0D9}"/>
-              </a:ext>
-            </a:extLst>
-          </p:cNvPr>
-          <p:cNvCxnSpPr>
-            <a:stCxn id="47" idx="2"/>
-            <a:endCxn id="38" idx="0"/>
-          </p:cNvCxnSpPr>
-          <p:nvPr/>
-        </p:nvCxnSpPr>
-        <p:spPr>
-          <a:xfrm flipH="1">
-            <a:off x="1303471" y="3928381"/>
-            <a:ext cx="1629101" cy="396876"/>
-          </a:xfrm>
-          <a:prstGeom prst="straightConnector1">
-            <a:avLst/>
-          </a:prstGeom>
-          <a:ln>
-            <a:tailEnd type="triangle"/>
-          </a:ln>
-        </p:spPr>
-        <p:style>
-          <a:lnRef idx="1">
-            <a:schemeClr val="accent1"/>
-          </a:lnRef>
-          <a:fillRef idx="0">
-            <a:schemeClr val="accent1"/>
-          </a:fillRef>
-          <a:effectRef idx="0">
-            <a:schemeClr val="accent1"/>
-          </a:effectRef>
-          <a:fontRef idx="minor">
-            <a:schemeClr val="tx1"/>
-          </a:fontRef>
-        </p:style>
-      </p:cxnSp>
-      <p:cxnSp>
-        <p:nvCxnSpPr>
-          <p:cNvPr id="67" name="직선 화살표 연결선 66">
-            <a:extLst>
-              <a:ext uri="{FF2B5EF4-FFF2-40B4-BE49-F238E27FC236}">
-                <a16:creationId xmlns:a16="http://schemas.microsoft.com/office/drawing/2014/main" id="{D5CB5857-224A-16A2-B15E-694CECEE3B12}"/>
-              </a:ext>
-            </a:extLst>
-          </p:cNvPr>
-          <p:cNvCxnSpPr>
-            <a:stCxn id="47" idx="2"/>
-            <a:endCxn id="40" idx="0"/>
-          </p:cNvCxnSpPr>
-          <p:nvPr/>
-        </p:nvCxnSpPr>
-        <p:spPr>
-          <a:xfrm>
-            <a:off x="2932572" y="3928381"/>
-            <a:ext cx="0" cy="397479"/>
-          </a:xfrm>
-          <a:prstGeom prst="straightConnector1">
-            <a:avLst/>
-          </a:prstGeom>
-          <a:ln>
-            <a:tailEnd type="triangle"/>
-          </a:ln>
-        </p:spPr>
-        <p:style>
-          <a:lnRef idx="1">
-            <a:schemeClr val="accent1"/>
-          </a:lnRef>
-          <a:fillRef idx="0">
-            <a:schemeClr val="accent1"/>
-          </a:fillRef>
-          <a:effectRef idx="0">
-            <a:schemeClr val="accent1"/>
-          </a:effectRef>
-          <a:fontRef idx="minor">
-            <a:schemeClr val="tx1"/>
-          </a:fontRef>
-        </p:style>
-      </p:cxnSp>
-      <p:cxnSp>
-        <p:nvCxnSpPr>
-          <p:cNvPr id="68" name="직선 화살표 연결선 67">
-            <a:extLst>
-              <a:ext uri="{FF2B5EF4-FFF2-40B4-BE49-F238E27FC236}">
-                <a16:creationId xmlns:a16="http://schemas.microsoft.com/office/drawing/2014/main" id="{8FA5DD0C-B5DD-9756-9218-653CA7091D01}"/>
-              </a:ext>
-            </a:extLst>
-          </p:cNvPr>
-          <p:cNvCxnSpPr>
-            <a:stCxn id="47" idx="2"/>
-            <a:endCxn id="43" idx="0"/>
-          </p:cNvCxnSpPr>
-          <p:nvPr/>
-        </p:nvCxnSpPr>
-        <p:spPr>
-          <a:xfrm>
-            <a:off x="2932572" y="3928381"/>
-            <a:ext cx="1629101" cy="396876"/>
+            <a:off x="2765702" y="1272732"/>
+            <a:ext cx="356490" cy="590060"/>
           </a:xfrm>
           <a:prstGeom prst="straightConnector1">
             <a:avLst/>
@@ -4989,7 +4699,7 @@
         </p:nvCxnSpPr>
         <p:spPr>
           <a:xfrm>
-            <a:off x="8387757" y="6026454"/>
+            <a:off x="2939441" y="4326116"/>
             <a:ext cx="356489" cy="0"/>
           </a:xfrm>
           <a:prstGeom prst="straightConnector1">
@@ -5014,417 +4724,574 @@
           </a:fontRef>
         </p:style>
       </p:cxnSp>
+      <p:cxnSp>
+        <p:nvCxnSpPr>
+          <p:cNvPr id="11" name="직선 화살표 연결선 10">
+            <a:extLst>
+              <a:ext uri="{FF2B5EF4-FFF2-40B4-BE49-F238E27FC236}">
+                <a16:creationId xmlns:a16="http://schemas.microsoft.com/office/drawing/2014/main" id="{0B2028EA-8FF8-41B3-9C17-AB0CEC590B52}"/>
+              </a:ext>
+            </a:extLst>
+          </p:cNvPr>
+          <p:cNvCxnSpPr>
+            <a:stCxn id="44" idx="3"/>
+            <a:endCxn id="14" idx="1"/>
+          </p:cNvCxnSpPr>
+          <p:nvPr/>
+        </p:nvCxnSpPr>
+        <p:spPr>
+          <a:xfrm flipV="1">
+            <a:off x="4675221" y="932567"/>
+            <a:ext cx="739918" cy="340165"/>
+          </a:xfrm>
+          <a:prstGeom prst="straightConnector1">
+            <a:avLst/>
+          </a:prstGeom>
+          <a:ln>
+            <a:tailEnd type="triangle"/>
+          </a:ln>
+        </p:spPr>
+        <p:style>
+          <a:lnRef idx="1">
+            <a:schemeClr val="accent1"/>
+          </a:lnRef>
+          <a:fillRef idx="0">
+            <a:schemeClr val="accent1"/>
+          </a:fillRef>
+          <a:effectRef idx="0">
+            <a:schemeClr val="accent1"/>
+          </a:effectRef>
+          <a:fontRef idx="minor">
+            <a:schemeClr val="tx1"/>
+          </a:fontRef>
+        </p:style>
+      </p:cxnSp>
+      <p:cxnSp>
+        <p:nvCxnSpPr>
+          <p:cNvPr id="13" name="직선 화살표 연결선 12">
+            <a:extLst>
+              <a:ext uri="{FF2B5EF4-FFF2-40B4-BE49-F238E27FC236}">
+                <a16:creationId xmlns:a16="http://schemas.microsoft.com/office/drawing/2014/main" id="{EECD19F5-96E5-4611-8050-27BAEEFD1DF9}"/>
+              </a:ext>
+            </a:extLst>
+          </p:cNvPr>
+          <p:cNvCxnSpPr>
+            <a:cxnSpLocks/>
+            <a:stCxn id="44" idx="3"/>
+          </p:cNvCxnSpPr>
+          <p:nvPr/>
+        </p:nvCxnSpPr>
+        <p:spPr>
+          <a:xfrm>
+            <a:off x="4675221" y="1272732"/>
+            <a:ext cx="739917" cy="782850"/>
+          </a:xfrm>
+          <a:prstGeom prst="straightConnector1">
+            <a:avLst/>
+          </a:prstGeom>
+          <a:ln>
+            <a:tailEnd type="triangle"/>
+          </a:ln>
+        </p:spPr>
+        <p:style>
+          <a:lnRef idx="1">
+            <a:schemeClr val="accent1"/>
+          </a:lnRef>
+          <a:fillRef idx="0">
+            <a:schemeClr val="accent1"/>
+          </a:fillRef>
+          <a:effectRef idx="0">
+            <a:schemeClr val="accent1"/>
+          </a:effectRef>
+          <a:fontRef idx="minor">
+            <a:schemeClr val="tx1"/>
+          </a:fontRef>
+        </p:style>
+      </p:cxnSp>
+      <p:cxnSp>
+        <p:nvCxnSpPr>
+          <p:cNvPr id="16" name="직선 화살표 연결선 15">
+            <a:extLst>
+              <a:ext uri="{FF2B5EF4-FFF2-40B4-BE49-F238E27FC236}">
+                <a16:creationId xmlns:a16="http://schemas.microsoft.com/office/drawing/2014/main" id="{81C20CC4-BABD-4BE4-8B9C-B05DE833E42B}"/>
+              </a:ext>
+            </a:extLst>
+          </p:cNvPr>
+          <p:cNvCxnSpPr>
+            <a:stCxn id="44" idx="3"/>
+            <a:endCxn id="34" idx="1"/>
+          </p:cNvCxnSpPr>
+          <p:nvPr/>
+        </p:nvCxnSpPr>
+        <p:spPr>
+          <a:xfrm>
+            <a:off x="4675221" y="1272732"/>
+            <a:ext cx="739917" cy="1770005"/>
+          </a:xfrm>
+          <a:prstGeom prst="straightConnector1">
+            <a:avLst/>
+          </a:prstGeom>
+          <a:ln>
+            <a:tailEnd type="triangle"/>
+          </a:ln>
+        </p:spPr>
+        <p:style>
+          <a:lnRef idx="1">
+            <a:schemeClr val="accent1"/>
+          </a:lnRef>
+          <a:fillRef idx="0">
+            <a:schemeClr val="accent1"/>
+          </a:fillRef>
+          <a:effectRef idx="0">
+            <a:schemeClr val="accent1"/>
+          </a:effectRef>
+          <a:fontRef idx="minor">
+            <a:schemeClr val="tx1"/>
+          </a:fontRef>
+        </p:style>
+      </p:cxnSp>
+      <p:cxnSp>
+        <p:nvCxnSpPr>
+          <p:cNvPr id="18" name="직선 화살표 연결선 17">
+            <a:extLst>
+              <a:ext uri="{FF2B5EF4-FFF2-40B4-BE49-F238E27FC236}">
+                <a16:creationId xmlns:a16="http://schemas.microsoft.com/office/drawing/2014/main" id="{3D9FF64A-9888-46E6-AB37-7C5314B5B210}"/>
+              </a:ext>
+            </a:extLst>
+          </p:cNvPr>
+          <p:cNvCxnSpPr>
+            <a:stCxn id="44" idx="3"/>
+            <a:endCxn id="36" idx="1"/>
+          </p:cNvCxnSpPr>
+          <p:nvPr/>
+        </p:nvCxnSpPr>
+        <p:spPr>
+          <a:xfrm>
+            <a:off x="4675221" y="1272732"/>
+            <a:ext cx="739917" cy="2821835"/>
+          </a:xfrm>
+          <a:prstGeom prst="straightConnector1">
+            <a:avLst/>
+          </a:prstGeom>
+          <a:ln>
+            <a:tailEnd type="triangle"/>
+          </a:ln>
+        </p:spPr>
+        <p:style>
+          <a:lnRef idx="1">
+            <a:schemeClr val="accent1"/>
+          </a:lnRef>
+          <a:fillRef idx="0">
+            <a:schemeClr val="accent1"/>
+          </a:fillRef>
+          <a:effectRef idx="0">
+            <a:schemeClr val="accent1"/>
+          </a:effectRef>
+          <a:fontRef idx="minor">
+            <a:schemeClr val="tx1"/>
+          </a:fontRef>
+        </p:style>
+      </p:cxnSp>
+      <p:cxnSp>
+        <p:nvCxnSpPr>
+          <p:cNvPr id="20" name="직선 화살표 연결선 19">
+            <a:extLst>
+              <a:ext uri="{FF2B5EF4-FFF2-40B4-BE49-F238E27FC236}">
+                <a16:creationId xmlns:a16="http://schemas.microsoft.com/office/drawing/2014/main" id="{96016A60-F1A1-424D-B195-460EE70C5EC0}"/>
+              </a:ext>
+            </a:extLst>
+          </p:cNvPr>
+          <p:cNvCxnSpPr>
+            <a:stCxn id="46" idx="2"/>
+            <a:endCxn id="38" idx="0"/>
+          </p:cNvCxnSpPr>
+          <p:nvPr/>
+        </p:nvCxnSpPr>
+        <p:spPr>
+          <a:xfrm flipH="1">
+            <a:off x="2397784" y="4768802"/>
+            <a:ext cx="1674661" cy="815863"/>
+          </a:xfrm>
+          <a:prstGeom prst="straightConnector1">
+            <a:avLst/>
+          </a:prstGeom>
+          <a:ln>
+            <a:tailEnd type="triangle"/>
+          </a:ln>
+        </p:spPr>
+        <p:style>
+          <a:lnRef idx="1">
+            <a:schemeClr val="accent1"/>
+          </a:lnRef>
+          <a:fillRef idx="0">
+            <a:schemeClr val="accent1"/>
+          </a:fillRef>
+          <a:effectRef idx="0">
+            <a:schemeClr val="accent1"/>
+          </a:effectRef>
+          <a:fontRef idx="minor">
+            <a:schemeClr val="tx1"/>
+          </a:fontRef>
+        </p:style>
+      </p:cxnSp>
+      <p:cxnSp>
+        <p:nvCxnSpPr>
+          <p:cNvPr id="23" name="직선 화살표 연결선 22">
+            <a:extLst>
+              <a:ext uri="{FF2B5EF4-FFF2-40B4-BE49-F238E27FC236}">
+                <a16:creationId xmlns:a16="http://schemas.microsoft.com/office/drawing/2014/main" id="{86BADEB6-523C-4C27-83D0-84CC53570279}"/>
+              </a:ext>
+            </a:extLst>
+          </p:cNvPr>
+          <p:cNvCxnSpPr>
+            <a:stCxn id="46" idx="2"/>
+            <a:endCxn id="40" idx="0"/>
+          </p:cNvCxnSpPr>
+          <p:nvPr/>
+        </p:nvCxnSpPr>
+        <p:spPr>
+          <a:xfrm flipH="1">
+            <a:off x="4026885" y="4768802"/>
+            <a:ext cx="45560" cy="816466"/>
+          </a:xfrm>
+          <a:prstGeom prst="straightConnector1">
+            <a:avLst/>
+          </a:prstGeom>
+          <a:ln>
+            <a:tailEnd type="triangle"/>
+          </a:ln>
+        </p:spPr>
+        <p:style>
+          <a:lnRef idx="1">
+            <a:schemeClr val="accent1"/>
+          </a:lnRef>
+          <a:fillRef idx="0">
+            <a:schemeClr val="accent1"/>
+          </a:fillRef>
+          <a:effectRef idx="0">
+            <a:schemeClr val="accent1"/>
+          </a:effectRef>
+          <a:fontRef idx="minor">
+            <a:schemeClr val="tx1"/>
+          </a:fontRef>
+        </p:style>
+      </p:cxnSp>
+      <p:cxnSp>
+        <p:nvCxnSpPr>
+          <p:cNvPr id="25" name="직선 화살표 연결선 24">
+            <a:extLst>
+              <a:ext uri="{FF2B5EF4-FFF2-40B4-BE49-F238E27FC236}">
+                <a16:creationId xmlns:a16="http://schemas.microsoft.com/office/drawing/2014/main" id="{8461B450-4EB5-44F4-AC76-06400FB20A1A}"/>
+              </a:ext>
+            </a:extLst>
+          </p:cNvPr>
+          <p:cNvCxnSpPr>
+            <a:stCxn id="46" idx="2"/>
+            <a:endCxn id="43" idx="0"/>
+          </p:cNvCxnSpPr>
+          <p:nvPr/>
+        </p:nvCxnSpPr>
+        <p:spPr>
+          <a:xfrm>
+            <a:off x="4072445" y="4768802"/>
+            <a:ext cx="1583541" cy="815863"/>
+          </a:xfrm>
+          <a:prstGeom prst="straightConnector1">
+            <a:avLst/>
+          </a:prstGeom>
+          <a:ln>
+            <a:tailEnd type="triangle"/>
+          </a:ln>
+        </p:spPr>
+        <p:style>
+          <a:lnRef idx="1">
+            <a:schemeClr val="accent1"/>
+          </a:lnRef>
+          <a:fillRef idx="0">
+            <a:schemeClr val="accent1"/>
+          </a:fillRef>
+          <a:effectRef idx="0">
+            <a:schemeClr val="accent1"/>
+          </a:effectRef>
+          <a:fontRef idx="minor">
+            <a:schemeClr val="tx1"/>
+          </a:fontRef>
+        </p:style>
+      </p:cxnSp>
+      <p:cxnSp>
+        <p:nvCxnSpPr>
+          <p:cNvPr id="39" name="연결선: 꺾임 38">
+            <a:extLst>
+              <a:ext uri="{FF2B5EF4-FFF2-40B4-BE49-F238E27FC236}">
+                <a16:creationId xmlns:a16="http://schemas.microsoft.com/office/drawing/2014/main" id="{99036DC4-AA95-42BB-AD9F-3FCAF4BD7C4B}"/>
+              </a:ext>
+            </a:extLst>
+          </p:cNvPr>
+          <p:cNvCxnSpPr>
+            <a:stCxn id="47" idx="2"/>
+            <a:endCxn id="55" idx="1"/>
+          </p:cNvCxnSpPr>
+          <p:nvPr/>
+        </p:nvCxnSpPr>
+        <p:spPr>
+          <a:xfrm rot="16200000" flipH="1">
+            <a:off x="6611088" y="58121"/>
+            <a:ext cx="304346" cy="5729109"/>
+          </a:xfrm>
+          <a:prstGeom prst="bentConnector2">
+            <a:avLst/>
+          </a:prstGeom>
+          <a:ln>
+            <a:tailEnd type="triangle"/>
+          </a:ln>
+        </p:spPr>
+        <p:style>
+          <a:lnRef idx="1">
+            <a:schemeClr val="accent6"/>
+          </a:lnRef>
+          <a:fillRef idx="0">
+            <a:schemeClr val="accent6"/>
+          </a:fillRef>
+          <a:effectRef idx="0">
+            <a:schemeClr val="accent6"/>
+          </a:effectRef>
+          <a:fontRef idx="minor">
+            <a:schemeClr val="tx1"/>
+          </a:fontRef>
+        </p:style>
+      </p:cxnSp>
+      <p:cxnSp>
+        <p:nvCxnSpPr>
+          <p:cNvPr id="42" name="연결선: 꺾임 41">
+            <a:extLst>
+              <a:ext uri="{FF2B5EF4-FFF2-40B4-BE49-F238E27FC236}">
+                <a16:creationId xmlns:a16="http://schemas.microsoft.com/office/drawing/2014/main" id="{0E3F6711-402B-4B57-9DA5-3548F1F17AF4}"/>
+              </a:ext>
+            </a:extLst>
+          </p:cNvPr>
+          <p:cNvCxnSpPr>
+            <a:stCxn id="50" idx="0"/>
+            <a:endCxn id="44" idx="0"/>
+          </p:cNvCxnSpPr>
+          <p:nvPr/>
+        </p:nvCxnSpPr>
+        <p:spPr>
+          <a:xfrm rot="16200000" flipV="1">
+            <a:off x="5321600" y="-592846"/>
+            <a:ext cx="1802117" cy="4647901"/>
+          </a:xfrm>
+          <a:prstGeom prst="bentConnector3">
+            <a:avLst>
+              <a:gd name="adj1" fmla="val 112685"/>
+            </a:avLst>
+          </a:prstGeom>
+          <a:ln>
+            <a:tailEnd type="triangle"/>
+          </a:ln>
+        </p:spPr>
+        <p:style>
+          <a:lnRef idx="1">
+            <a:schemeClr val="accent2"/>
+          </a:lnRef>
+          <a:fillRef idx="0">
+            <a:schemeClr val="accent2"/>
+          </a:fillRef>
+          <a:effectRef idx="0">
+            <a:schemeClr val="accent2"/>
+          </a:effectRef>
+          <a:fontRef idx="minor">
+            <a:schemeClr val="tx1"/>
+          </a:fontRef>
+        </p:style>
+      </p:cxnSp>
+      <p:cxnSp>
+        <p:nvCxnSpPr>
+          <p:cNvPr id="76" name="연결선: 꺾임 75">
+            <a:extLst>
+              <a:ext uri="{FF2B5EF4-FFF2-40B4-BE49-F238E27FC236}">
+                <a16:creationId xmlns:a16="http://schemas.microsoft.com/office/drawing/2014/main" id="{1B3FD12D-E6F5-41D5-B7DE-E7A71A222071}"/>
+              </a:ext>
+            </a:extLst>
+          </p:cNvPr>
+          <p:cNvCxnSpPr>
+            <a:stCxn id="44" idx="3"/>
+            <a:endCxn id="56" idx="1"/>
+          </p:cNvCxnSpPr>
+          <p:nvPr/>
+        </p:nvCxnSpPr>
+        <p:spPr>
+          <a:xfrm>
+            <a:off x="4675221" y="1272732"/>
+            <a:ext cx="4952595" cy="2890689"/>
+          </a:xfrm>
+          <a:prstGeom prst="bentConnector3">
+            <a:avLst/>
+          </a:prstGeom>
+          <a:ln>
+            <a:tailEnd type="triangle"/>
+          </a:ln>
+        </p:spPr>
+        <p:style>
+          <a:lnRef idx="1">
+            <a:schemeClr val="accent2"/>
+          </a:lnRef>
+          <a:fillRef idx="0">
+            <a:schemeClr val="accent2"/>
+          </a:fillRef>
+          <a:effectRef idx="0">
+            <a:schemeClr val="accent2"/>
+          </a:effectRef>
+          <a:fontRef idx="minor">
+            <a:schemeClr val="tx1"/>
+          </a:fontRef>
+        </p:style>
+      </p:cxnSp>
+      <p:cxnSp>
+        <p:nvCxnSpPr>
+          <p:cNvPr id="92" name="연결선: 꺾임 91">
+            <a:extLst>
+              <a:ext uri="{FF2B5EF4-FFF2-40B4-BE49-F238E27FC236}">
+                <a16:creationId xmlns:a16="http://schemas.microsoft.com/office/drawing/2014/main" id="{18BAA24E-B5F7-4B1A-A3E7-3A67F317C44D}"/>
+              </a:ext>
+            </a:extLst>
+          </p:cNvPr>
+          <p:cNvCxnSpPr>
+            <a:endCxn id="57" idx="2"/>
+          </p:cNvCxnSpPr>
+          <p:nvPr/>
+        </p:nvCxnSpPr>
+        <p:spPr>
+          <a:xfrm flipV="1">
+            <a:off x="3174298" y="4606107"/>
+            <a:ext cx="7631562" cy="1193802"/>
+          </a:xfrm>
+          <a:prstGeom prst="bentConnector2">
+            <a:avLst/>
+          </a:prstGeom>
+          <a:ln w="9525" cap="flat" cmpd="sng" algn="ctr">
+            <a:solidFill>
+              <a:schemeClr val="accent2"/>
+            </a:solidFill>
+            <a:prstDash val="dash"/>
+            <a:round/>
+            <a:headEnd type="none" w="med" len="med"/>
+            <a:tailEnd type="none" w="med" len="med"/>
+          </a:ln>
+        </p:spPr>
+        <p:style>
+          <a:lnRef idx="0">
+            <a:scrgbClr r="0" g="0" b="0"/>
+          </a:lnRef>
+          <a:fillRef idx="0">
+            <a:scrgbClr r="0" g="0" b="0"/>
+          </a:fillRef>
+          <a:effectRef idx="0">
+            <a:scrgbClr r="0" g="0" b="0"/>
+          </a:effectRef>
+          <a:fontRef idx="minor">
+            <a:schemeClr val="tx1"/>
+          </a:fontRef>
+        </p:style>
+      </p:cxnSp>
+      <p:cxnSp>
+        <p:nvCxnSpPr>
+          <p:cNvPr id="94" name="연결선: 꺾임 93">
+            <a:extLst>
+              <a:ext uri="{FF2B5EF4-FFF2-40B4-BE49-F238E27FC236}">
+                <a16:creationId xmlns:a16="http://schemas.microsoft.com/office/drawing/2014/main" id="{ABE6BF00-A471-4881-A1A1-10850B691529}"/>
+              </a:ext>
+            </a:extLst>
+          </p:cNvPr>
+          <p:cNvCxnSpPr>
+            <a:endCxn id="57" idx="2"/>
+          </p:cNvCxnSpPr>
+          <p:nvPr/>
+        </p:nvCxnSpPr>
+        <p:spPr>
+          <a:xfrm flipV="1">
+            <a:off x="4803399" y="4606107"/>
+            <a:ext cx="6002461" cy="1572624"/>
+          </a:xfrm>
+          <a:prstGeom prst="bentConnector2">
+            <a:avLst/>
+          </a:prstGeom>
+          <a:ln w="9525" cap="flat" cmpd="sng" algn="ctr">
+            <a:solidFill>
+              <a:schemeClr val="accent2"/>
+            </a:solidFill>
+            <a:prstDash val="dash"/>
+            <a:round/>
+            <a:headEnd type="none" w="med" len="med"/>
+            <a:tailEnd type="none" w="med" len="med"/>
+          </a:ln>
+        </p:spPr>
+        <p:style>
+          <a:lnRef idx="0">
+            <a:scrgbClr r="0" g="0" b="0"/>
+          </a:lnRef>
+          <a:fillRef idx="0">
+            <a:scrgbClr r="0" g="0" b="0"/>
+          </a:fillRef>
+          <a:effectRef idx="0">
+            <a:scrgbClr r="0" g="0" b="0"/>
+          </a:effectRef>
+          <a:fontRef idx="minor">
+            <a:schemeClr val="tx1"/>
+          </a:fontRef>
+        </p:style>
+      </p:cxnSp>
+      <p:cxnSp>
+        <p:nvCxnSpPr>
+          <p:cNvPr id="96" name="연결선: 꺾임 95">
+            <a:extLst>
+              <a:ext uri="{FF2B5EF4-FFF2-40B4-BE49-F238E27FC236}">
+                <a16:creationId xmlns:a16="http://schemas.microsoft.com/office/drawing/2014/main" id="{969A361A-2DDC-43D5-9D22-E9EB3FE1E58A}"/>
+              </a:ext>
+            </a:extLst>
+          </p:cNvPr>
+          <p:cNvCxnSpPr>
+            <a:stCxn id="43" idx="3"/>
+            <a:endCxn id="57" idx="2"/>
+          </p:cNvCxnSpPr>
+          <p:nvPr/>
+        </p:nvCxnSpPr>
+        <p:spPr>
+          <a:xfrm flipV="1">
+            <a:off x="6432500" y="4606107"/>
+            <a:ext cx="4373360" cy="1421244"/>
+          </a:xfrm>
+          <a:prstGeom prst="bentConnector2">
+            <a:avLst/>
+          </a:prstGeom>
+          <a:ln w="9525" cap="flat" cmpd="sng" algn="ctr">
+            <a:solidFill>
+              <a:schemeClr val="accent2"/>
+            </a:solidFill>
+            <a:prstDash val="dash"/>
+            <a:round/>
+            <a:headEnd type="none" w="med" len="med"/>
+            <a:tailEnd type="none" w="med" len="med"/>
+          </a:ln>
+        </p:spPr>
+        <p:style>
+          <a:lnRef idx="0">
+            <a:scrgbClr r="0" g="0" b="0"/>
+          </a:lnRef>
+          <a:fillRef idx="0">
+            <a:scrgbClr r="0" g="0" b="0"/>
+          </a:fillRef>
+          <a:effectRef idx="0">
+            <a:scrgbClr r="0" g="0" b="0"/>
+          </a:effectRef>
+          <a:fontRef idx="minor">
+            <a:schemeClr val="tx1"/>
+          </a:fontRef>
+        </p:style>
+      </p:cxnSp>
     </p:spTree>
     <p:extLst>
       <p:ext uri="{BB962C8B-B14F-4D97-AF65-F5344CB8AC3E}">
         <p14:creationId xmlns:p14="http://schemas.microsoft.com/office/powerpoint/2010/main" val="3810885580"/>
-      </p:ext>
-    </p:extLst>
-  </p:cSld>
-  <p:clrMapOvr>
-    <a:masterClrMapping/>
-  </p:clrMapOvr>
-</p:sld>
-</file>
-
-<file path=ppt/slides/slide2.xml><?xml version="1.0" encoding="utf-8"?>
-<p:sld xmlns:a="http://schemas.openxmlformats.org/drawingml/2006/main" xmlns:r="http://schemas.openxmlformats.org/officeDocument/2006/relationships" xmlns:p="http://schemas.openxmlformats.org/presentationml/2006/main">
-  <p:cSld>
-    <p:spTree>
-      <p:nvGrpSpPr>
-        <p:cNvPr id="1" name=""/>
-        <p:cNvGrpSpPr/>
-        <p:nvPr/>
-      </p:nvGrpSpPr>
-      <p:grpSpPr>
-        <a:xfrm>
-          <a:off x="0" y="0"/>
-          <a:ext cx="0" cy="0"/>
-          <a:chOff x="0" y="0"/>
-          <a:chExt cx="0" cy="0"/>
-        </a:xfrm>
-      </p:grpSpPr>
-      <p:sp>
-        <p:nvSpPr>
-          <p:cNvPr id="4" name="TextBox 3">
-            <a:extLst>
-              <a:ext uri="{FF2B5EF4-FFF2-40B4-BE49-F238E27FC236}">
-                <a16:creationId xmlns:a16="http://schemas.microsoft.com/office/drawing/2014/main" id="{4DB0C665-6EBC-4380-84FC-699D57DD71F8}"/>
-              </a:ext>
-            </a:extLst>
-          </p:cNvPr>
-          <p:cNvSpPr txBox="1"/>
-          <p:nvPr/>
-        </p:nvSpPr>
-        <p:spPr>
-          <a:xfrm>
-            <a:off x="826717" y="997565"/>
-            <a:ext cx="4271376" cy="4862870"/>
-          </a:xfrm>
-          <a:prstGeom prst="rect">
-            <a:avLst/>
-          </a:prstGeom>
-          <a:noFill/>
-        </p:spPr>
-        <p:txBody>
-          <a:bodyPr wrap="square" rtlCol="0">
-            <a:spAutoFit/>
-          </a:bodyPr>
-          <a:lstStyle/>
-          <a:p>
-            <a:r>
-              <a:rPr lang="en-US" altLang="ko-KR" sz="1000" dirty="0"/>
-              <a:t>User: </a:t>
-            </a:r>
-            <a:r>
-              <a:rPr lang="ko-KR" altLang="en-US" sz="1000" dirty="0"/>
-              <a:t>사용자 정보</a:t>
-            </a:r>
-            <a:endParaRPr lang="en-US" altLang="ko-KR" sz="1000" dirty="0"/>
-          </a:p>
-          <a:p>
-            <a:endParaRPr lang="en-US" altLang="ko-KR" sz="1000" dirty="0"/>
-          </a:p>
-          <a:p>
-            <a:r>
-              <a:rPr lang="en-US" altLang="ko-KR" sz="1000" dirty="0"/>
-              <a:t>Auth: </a:t>
-            </a:r>
-            <a:r>
-              <a:rPr lang="ko-KR" altLang="en-US" sz="1000" dirty="0"/>
-              <a:t>회원가입</a:t>
-            </a:r>
-            <a:r>
-              <a:rPr lang="en-US" altLang="ko-KR" sz="1000" dirty="0"/>
-              <a:t>, </a:t>
-            </a:r>
-            <a:r>
-              <a:rPr lang="ko-KR" altLang="en-US" sz="1000" dirty="0"/>
-              <a:t>로그인</a:t>
-            </a:r>
-            <a:r>
-              <a:rPr lang="en-US" altLang="ko-KR" sz="1000" dirty="0"/>
-              <a:t> </a:t>
-            </a:r>
-            <a:r>
-              <a:rPr lang="ko-KR" altLang="en-US" sz="1000" dirty="0"/>
-              <a:t>관련된 기능</a:t>
-            </a:r>
-            <a:endParaRPr lang="en-US" altLang="ko-KR" sz="1000" dirty="0"/>
-          </a:p>
-          <a:p>
-            <a:endParaRPr lang="en-US" altLang="ko-KR" sz="1000" dirty="0"/>
-          </a:p>
-          <a:p>
-            <a:r>
-              <a:rPr lang="en-US" altLang="ko-KR" sz="1000" dirty="0"/>
-              <a:t>Book: </a:t>
-            </a:r>
-            <a:r>
-              <a:rPr lang="ko-KR" altLang="en-US" sz="1000" dirty="0"/>
-              <a:t>도서 정보 </a:t>
-            </a:r>
-            <a:r>
-              <a:rPr lang="en-US" altLang="ko-KR" sz="1000" dirty="0"/>
-              <a:t>- </a:t>
-            </a:r>
-            <a:r>
-              <a:rPr lang="ko-KR" altLang="en-US" sz="1000" dirty="0"/>
-              <a:t>책의 제목</a:t>
-            </a:r>
-            <a:r>
-              <a:rPr lang="en-US" altLang="ko-KR" sz="1000" dirty="0"/>
-              <a:t>, </a:t>
-            </a:r>
-            <a:r>
-              <a:rPr lang="ko-KR" altLang="en-US" sz="1000" dirty="0"/>
-              <a:t>작가</a:t>
-            </a:r>
-            <a:r>
-              <a:rPr lang="en-US" altLang="ko-KR" sz="1000" dirty="0"/>
-              <a:t>, </a:t>
-            </a:r>
-            <a:r>
-              <a:rPr lang="ko-KR" altLang="en-US" sz="1000" dirty="0"/>
-              <a:t>출판사</a:t>
-            </a:r>
-            <a:r>
-              <a:rPr lang="en-US" altLang="ko-KR" sz="1000" dirty="0"/>
-              <a:t> </a:t>
-            </a:r>
-            <a:r>
-              <a:rPr lang="ko-KR" altLang="en-US" sz="1000" dirty="0"/>
-              <a:t>등</a:t>
-            </a:r>
-            <a:endParaRPr lang="en-US" altLang="ko-KR" sz="1000" dirty="0"/>
-          </a:p>
-          <a:p>
-            <a:endParaRPr lang="en-US" altLang="ko-KR" sz="1000" dirty="0"/>
-          </a:p>
-          <a:p>
-            <a:r>
-              <a:rPr lang="en-US" altLang="ko-KR" sz="1000" dirty="0"/>
-              <a:t>Library: </a:t>
-            </a:r>
-            <a:r>
-              <a:rPr lang="ko-KR" altLang="en-US" sz="1000" dirty="0"/>
-              <a:t>책의 재고</a:t>
-            </a:r>
-            <a:r>
-              <a:rPr lang="en-US" altLang="ko-KR" sz="1000" dirty="0"/>
-              <a:t>, </a:t>
-            </a:r>
-            <a:r>
-              <a:rPr lang="ko-KR" altLang="en-US" sz="1000" dirty="0"/>
-              <a:t>대여 가능 여부</a:t>
-            </a:r>
-            <a:r>
-              <a:rPr lang="en-US" altLang="ko-KR" sz="1000" dirty="0"/>
-              <a:t>, </a:t>
-            </a:r>
-            <a:r>
-              <a:rPr lang="ko-KR" altLang="en-US" sz="1000" dirty="0"/>
-              <a:t>예약 가능 여부 등</a:t>
-            </a:r>
-            <a:endParaRPr lang="en-US" altLang="ko-KR" sz="1000" dirty="0"/>
-          </a:p>
-          <a:p>
-            <a:endParaRPr lang="en-US" altLang="ko-KR" sz="1000" dirty="0"/>
-          </a:p>
-          <a:p>
-            <a:r>
-              <a:rPr lang="en-US" altLang="ko-KR" sz="1000" dirty="0"/>
-              <a:t>Search: </a:t>
-            </a:r>
-            <a:r>
-              <a:rPr lang="ko-KR" altLang="en-US" sz="1000" dirty="0"/>
-              <a:t>책 검색</a:t>
-            </a:r>
-            <a:r>
-              <a:rPr lang="en-US" altLang="ko-KR" sz="1000" dirty="0"/>
-              <a:t>, </a:t>
-            </a:r>
-            <a:r>
-              <a:rPr lang="ko-KR" altLang="en-US" sz="1000" dirty="0"/>
-              <a:t>필터링 및 검색 결과를 반환</a:t>
-            </a:r>
-            <a:endParaRPr lang="en-US" altLang="ko-KR" sz="1000" dirty="0"/>
-          </a:p>
-          <a:p>
-            <a:endParaRPr lang="en-US" altLang="ko-KR" sz="1000" dirty="0"/>
-          </a:p>
-          <a:p>
-            <a:r>
-              <a:rPr lang="en-US" altLang="ko-KR" sz="1000" dirty="0"/>
-              <a:t>Staff: </a:t>
-            </a:r>
-            <a:r>
-              <a:rPr lang="ko-KR" altLang="en-US" sz="1000" dirty="0"/>
-              <a:t>직원 정보</a:t>
-            </a:r>
-            <a:endParaRPr lang="en-US" altLang="ko-KR" sz="1000" dirty="0"/>
-          </a:p>
-          <a:p>
-            <a:endParaRPr lang="en-US" altLang="ko-KR" sz="1000" dirty="0"/>
-          </a:p>
-          <a:p>
-            <a:r>
-              <a:rPr lang="en-US" altLang="ko-KR" sz="1000" dirty="0" err="1"/>
-              <a:t>UserManage</a:t>
-            </a:r>
-            <a:r>
-              <a:rPr lang="en-US" altLang="ko-KR" sz="1000" dirty="0"/>
-              <a:t>: </a:t>
-            </a:r>
-            <a:r>
-              <a:rPr lang="ko-KR" altLang="en-US" sz="1000" dirty="0"/>
-              <a:t>사용자 추가</a:t>
-            </a:r>
-            <a:r>
-              <a:rPr lang="en-US" altLang="ko-KR" sz="1000" dirty="0"/>
-              <a:t>, </a:t>
-            </a:r>
-            <a:r>
-              <a:rPr lang="ko-KR" altLang="en-US" sz="1000" dirty="0"/>
-              <a:t>수정</a:t>
-            </a:r>
-            <a:r>
-              <a:rPr lang="en-US" altLang="ko-KR" sz="1000" dirty="0"/>
-              <a:t>, </a:t>
-            </a:r>
-            <a:r>
-              <a:rPr lang="ko-KR" altLang="en-US" sz="1000" dirty="0"/>
-              <a:t>삭제 및 권한 관리</a:t>
-            </a:r>
-            <a:endParaRPr lang="en-US" altLang="ko-KR" sz="1000" dirty="0"/>
-          </a:p>
-          <a:p>
-            <a:endParaRPr lang="en-US" altLang="ko-KR" sz="1000" dirty="0"/>
-          </a:p>
-          <a:p>
-            <a:r>
-              <a:rPr lang="en-US" altLang="ko-KR" sz="1000" dirty="0" err="1"/>
-              <a:t>BookManage</a:t>
-            </a:r>
-            <a:r>
-              <a:rPr lang="en-US" altLang="ko-KR" sz="1000" dirty="0"/>
-              <a:t>: </a:t>
-            </a:r>
-            <a:r>
-              <a:rPr lang="ko-KR" altLang="en-US" sz="1000" dirty="0"/>
-              <a:t>책 추가</a:t>
-            </a:r>
-            <a:r>
-              <a:rPr lang="en-US" altLang="ko-KR" sz="1000" dirty="0"/>
-              <a:t>, </a:t>
-            </a:r>
-            <a:r>
-              <a:rPr lang="ko-KR" altLang="en-US" sz="1000" dirty="0"/>
-              <a:t>수정</a:t>
-            </a:r>
-            <a:r>
-              <a:rPr lang="en-US" altLang="ko-KR" sz="1000" dirty="0"/>
-              <a:t>, </a:t>
-            </a:r>
-            <a:r>
-              <a:rPr lang="ko-KR" altLang="en-US" sz="1000" dirty="0"/>
-              <a:t>삭제</a:t>
-            </a:r>
-            <a:endParaRPr lang="en-US" altLang="ko-KR" sz="1000" dirty="0"/>
-          </a:p>
-          <a:p>
-            <a:endParaRPr lang="en-US" altLang="ko-KR" sz="1000" dirty="0"/>
-          </a:p>
-          <a:p>
-            <a:r>
-              <a:rPr lang="en-US" altLang="ko-KR" sz="1000" dirty="0"/>
-              <a:t>Rental: </a:t>
-            </a:r>
-            <a:r>
-              <a:rPr lang="ko-KR" altLang="en-US" sz="1000" dirty="0"/>
-              <a:t>책 대여 정보</a:t>
-            </a:r>
-            <a:endParaRPr lang="en-US" altLang="ko-KR" sz="1000" dirty="0"/>
-          </a:p>
-          <a:p>
-            <a:endParaRPr lang="en-US" altLang="ko-KR" sz="1000" dirty="0"/>
-          </a:p>
-          <a:p>
-            <a:r>
-              <a:rPr lang="en-US" altLang="ko-KR" sz="1000" dirty="0"/>
-              <a:t>Reservation: </a:t>
-            </a:r>
-            <a:r>
-              <a:rPr lang="ko-KR" altLang="en-US" sz="1000" dirty="0"/>
-              <a:t>책 예약 정보</a:t>
-            </a:r>
-            <a:endParaRPr lang="en-US" altLang="ko-KR" sz="1000" dirty="0"/>
-          </a:p>
-          <a:p>
-            <a:endParaRPr lang="en-US" altLang="ko-KR" sz="1000" dirty="0"/>
-          </a:p>
-          <a:p>
-            <a:r>
-              <a:rPr lang="en-US" altLang="ko-KR" sz="1000" dirty="0"/>
-              <a:t>Return: </a:t>
-            </a:r>
-            <a:r>
-              <a:rPr lang="ko-KR" altLang="en-US" sz="1000" dirty="0"/>
-              <a:t>책 반납 정보</a:t>
-            </a:r>
-            <a:endParaRPr lang="en-US" altLang="ko-KR" sz="1000" dirty="0"/>
-          </a:p>
-          <a:p>
-            <a:endParaRPr lang="en-US" altLang="ko-KR" sz="1000" dirty="0"/>
-          </a:p>
-          <a:p>
-            <a:r>
-              <a:rPr lang="en-US" altLang="ko-KR" sz="1000" dirty="0" err="1"/>
-              <a:t>PurchaseRequest</a:t>
-            </a:r>
-            <a:r>
-              <a:rPr lang="en-US" altLang="ko-KR" sz="1000" dirty="0"/>
-              <a:t>: </a:t>
-            </a:r>
-            <a:r>
-              <a:rPr lang="ko-KR" altLang="en-US" sz="1000" dirty="0"/>
-              <a:t>새로운 책 구매 요청 정보</a:t>
-            </a:r>
-            <a:endParaRPr lang="en-US" altLang="ko-KR" sz="1000" dirty="0"/>
-          </a:p>
-          <a:p>
-            <a:endParaRPr lang="en-US" altLang="ko-KR" sz="1000" dirty="0"/>
-          </a:p>
-          <a:p>
-            <a:r>
-              <a:rPr lang="en-US" altLang="ko-KR" sz="1000" dirty="0" err="1"/>
-              <a:t>RentalHistory</a:t>
-            </a:r>
-            <a:r>
-              <a:rPr lang="en-US" altLang="ko-KR" sz="1000" dirty="0"/>
-              <a:t>: </a:t>
-            </a:r>
-            <a:r>
-              <a:rPr lang="ko-KR" altLang="en-US" sz="1000" dirty="0"/>
-              <a:t>사용자의 대여 이력</a:t>
-            </a:r>
-            <a:endParaRPr lang="en-US" altLang="ko-KR" sz="1000" dirty="0"/>
-          </a:p>
-          <a:p>
-            <a:endParaRPr lang="en-US" altLang="ko-KR" sz="1000" dirty="0"/>
-          </a:p>
-          <a:p>
-            <a:r>
-              <a:rPr lang="en-US" altLang="ko-KR" sz="1000" dirty="0" err="1"/>
-              <a:t>ReservationList</a:t>
-            </a:r>
-            <a:r>
-              <a:rPr lang="en-US" altLang="ko-KR" sz="1000" dirty="0"/>
-              <a:t>: </a:t>
-            </a:r>
-            <a:r>
-              <a:rPr lang="ko-KR" altLang="en-US" sz="1000" dirty="0"/>
-              <a:t>예약된 책과 해당 사용자 정보</a:t>
-            </a:r>
-            <a:endParaRPr lang="en-US" altLang="ko-KR" sz="1000" dirty="0"/>
-          </a:p>
-          <a:p>
-            <a:endParaRPr lang="en-US" altLang="ko-KR" sz="1000" dirty="0"/>
-          </a:p>
-          <a:p>
-            <a:r>
-              <a:rPr lang="en-US" altLang="ko-KR" sz="1000" dirty="0" err="1"/>
-              <a:t>PurchaseRequestList</a:t>
-            </a:r>
-            <a:r>
-              <a:rPr lang="en-US" altLang="ko-KR" sz="1000" dirty="0"/>
-              <a:t>: </a:t>
-            </a:r>
-            <a:r>
-              <a:rPr lang="ko-KR" altLang="en-US" sz="1000" dirty="0"/>
-              <a:t>구매 요청 목록을 저장</a:t>
-            </a:r>
-            <a:endParaRPr lang="en-US" altLang="ko-KR" sz="1000" dirty="0"/>
-          </a:p>
-          <a:p>
-            <a:endParaRPr lang="en-US" altLang="ko-KR" sz="1000" dirty="0"/>
-          </a:p>
-          <a:p>
-            <a:r>
-              <a:rPr lang="en-US" altLang="ko-KR" sz="1000" dirty="0"/>
-              <a:t>Main: </a:t>
-            </a:r>
-            <a:r>
-              <a:rPr lang="ko-KR" altLang="en-US" sz="1000" dirty="0"/>
-              <a:t>도서관 시스템</a:t>
-            </a:r>
-          </a:p>
-        </p:txBody>
-      </p:sp>
-    </p:spTree>
-    <p:extLst>
-      <p:ext uri="{BB962C8B-B14F-4D97-AF65-F5344CB8AC3E}">
-        <p14:creationId xmlns:p14="http://schemas.microsoft.com/office/powerpoint/2010/main" val="1892951951"/>
       </p:ext>
     </p:extLst>
   </p:cSld>

--- a/mini_library.pptx
+++ b/mini_library.pptx
@@ -259,7 +259,7 @@
           <a:p>
             <a:fld id="{63EB8CB0-ADEB-4FAF-A3C5-4F9D49DF492E}" type="datetimeFigureOut">
               <a:rPr lang="ko-KR" altLang="en-US" smtClean="0"/>
-              <a:t>2023-09-06</a:t>
+              <a:t>2023-09-09</a:t>
             </a:fld>
             <a:endParaRPr lang="ko-KR" altLang="en-US"/>
           </a:p>
@@ -457,7 +457,7 @@
           <a:p>
             <a:fld id="{63EB8CB0-ADEB-4FAF-A3C5-4F9D49DF492E}" type="datetimeFigureOut">
               <a:rPr lang="ko-KR" altLang="en-US" smtClean="0"/>
-              <a:t>2023-09-06</a:t>
+              <a:t>2023-09-09</a:t>
             </a:fld>
             <a:endParaRPr lang="ko-KR" altLang="en-US"/>
           </a:p>
@@ -665,7 +665,7 @@
           <a:p>
             <a:fld id="{63EB8CB0-ADEB-4FAF-A3C5-4F9D49DF492E}" type="datetimeFigureOut">
               <a:rPr lang="ko-KR" altLang="en-US" smtClean="0"/>
-              <a:t>2023-09-06</a:t>
+              <a:t>2023-09-09</a:t>
             </a:fld>
             <a:endParaRPr lang="ko-KR" altLang="en-US"/>
           </a:p>
@@ -863,7 +863,7 @@
           <a:p>
             <a:fld id="{63EB8CB0-ADEB-4FAF-A3C5-4F9D49DF492E}" type="datetimeFigureOut">
               <a:rPr lang="ko-KR" altLang="en-US" smtClean="0"/>
-              <a:t>2023-09-06</a:t>
+              <a:t>2023-09-09</a:t>
             </a:fld>
             <a:endParaRPr lang="ko-KR" altLang="en-US"/>
           </a:p>
@@ -1138,7 +1138,7 @@
           <a:p>
             <a:fld id="{63EB8CB0-ADEB-4FAF-A3C5-4F9D49DF492E}" type="datetimeFigureOut">
               <a:rPr lang="ko-KR" altLang="en-US" smtClean="0"/>
-              <a:t>2023-09-06</a:t>
+              <a:t>2023-09-09</a:t>
             </a:fld>
             <a:endParaRPr lang="ko-KR" altLang="en-US"/>
           </a:p>
@@ -1403,7 +1403,7 @@
           <a:p>
             <a:fld id="{63EB8CB0-ADEB-4FAF-A3C5-4F9D49DF492E}" type="datetimeFigureOut">
               <a:rPr lang="ko-KR" altLang="en-US" smtClean="0"/>
-              <a:t>2023-09-06</a:t>
+              <a:t>2023-09-09</a:t>
             </a:fld>
             <a:endParaRPr lang="ko-KR" altLang="en-US"/>
           </a:p>
@@ -1815,7 +1815,7 @@
           <a:p>
             <a:fld id="{63EB8CB0-ADEB-4FAF-A3C5-4F9D49DF492E}" type="datetimeFigureOut">
               <a:rPr lang="ko-KR" altLang="en-US" smtClean="0"/>
-              <a:t>2023-09-06</a:t>
+              <a:t>2023-09-09</a:t>
             </a:fld>
             <a:endParaRPr lang="ko-KR" altLang="en-US"/>
           </a:p>
@@ -1956,7 +1956,7 @@
           <a:p>
             <a:fld id="{63EB8CB0-ADEB-4FAF-A3C5-4F9D49DF492E}" type="datetimeFigureOut">
               <a:rPr lang="ko-KR" altLang="en-US" smtClean="0"/>
-              <a:t>2023-09-06</a:t>
+              <a:t>2023-09-09</a:t>
             </a:fld>
             <a:endParaRPr lang="ko-KR" altLang="en-US"/>
           </a:p>
@@ -2069,7 +2069,7 @@
           <a:p>
             <a:fld id="{63EB8CB0-ADEB-4FAF-A3C5-4F9D49DF492E}" type="datetimeFigureOut">
               <a:rPr lang="ko-KR" altLang="en-US" smtClean="0"/>
-              <a:t>2023-09-06</a:t>
+              <a:t>2023-09-09</a:t>
             </a:fld>
             <a:endParaRPr lang="ko-KR" altLang="en-US"/>
           </a:p>
@@ -2380,7 +2380,7 @@
           <a:p>
             <a:fld id="{63EB8CB0-ADEB-4FAF-A3C5-4F9D49DF492E}" type="datetimeFigureOut">
               <a:rPr lang="ko-KR" altLang="en-US" smtClean="0"/>
-              <a:t>2023-09-06</a:t>
+              <a:t>2023-09-09</a:t>
             </a:fld>
             <a:endParaRPr lang="ko-KR" altLang="en-US"/>
           </a:p>
@@ -2668,7 +2668,7 @@
           <a:p>
             <a:fld id="{63EB8CB0-ADEB-4FAF-A3C5-4F9D49DF492E}" type="datetimeFigureOut">
               <a:rPr lang="ko-KR" altLang="en-US" smtClean="0"/>
-              <a:t>2023-09-06</a:t>
+              <a:t>2023-09-09</a:t>
             </a:fld>
             <a:endParaRPr lang="ko-KR" altLang="en-US"/>
           </a:p>
@@ -2909,7 +2909,7 @@
           <a:p>
             <a:fld id="{63EB8CB0-ADEB-4FAF-A3C5-4F9D49DF492E}" type="datetimeFigureOut">
               <a:rPr lang="ko-KR" altLang="en-US" smtClean="0"/>
-              <a:t>2023-09-06</a:t>
+              <a:t>2023-09-09</a:t>
             </a:fld>
             <a:endParaRPr lang="ko-KR" altLang="en-US"/>
           </a:p>
@@ -3340,8 +3340,60 @@
         </p:nvSpPr>
         <p:spPr>
           <a:xfrm>
-            <a:off x="1386413" y="5398397"/>
-            <a:ext cx="5290846" cy="1273329"/>
+            <a:off x="1739182" y="5094790"/>
+            <a:ext cx="3645232" cy="1273329"/>
+          </a:xfrm>
+          <a:prstGeom prst="rect">
+            <a:avLst/>
+          </a:prstGeom>
+          <a:solidFill>
+            <a:schemeClr val="accent4">
+              <a:alpha val="50000"/>
+            </a:schemeClr>
+          </a:solidFill>
+          <a:ln>
+            <a:noFill/>
+          </a:ln>
+        </p:spPr>
+        <p:style>
+          <a:lnRef idx="0">
+            <a:scrgbClr r="0" g="0" b="0"/>
+          </a:lnRef>
+          <a:fillRef idx="0">
+            <a:scrgbClr r="0" g="0" b="0"/>
+          </a:fillRef>
+          <a:effectRef idx="0">
+            <a:scrgbClr r="0" g="0" b="0"/>
+          </a:effectRef>
+          <a:fontRef idx="minor">
+            <a:schemeClr val="lt1"/>
+          </a:fontRef>
+        </p:style>
+        <p:txBody>
+          <a:bodyPr rtlCol="0" anchor="ctr"/>
+          <a:lstStyle/>
+          <a:p>
+            <a:pPr algn="ctr"/>
+            <a:endParaRPr lang="ko-KR" altLang="en-US"/>
+          </a:p>
+        </p:txBody>
+      </p:sp>
+      <p:sp>
+        <p:nvSpPr>
+          <p:cNvPr id="6" name="직사각형 5">
+            <a:extLst>
+              <a:ext uri="{FF2B5EF4-FFF2-40B4-BE49-F238E27FC236}">
+                <a16:creationId xmlns:a16="http://schemas.microsoft.com/office/drawing/2014/main" id="{0562C8B9-A869-8C8D-0789-1973C8523FE1}"/>
+              </a:ext>
+            </a:extLst>
+          </p:cNvPr>
+          <p:cNvSpPr/>
+          <p:nvPr/>
+        </p:nvSpPr>
+        <p:spPr>
+          <a:xfrm>
+            <a:off x="5153654" y="234978"/>
+            <a:ext cx="2054750" cy="3580286"/>
           </a:xfrm>
           <a:prstGeom prst="rect">
             <a:avLst/>
@@ -3380,58 +3432,6 @@
       </p:sp>
       <p:sp>
         <p:nvSpPr>
-          <p:cNvPr id="6" name="직사각형 5">
-            <a:extLst>
-              <a:ext uri="{FF2B5EF4-FFF2-40B4-BE49-F238E27FC236}">
-                <a16:creationId xmlns:a16="http://schemas.microsoft.com/office/drawing/2014/main" id="{0562C8B9-A869-8C8D-0789-1973C8523FE1}"/>
-              </a:ext>
-            </a:extLst>
-          </p:cNvPr>
-          <p:cNvSpPr/>
-          <p:nvPr/>
-        </p:nvSpPr>
-        <p:spPr>
-          <a:xfrm>
-            <a:off x="5153654" y="234978"/>
-            <a:ext cx="2054750" cy="4533824"/>
-          </a:xfrm>
-          <a:prstGeom prst="rect">
-            <a:avLst/>
-          </a:prstGeom>
-          <a:solidFill>
-            <a:schemeClr val="accent5">
-              <a:alpha val="50000"/>
-            </a:schemeClr>
-          </a:solidFill>
-          <a:ln>
-            <a:noFill/>
-          </a:ln>
-        </p:spPr>
-        <p:style>
-          <a:lnRef idx="0">
-            <a:scrgbClr r="0" g="0" b="0"/>
-          </a:lnRef>
-          <a:fillRef idx="0">
-            <a:scrgbClr r="0" g="0" b="0"/>
-          </a:fillRef>
-          <a:effectRef idx="0">
-            <a:scrgbClr r="0" g="0" b="0"/>
-          </a:effectRef>
-          <a:fontRef idx="minor">
-            <a:schemeClr val="lt1"/>
-          </a:fontRef>
-        </p:style>
-        <p:txBody>
-          <a:bodyPr rtlCol="0" anchor="ctr"/>
-          <a:lstStyle/>
-          <a:p>
-            <a:pPr algn="ctr"/>
-            <a:endParaRPr lang="ko-KR" altLang="en-US"/>
-          </a:p>
-        </p:txBody>
-      </p:sp>
-      <p:sp>
-        <p:nvSpPr>
           <p:cNvPr id="14" name="직사각형 13">
             <a:extLst>
               <a:ext uri="{FF2B5EF4-FFF2-40B4-BE49-F238E27FC236}">
@@ -3520,7 +3520,7 @@
             <a:pPr algn="ctr"/>
             <a:r>
               <a:rPr lang="en-US" altLang="ko-KR" sz="1600" dirty="0"/>
-              <a:t>Reservation</a:t>
+              <a:t>Return</a:t>
             </a:r>
             <a:endParaRPr lang="ko-KR" altLang="en-US" sz="1600" dirty="0"/>
           </a:p>
@@ -3568,7 +3568,7 @@
             <a:pPr algn="ctr"/>
             <a:r>
               <a:rPr lang="en-US" altLang="ko-KR" sz="1600" dirty="0"/>
-              <a:t>Return</a:t>
+              <a:t>Reserve</a:t>
             </a:r>
             <a:endParaRPr lang="ko-KR" altLang="en-US" sz="1600" dirty="0"/>
           </a:p>
@@ -3576,10 +3576,10 @@
       </p:sp>
       <p:sp>
         <p:nvSpPr>
-          <p:cNvPr id="36" name="직사각형 35">
-            <a:extLst>
-              <a:ext uri="{FF2B5EF4-FFF2-40B4-BE49-F238E27FC236}">
-                <a16:creationId xmlns:a16="http://schemas.microsoft.com/office/drawing/2014/main" id="{58CC0EB2-5CC1-795F-8855-109234FE5416}"/>
+          <p:cNvPr id="38" name="직사각형 37">
+            <a:extLst>
+              <a:ext uri="{FF2B5EF4-FFF2-40B4-BE49-F238E27FC236}">
+                <a16:creationId xmlns:a16="http://schemas.microsoft.com/office/drawing/2014/main" id="{DA462385-0D82-9705-025F-B57334E5668C}"/>
               </a:ext>
             </a:extLst>
           </p:cNvPr>
@@ -3588,7 +3588,7 @@
         </p:nvSpPr>
         <p:spPr>
           <a:xfrm>
-            <a:off x="5415138" y="3651881"/>
+            <a:off x="1974038" y="5281058"/>
             <a:ext cx="1553029" cy="885372"/>
           </a:xfrm>
           <a:prstGeom prst="rect">
@@ -3616,14 +3616,14 @@
             <a:pPr algn="ctr"/>
             <a:r>
               <a:rPr lang="en-US" altLang="ko-KR" sz="1600" dirty="0"/>
-              <a:t>Purchase</a:t>
+              <a:t>Rental</a:t>
             </a:r>
           </a:p>
           <a:p>
             <a:pPr algn="ctr"/>
             <a:r>
               <a:rPr lang="en-US" altLang="ko-KR" sz="1600" dirty="0"/>
-              <a:t>Request</a:t>
+              <a:t>List</a:t>
             </a:r>
             <a:endParaRPr lang="ko-KR" altLang="en-US" sz="1600" dirty="0"/>
           </a:p>
@@ -3631,10 +3631,10 @@
       </p:sp>
       <p:sp>
         <p:nvSpPr>
-          <p:cNvPr id="38" name="직사각형 37">
-            <a:extLst>
-              <a:ext uri="{FF2B5EF4-FFF2-40B4-BE49-F238E27FC236}">
-                <a16:creationId xmlns:a16="http://schemas.microsoft.com/office/drawing/2014/main" id="{DA462385-0D82-9705-025F-B57334E5668C}"/>
+          <p:cNvPr id="40" name="직사각형 39">
+            <a:extLst>
+              <a:ext uri="{FF2B5EF4-FFF2-40B4-BE49-F238E27FC236}">
+                <a16:creationId xmlns:a16="http://schemas.microsoft.com/office/drawing/2014/main" id="{095B84D6-AB3E-54A2-D5DA-27E146AFB310}"/>
               </a:ext>
             </a:extLst>
           </p:cNvPr>
@@ -3643,7 +3643,7 @@
         </p:nvSpPr>
         <p:spPr>
           <a:xfrm>
-            <a:off x="1621269" y="5584665"/>
+            <a:off x="3603139" y="5281661"/>
             <a:ext cx="1553029" cy="885372"/>
           </a:xfrm>
           <a:prstGeom prst="rect">
@@ -3671,124 +3671,7 @@
             <a:pPr algn="ctr"/>
             <a:r>
               <a:rPr lang="en-US" altLang="ko-KR" sz="1600" dirty="0"/>
-              <a:t>Rental</a:t>
-            </a:r>
-          </a:p>
-          <a:p>
-            <a:pPr algn="ctr"/>
-            <a:r>
-              <a:rPr lang="en-US" altLang="ko-KR" sz="1600" dirty="0"/>
-              <a:t>History</a:t>
-            </a:r>
-            <a:endParaRPr lang="ko-KR" altLang="en-US" sz="1600" dirty="0"/>
-          </a:p>
-        </p:txBody>
-      </p:sp>
-      <p:sp>
-        <p:nvSpPr>
-          <p:cNvPr id="40" name="직사각형 39">
-            <a:extLst>
-              <a:ext uri="{FF2B5EF4-FFF2-40B4-BE49-F238E27FC236}">
-                <a16:creationId xmlns:a16="http://schemas.microsoft.com/office/drawing/2014/main" id="{095B84D6-AB3E-54A2-D5DA-27E146AFB310}"/>
-              </a:ext>
-            </a:extLst>
-          </p:cNvPr>
-          <p:cNvSpPr/>
-          <p:nvPr/>
-        </p:nvSpPr>
-        <p:spPr>
-          <a:xfrm>
-            <a:off x="3250370" y="5585268"/>
-            <a:ext cx="1553029" cy="885372"/>
-          </a:xfrm>
-          <a:prstGeom prst="rect">
-            <a:avLst/>
-          </a:prstGeom>
-        </p:spPr>
-        <p:style>
-          <a:lnRef idx="2">
-            <a:schemeClr val="accent1"/>
-          </a:lnRef>
-          <a:fillRef idx="1">
-            <a:schemeClr val="lt1"/>
-          </a:fillRef>
-          <a:effectRef idx="0">
-            <a:schemeClr val="accent1"/>
-          </a:effectRef>
-          <a:fontRef idx="minor">
-            <a:schemeClr val="dk1"/>
-          </a:fontRef>
-        </p:style>
-        <p:txBody>
-          <a:bodyPr rtlCol="0" anchor="ctr"/>
-          <a:lstStyle/>
-          <a:p>
-            <a:pPr algn="ctr"/>
-            <a:r>
-              <a:rPr lang="en-US" altLang="ko-KR" sz="1600" dirty="0"/>
               <a:t>Reservation</a:t>
-            </a:r>
-          </a:p>
-          <a:p>
-            <a:pPr algn="ctr"/>
-            <a:r>
-              <a:rPr lang="en-US" altLang="ko-KR" sz="1600" dirty="0"/>
-              <a:t>List</a:t>
-            </a:r>
-            <a:endParaRPr lang="ko-KR" altLang="en-US" sz="1600" dirty="0"/>
-          </a:p>
-        </p:txBody>
-      </p:sp>
-      <p:sp>
-        <p:nvSpPr>
-          <p:cNvPr id="43" name="직사각형 42">
-            <a:extLst>
-              <a:ext uri="{FF2B5EF4-FFF2-40B4-BE49-F238E27FC236}">
-                <a16:creationId xmlns:a16="http://schemas.microsoft.com/office/drawing/2014/main" id="{A4086B03-8374-918F-607A-38714C78193C}"/>
-              </a:ext>
-            </a:extLst>
-          </p:cNvPr>
-          <p:cNvSpPr/>
-          <p:nvPr/>
-        </p:nvSpPr>
-        <p:spPr>
-          <a:xfrm>
-            <a:off x="4879471" y="5584665"/>
-            <a:ext cx="1553029" cy="885372"/>
-          </a:xfrm>
-          <a:prstGeom prst="rect">
-            <a:avLst/>
-          </a:prstGeom>
-        </p:spPr>
-        <p:style>
-          <a:lnRef idx="2">
-            <a:schemeClr val="accent1"/>
-          </a:lnRef>
-          <a:fillRef idx="1">
-            <a:schemeClr val="lt1"/>
-          </a:fillRef>
-          <a:effectRef idx="0">
-            <a:schemeClr val="accent1"/>
-          </a:effectRef>
-          <a:fontRef idx="minor">
-            <a:schemeClr val="dk1"/>
-          </a:fontRef>
-        </p:style>
-        <p:txBody>
-          <a:bodyPr rtlCol="0" anchor="ctr"/>
-          <a:lstStyle/>
-          <a:p>
-            <a:pPr algn="ctr"/>
-            <a:r>
-              <a:rPr lang="en-US" altLang="ko-KR" sz="1600" dirty="0"/>
-              <a:t>Purchase</a:t>
-            </a:r>
-          </a:p>
-          <a:p>
-            <a:pPr algn="ctr"/>
-            <a:r>
-              <a:rPr lang="en-US" altLang="ko-KR" sz="1600" dirty="0"/>
-              <a:t>Request</a:t>
             </a:r>
           </a:p>
           <a:p>
@@ -3869,7 +3752,7 @@
         </p:nvSpPr>
         <p:spPr>
           <a:xfrm>
-            <a:off x="1386412" y="3883430"/>
+            <a:off x="745146" y="3618214"/>
             <a:ext cx="1553029" cy="885372"/>
           </a:xfrm>
           <a:prstGeom prst="rect">
@@ -3923,7 +3806,7 @@
         </p:nvSpPr>
         <p:spPr>
           <a:xfrm>
-            <a:off x="3295930" y="3883430"/>
+            <a:off x="2654664" y="3618214"/>
             <a:ext cx="1553029" cy="885372"/>
           </a:xfrm>
           <a:prstGeom prst="rect">
@@ -4077,21 +3960,6 @@
             <a:r>
               <a:rPr lang="en-US" altLang="ko-KR" sz="1600" dirty="0"/>
               <a:t>Member</a:t>
-            </a:r>
-          </a:p>
-          <a:p>
-            <a:pPr algn="ctr"/>
-            <a:r>
-              <a:rPr lang="en-US" altLang="ko-KR" sz="1000" dirty="0"/>
-              <a:t>(</a:t>
-            </a:r>
-            <a:r>
-              <a:rPr lang="ko-KR" altLang="en-US" sz="1000" dirty="0"/>
-              <a:t>추상클래스</a:t>
-            </a:r>
-            <a:r>
-              <a:rPr lang="en-US" altLang="ko-KR" sz="1000" dirty="0"/>
-              <a:t>)</a:t>
             </a:r>
             <a:endParaRPr lang="ko-KR" altLang="en-US" sz="1000" dirty="0"/>
           </a:p>
@@ -4297,22 +4165,6 @@
                 <a:r>
                   <a:rPr lang="en-US" altLang="ko-KR" sz="1600" dirty="0" err="1"/>
                   <a:t>AdminMenu</a:t>
-                </a:r>
-                <a:endParaRPr lang="en-US" altLang="ko-KR" sz="1600" dirty="0"/>
-              </a:p>
-              <a:p>
-                <a:pPr algn="ctr"/>
-                <a:r>
-                  <a:rPr lang="en-US" altLang="ko-KR" sz="1000" dirty="0"/>
-                  <a:t>(</a:t>
-                </a:r>
-                <a:r>
-                  <a:rPr lang="ko-KR" altLang="en-US" sz="1000" dirty="0"/>
-                  <a:t>추상클래스</a:t>
-                </a:r>
-                <a:r>
-                  <a:rPr lang="en-US" altLang="ko-KR" sz="1000" dirty="0"/>
-                  <a:t>)</a:t>
                 </a:r>
                 <a:endParaRPr lang="ko-KR" altLang="en-US" sz="1000" dirty="0"/>
               </a:p>
@@ -4699,7 +4551,7 @@
         </p:nvCxnSpPr>
         <p:spPr>
           <a:xfrm>
-            <a:off x="2939441" y="4326116"/>
+            <a:off x="2298175" y="4060900"/>
             <a:ext cx="356489" cy="0"/>
           </a:xfrm>
           <a:prstGeom prst="straightConnector1">
@@ -4852,174 +4704,6 @@
       </p:cxnSp>
       <p:cxnSp>
         <p:nvCxnSpPr>
-          <p:cNvPr id="18" name="직선 화살표 연결선 17">
-            <a:extLst>
-              <a:ext uri="{FF2B5EF4-FFF2-40B4-BE49-F238E27FC236}">
-                <a16:creationId xmlns:a16="http://schemas.microsoft.com/office/drawing/2014/main" id="{3D9FF64A-9888-46E6-AB37-7C5314B5B210}"/>
-              </a:ext>
-            </a:extLst>
-          </p:cNvPr>
-          <p:cNvCxnSpPr>
-            <a:stCxn id="44" idx="3"/>
-            <a:endCxn id="36" idx="1"/>
-          </p:cNvCxnSpPr>
-          <p:nvPr/>
-        </p:nvCxnSpPr>
-        <p:spPr>
-          <a:xfrm>
-            <a:off x="4675221" y="1272732"/>
-            <a:ext cx="739917" cy="2821835"/>
-          </a:xfrm>
-          <a:prstGeom prst="straightConnector1">
-            <a:avLst/>
-          </a:prstGeom>
-          <a:ln>
-            <a:tailEnd type="triangle"/>
-          </a:ln>
-        </p:spPr>
-        <p:style>
-          <a:lnRef idx="1">
-            <a:schemeClr val="accent1"/>
-          </a:lnRef>
-          <a:fillRef idx="0">
-            <a:schemeClr val="accent1"/>
-          </a:fillRef>
-          <a:effectRef idx="0">
-            <a:schemeClr val="accent1"/>
-          </a:effectRef>
-          <a:fontRef idx="minor">
-            <a:schemeClr val="tx1"/>
-          </a:fontRef>
-        </p:style>
-      </p:cxnSp>
-      <p:cxnSp>
-        <p:nvCxnSpPr>
-          <p:cNvPr id="20" name="직선 화살표 연결선 19">
-            <a:extLst>
-              <a:ext uri="{FF2B5EF4-FFF2-40B4-BE49-F238E27FC236}">
-                <a16:creationId xmlns:a16="http://schemas.microsoft.com/office/drawing/2014/main" id="{96016A60-F1A1-424D-B195-460EE70C5EC0}"/>
-              </a:ext>
-            </a:extLst>
-          </p:cNvPr>
-          <p:cNvCxnSpPr>
-            <a:stCxn id="46" idx="2"/>
-            <a:endCxn id="38" idx="0"/>
-          </p:cNvCxnSpPr>
-          <p:nvPr/>
-        </p:nvCxnSpPr>
-        <p:spPr>
-          <a:xfrm flipH="1">
-            <a:off x="2397784" y="4768802"/>
-            <a:ext cx="1674661" cy="815863"/>
-          </a:xfrm>
-          <a:prstGeom prst="straightConnector1">
-            <a:avLst/>
-          </a:prstGeom>
-          <a:ln>
-            <a:tailEnd type="triangle"/>
-          </a:ln>
-        </p:spPr>
-        <p:style>
-          <a:lnRef idx="1">
-            <a:schemeClr val="accent1"/>
-          </a:lnRef>
-          <a:fillRef idx="0">
-            <a:schemeClr val="accent1"/>
-          </a:fillRef>
-          <a:effectRef idx="0">
-            <a:schemeClr val="accent1"/>
-          </a:effectRef>
-          <a:fontRef idx="minor">
-            <a:schemeClr val="tx1"/>
-          </a:fontRef>
-        </p:style>
-      </p:cxnSp>
-      <p:cxnSp>
-        <p:nvCxnSpPr>
-          <p:cNvPr id="23" name="직선 화살표 연결선 22">
-            <a:extLst>
-              <a:ext uri="{FF2B5EF4-FFF2-40B4-BE49-F238E27FC236}">
-                <a16:creationId xmlns:a16="http://schemas.microsoft.com/office/drawing/2014/main" id="{86BADEB6-523C-4C27-83D0-84CC53570279}"/>
-              </a:ext>
-            </a:extLst>
-          </p:cNvPr>
-          <p:cNvCxnSpPr>
-            <a:stCxn id="46" idx="2"/>
-            <a:endCxn id="40" idx="0"/>
-          </p:cNvCxnSpPr>
-          <p:nvPr/>
-        </p:nvCxnSpPr>
-        <p:spPr>
-          <a:xfrm flipH="1">
-            <a:off x="4026885" y="4768802"/>
-            <a:ext cx="45560" cy="816466"/>
-          </a:xfrm>
-          <a:prstGeom prst="straightConnector1">
-            <a:avLst/>
-          </a:prstGeom>
-          <a:ln>
-            <a:tailEnd type="triangle"/>
-          </a:ln>
-        </p:spPr>
-        <p:style>
-          <a:lnRef idx="1">
-            <a:schemeClr val="accent1"/>
-          </a:lnRef>
-          <a:fillRef idx="0">
-            <a:schemeClr val="accent1"/>
-          </a:fillRef>
-          <a:effectRef idx="0">
-            <a:schemeClr val="accent1"/>
-          </a:effectRef>
-          <a:fontRef idx="minor">
-            <a:schemeClr val="tx1"/>
-          </a:fontRef>
-        </p:style>
-      </p:cxnSp>
-      <p:cxnSp>
-        <p:nvCxnSpPr>
-          <p:cNvPr id="25" name="직선 화살표 연결선 24">
-            <a:extLst>
-              <a:ext uri="{FF2B5EF4-FFF2-40B4-BE49-F238E27FC236}">
-                <a16:creationId xmlns:a16="http://schemas.microsoft.com/office/drawing/2014/main" id="{8461B450-4EB5-44F4-AC76-06400FB20A1A}"/>
-              </a:ext>
-            </a:extLst>
-          </p:cNvPr>
-          <p:cNvCxnSpPr>
-            <a:stCxn id="46" idx="2"/>
-            <a:endCxn id="43" idx="0"/>
-          </p:cNvCxnSpPr>
-          <p:nvPr/>
-        </p:nvCxnSpPr>
-        <p:spPr>
-          <a:xfrm>
-            <a:off x="4072445" y="4768802"/>
-            <a:ext cx="1583541" cy="815863"/>
-          </a:xfrm>
-          <a:prstGeom prst="straightConnector1">
-            <a:avLst/>
-          </a:prstGeom>
-          <a:ln>
-            <a:tailEnd type="triangle"/>
-          </a:ln>
-        </p:spPr>
-        <p:style>
-          <a:lnRef idx="1">
-            <a:schemeClr val="accent1"/>
-          </a:lnRef>
-          <a:fillRef idx="0">
-            <a:schemeClr val="accent1"/>
-          </a:fillRef>
-          <a:effectRef idx="0">
-            <a:schemeClr val="accent1"/>
-          </a:effectRef>
-          <a:fontRef idx="minor">
-            <a:schemeClr val="tx1"/>
-          </a:fontRef>
-        </p:style>
-      </p:cxnSp>
-      <p:cxnSp>
-        <p:nvCxnSpPr>
           <p:cNvPr id="39" name="연결선: 꺾임 38">
             <a:extLst>
               <a:ext uri="{FF2B5EF4-FFF2-40B4-BE49-F238E27FC236}">
@@ -5070,19 +4754,20 @@
             </a:extLst>
           </p:cNvPr>
           <p:cNvCxnSpPr>
-            <a:stCxn id="50" idx="0"/>
-            <a:endCxn id="44" idx="0"/>
+            <a:cxnSpLocks/>
+            <a:stCxn id="44" idx="0"/>
+            <a:endCxn id="50" idx="0"/>
           </p:cNvCxnSpPr>
           <p:nvPr/>
         </p:nvCxnSpPr>
         <p:spPr>
-          <a:xfrm rot="16200000" flipV="1">
-            <a:off x="5321600" y="-592846"/>
+          <a:xfrm rot="16200000" flipH="1">
+            <a:off x="5321598" y="-592846"/>
             <a:ext cx="1802117" cy="4647901"/>
           </a:xfrm>
           <a:prstGeom prst="bentConnector3">
             <a:avLst>
-              <a:gd name="adj1" fmla="val 112685"/>
+              <a:gd name="adj1" fmla="val -39505"/>
             </a:avLst>
           </a:prstGeom>
           <a:ln>
@@ -5125,7 +4810,9 @@
             <a:ext cx="4952595" cy="2890689"/>
           </a:xfrm>
           <a:prstGeom prst="bentConnector3">
-            <a:avLst/>
+            <a:avLst>
+              <a:gd name="adj1" fmla="val 58704"/>
+            </a:avLst>
           </a:prstGeom>
           <a:ln>
             <a:tailEnd type="triangle"/>
@@ -5156,17 +4843,21 @@
             </a:extLst>
           </p:cNvPr>
           <p:cNvCxnSpPr>
+            <a:cxnSpLocks/>
+            <a:stCxn id="38" idx="2"/>
             <a:endCxn id="57" idx="2"/>
           </p:cNvCxnSpPr>
           <p:nvPr/>
         </p:nvCxnSpPr>
         <p:spPr>
-          <a:xfrm flipV="1">
-            <a:off x="3174298" y="4606107"/>
-            <a:ext cx="7631562" cy="1193802"/>
+          <a:xfrm rot="5400000" flipH="1" flipV="1">
+            <a:off x="5998044" y="1358615"/>
+            <a:ext cx="1560323" cy="8055307"/>
           </a:xfrm>
-          <a:prstGeom prst="bentConnector2">
-            <a:avLst/>
+          <a:prstGeom prst="bentConnector3">
+            <a:avLst>
+              <a:gd name="adj1" fmla="val -25534"/>
+            </a:avLst>
           </a:prstGeom>
           <a:ln w="9525" cap="flat" cmpd="sng" algn="ctr">
             <a:solidFill>
@@ -5203,17 +4894,21 @@
             </a:extLst>
           </p:cNvPr>
           <p:cNvCxnSpPr>
-            <a:endCxn id="57" idx="2"/>
+            <a:cxnSpLocks/>
+            <a:stCxn id="40" idx="3"/>
+            <a:endCxn id="57" idx="3"/>
           </p:cNvCxnSpPr>
           <p:nvPr/>
         </p:nvCxnSpPr>
         <p:spPr>
           <a:xfrm flipV="1">
-            <a:off x="4803399" y="4606107"/>
-            <a:ext cx="6002461" cy="1572624"/>
+            <a:off x="5156168" y="4163421"/>
+            <a:ext cx="6032132" cy="1560926"/>
           </a:xfrm>
-          <a:prstGeom prst="bentConnector2">
-            <a:avLst/>
+          <a:prstGeom prst="bentConnector3">
+            <a:avLst>
+              <a:gd name="adj1" fmla="val 103790"/>
+            </a:avLst>
           </a:prstGeom>
           <a:ln w="9525" cap="flat" cmpd="sng" algn="ctr">
             <a:solidFill>
@@ -5242,35 +4937,240 @@
       </p:cxnSp>
       <p:cxnSp>
         <p:nvCxnSpPr>
-          <p:cNvPr id="96" name="연결선: 꺾임 95">
-            <a:extLst>
-              <a:ext uri="{FF2B5EF4-FFF2-40B4-BE49-F238E27FC236}">
-                <a16:creationId xmlns:a16="http://schemas.microsoft.com/office/drawing/2014/main" id="{969A361A-2DDC-43D5-9D22-E9EB3FE1E58A}"/>
+          <p:cNvPr id="17" name="연결선: 구부러짐 16">
+            <a:extLst>
+              <a:ext uri="{FF2B5EF4-FFF2-40B4-BE49-F238E27FC236}">
+                <a16:creationId xmlns:a16="http://schemas.microsoft.com/office/drawing/2014/main" id="{F56780DC-F167-4D96-9490-4AE3A60B2B59}"/>
               </a:ext>
             </a:extLst>
           </p:cNvPr>
           <p:cNvCxnSpPr>
-            <a:stCxn id="43" idx="3"/>
-            <a:endCxn id="57" idx="2"/>
+            <a:cxnSpLocks/>
+            <a:stCxn id="46" idx="2"/>
+            <a:endCxn id="40" idx="0"/>
           </p:cNvCxnSpPr>
           <p:nvPr/>
         </p:nvCxnSpPr>
         <p:spPr>
-          <a:xfrm flipV="1">
-            <a:off x="6432500" y="4606107"/>
-            <a:ext cx="4373360" cy="1421244"/>
+          <a:xfrm rot="16200000" flipH="1">
+            <a:off x="3516379" y="4418385"/>
+            <a:ext cx="778075" cy="948475"/>
           </a:xfrm>
-          <a:prstGeom prst="bentConnector2">
+          <a:prstGeom prst="curvedConnector3">
+            <a:avLst>
+              <a:gd name="adj1" fmla="val 50000"/>
+            </a:avLst>
+          </a:prstGeom>
+          <a:ln w="9525" cap="flat" cmpd="sng" algn="ctr">
+            <a:solidFill>
+              <a:schemeClr val="accent3"/>
+            </a:solidFill>
+            <a:prstDash val="solid"/>
+            <a:round/>
+            <a:headEnd type="none" w="med" len="med"/>
+            <a:tailEnd type="arrow" w="med" len="med"/>
+          </a:ln>
+        </p:spPr>
+        <p:style>
+          <a:lnRef idx="0">
+            <a:scrgbClr r="0" g="0" b="0"/>
+          </a:lnRef>
+          <a:fillRef idx="0">
+            <a:scrgbClr r="0" g="0" b="0"/>
+          </a:fillRef>
+          <a:effectRef idx="0">
+            <a:scrgbClr r="0" g="0" b="0"/>
+          </a:effectRef>
+          <a:fontRef idx="minor">
+            <a:schemeClr val="tx1"/>
+          </a:fontRef>
+        </p:style>
+      </p:cxnSp>
+      <p:cxnSp>
+        <p:nvCxnSpPr>
+          <p:cNvPr id="21" name="연결선: 구부러짐 20">
+            <a:extLst>
+              <a:ext uri="{FF2B5EF4-FFF2-40B4-BE49-F238E27FC236}">
+                <a16:creationId xmlns:a16="http://schemas.microsoft.com/office/drawing/2014/main" id="{DC616405-AF52-40FB-8A47-AD1C09CD6E93}"/>
+              </a:ext>
+            </a:extLst>
+          </p:cNvPr>
+          <p:cNvCxnSpPr>
+            <a:cxnSpLocks/>
+            <a:stCxn id="46" idx="2"/>
+            <a:endCxn id="38" idx="0"/>
+          </p:cNvCxnSpPr>
+          <p:nvPr/>
+        </p:nvCxnSpPr>
+        <p:spPr>
+          <a:xfrm rot="5400000">
+            <a:off x="2702130" y="4552009"/>
+            <a:ext cx="777472" cy="680626"/>
+          </a:xfrm>
+          <a:prstGeom prst="curvedConnector3">
             <a:avLst/>
           </a:prstGeom>
           <a:ln w="9525" cap="flat" cmpd="sng" algn="ctr">
             <a:solidFill>
-              <a:schemeClr val="accent2"/>
+              <a:schemeClr val="accent3"/>
             </a:solidFill>
-            <a:prstDash val="dash"/>
+            <a:prstDash val="solid"/>
             <a:round/>
             <a:headEnd type="none" w="med" len="med"/>
-            <a:tailEnd type="none" w="med" len="med"/>
+            <a:tailEnd type="arrow" w="med" len="med"/>
+          </a:ln>
+        </p:spPr>
+        <p:style>
+          <a:lnRef idx="0">
+            <a:scrgbClr r="0" g="0" b="0"/>
+          </a:lnRef>
+          <a:fillRef idx="0">
+            <a:scrgbClr r="0" g="0" b="0"/>
+          </a:fillRef>
+          <a:effectRef idx="0">
+            <a:scrgbClr r="0" g="0" b="0"/>
+          </a:effectRef>
+          <a:fontRef idx="minor">
+            <a:schemeClr val="tx1"/>
+          </a:fontRef>
+        </p:style>
+      </p:cxnSp>
+      <p:cxnSp>
+        <p:nvCxnSpPr>
+          <p:cNvPr id="31" name="연결선: 구부러짐 30">
+            <a:extLst>
+              <a:ext uri="{FF2B5EF4-FFF2-40B4-BE49-F238E27FC236}">
+                <a16:creationId xmlns:a16="http://schemas.microsoft.com/office/drawing/2014/main" id="{A4D2F523-71DB-4D84-B36F-513DB7B3CCC2}"/>
+              </a:ext>
+            </a:extLst>
+          </p:cNvPr>
+          <p:cNvCxnSpPr>
+            <a:cxnSpLocks/>
+            <a:stCxn id="14" idx="2"/>
+            <a:endCxn id="38" idx="0"/>
+          </p:cNvCxnSpPr>
+          <p:nvPr/>
+        </p:nvCxnSpPr>
+        <p:spPr>
+          <a:xfrm rot="5400000">
+            <a:off x="2518202" y="1607605"/>
+            <a:ext cx="3905805" cy="3441101"/>
+          </a:xfrm>
+          <a:prstGeom prst="curvedConnector3">
+            <a:avLst>
+              <a:gd name="adj1" fmla="val 61371"/>
+            </a:avLst>
+          </a:prstGeom>
+          <a:ln w="9525" cap="flat" cmpd="sng" algn="ctr">
+            <a:solidFill>
+              <a:schemeClr val="accent3"/>
+            </a:solidFill>
+            <a:prstDash val="solid"/>
+            <a:round/>
+            <a:headEnd type="none" w="med" len="med"/>
+            <a:tailEnd type="arrow" w="med" len="med"/>
+          </a:ln>
+        </p:spPr>
+        <p:style>
+          <a:lnRef idx="0">
+            <a:scrgbClr r="0" g="0" b="0"/>
+          </a:lnRef>
+          <a:fillRef idx="0">
+            <a:scrgbClr r="0" g="0" b="0"/>
+          </a:fillRef>
+          <a:effectRef idx="0">
+            <a:scrgbClr r="0" g="0" b="0"/>
+          </a:effectRef>
+          <a:fontRef idx="minor">
+            <a:schemeClr val="tx1"/>
+          </a:fontRef>
+        </p:style>
+      </p:cxnSp>
+      <p:cxnSp>
+        <p:nvCxnSpPr>
+          <p:cNvPr id="33" name="연결선: 구부러짐 32">
+            <a:extLst>
+              <a:ext uri="{FF2B5EF4-FFF2-40B4-BE49-F238E27FC236}">
+                <a16:creationId xmlns:a16="http://schemas.microsoft.com/office/drawing/2014/main" id="{8F3157FA-6062-4288-9137-F2E91519F474}"/>
+              </a:ext>
+            </a:extLst>
+          </p:cNvPr>
+          <p:cNvCxnSpPr>
+            <a:cxnSpLocks/>
+            <a:stCxn id="22" idx="3"/>
+            <a:endCxn id="38" idx="3"/>
+          </p:cNvCxnSpPr>
+          <p:nvPr/>
+        </p:nvCxnSpPr>
+        <p:spPr>
+          <a:xfrm flipH="1">
+            <a:off x="3527067" y="1987652"/>
+            <a:ext cx="3441101" cy="3736092"/>
+          </a:xfrm>
+          <a:prstGeom prst="curvedConnector3">
+            <a:avLst>
+              <a:gd name="adj1" fmla="val -6643"/>
+            </a:avLst>
+          </a:prstGeom>
+          <a:ln w="9525" cap="flat" cmpd="sng" algn="ctr">
+            <a:solidFill>
+              <a:schemeClr val="accent3"/>
+            </a:solidFill>
+            <a:prstDash val="solid"/>
+            <a:round/>
+            <a:headEnd type="none" w="med" len="med"/>
+            <a:tailEnd type="arrow" w="med" len="med"/>
+          </a:ln>
+        </p:spPr>
+        <p:style>
+          <a:lnRef idx="0">
+            <a:scrgbClr r="0" g="0" b="0"/>
+          </a:lnRef>
+          <a:fillRef idx="0">
+            <a:scrgbClr r="0" g="0" b="0"/>
+          </a:fillRef>
+          <a:effectRef idx="0">
+            <a:scrgbClr r="0" g="0" b="0"/>
+          </a:effectRef>
+          <a:fontRef idx="minor">
+            <a:schemeClr val="tx1"/>
+          </a:fontRef>
+        </p:style>
+      </p:cxnSp>
+      <p:cxnSp>
+        <p:nvCxnSpPr>
+          <p:cNvPr id="62" name="연결선: 구부러짐 61">
+            <a:extLst>
+              <a:ext uri="{FF2B5EF4-FFF2-40B4-BE49-F238E27FC236}">
+                <a16:creationId xmlns:a16="http://schemas.microsoft.com/office/drawing/2014/main" id="{533B02A1-4938-4EFB-90DF-0C088AD448E5}"/>
+              </a:ext>
+            </a:extLst>
+          </p:cNvPr>
+          <p:cNvCxnSpPr>
+            <a:cxnSpLocks/>
+            <a:stCxn id="34" idx="2"/>
+            <a:endCxn id="40" idx="0"/>
+          </p:cNvCxnSpPr>
+          <p:nvPr/>
+        </p:nvCxnSpPr>
+        <p:spPr>
+          <a:xfrm rot="5400000">
+            <a:off x="4387535" y="3477543"/>
+            <a:ext cx="1796238" cy="1811999"/>
+          </a:xfrm>
+          <a:prstGeom prst="curvedConnector3">
+            <a:avLst>
+              <a:gd name="adj1" fmla="val 50000"/>
+            </a:avLst>
+          </a:prstGeom>
+          <a:ln w="9525" cap="flat" cmpd="sng" algn="ctr">
+            <a:solidFill>
+              <a:schemeClr val="accent3"/>
+            </a:solidFill>
+            <a:prstDash val="solid"/>
+            <a:round/>
+            <a:headEnd type="none" w="med" len="med"/>
+            <a:tailEnd type="arrow" w="med" len="med"/>
           </a:ln>
         </p:spPr>
         <p:style>
